--- a/Week02/JavaScriptVariables.pptx
+++ b/Week02/JavaScriptVariables.pptx
@@ -5,7 +5,7 @@
     <p:sldMasterId id="2147483648" r:id="rId1"/>
   </p:sldMasterIdLst>
   <p:notesMasterIdLst>
-    <p:notesMasterId r:id="rId14"/>
+    <p:notesMasterId r:id="rId16"/>
   </p:notesMasterIdLst>
   <p:sldIdLst>
     <p:sldId id="258" r:id="rId2"/>
@@ -20,6 +20,8 @@
     <p:sldId id="322" r:id="rId11"/>
     <p:sldId id="323" r:id="rId12"/>
     <p:sldId id="324" r:id="rId13"/>
+    <p:sldId id="325" r:id="rId14"/>
+    <p:sldId id="326" r:id="rId15"/>
   </p:sldIdLst>
   <p:sldSz cx="12192000" cy="6858000"/>
   <p:notesSz cx="6858000" cy="9144000"/>
@@ -219,7 +221,7 @@
           <a:p>
             <a:fld id="{19104133-B5B0-4351-8158-4F0E5EB1E2BF}" type="datetimeFigureOut">
               <a:rPr lang="en-US" smtClean="0"/>
-              <a:t>3/24/2020</a:t>
+              <a:t>9/1/2022</a:t>
             </a:fld>
             <a:endParaRPr lang="en-US"/>
           </a:p>
@@ -283,38 +285,37 @@
           <a:p>
             <a:pPr lvl="0"/>
             <a:r>
-              <a:rPr lang="en-US" smtClean="0"/>
+              <a:rPr lang="en-US"/>
               <a:t>Edit Master text styles</a:t>
             </a:r>
           </a:p>
           <a:p>
             <a:pPr lvl="1"/>
             <a:r>
-              <a:rPr lang="en-US" smtClean="0"/>
+              <a:rPr lang="en-US"/>
               <a:t>Second level</a:t>
             </a:r>
           </a:p>
           <a:p>
             <a:pPr lvl="2"/>
             <a:r>
-              <a:rPr lang="en-US" smtClean="0"/>
+              <a:rPr lang="en-US"/>
               <a:t>Third level</a:t>
             </a:r>
           </a:p>
           <a:p>
             <a:pPr lvl="3"/>
             <a:r>
-              <a:rPr lang="en-US" smtClean="0"/>
+              <a:rPr lang="en-US"/>
               <a:t>Fourth level</a:t>
             </a:r>
           </a:p>
           <a:p>
             <a:pPr lvl="4"/>
             <a:r>
-              <a:rPr lang="en-US" smtClean="0"/>
+              <a:rPr lang="en-US"/>
               <a:t>Fifth level</a:t>
             </a:r>
-            <a:endParaRPr lang="en-US"/>
           </a:p>
         </p:txBody>
       </p:sp>
@@ -532,19 +533,19 @@
           <a:lstStyle/>
           <a:p>
             <a:r>
-              <a:rPr lang="en-US" dirty="0" smtClean="0"/>
+              <a:rPr lang="en-US" dirty="0"/>
               <a:t>Introduce</a:t>
             </a:r>
             <a:r>
-              <a:rPr lang="en-US" baseline="0" dirty="0" smtClean="0"/>
+              <a:rPr lang="en-US" baseline="0" dirty="0"/>
               <a:t> the idea of variables – containers for data. Ask the students to think about </a:t>
             </a:r>
             <a:r>
-              <a:rPr lang="en-US" b="1" baseline="0" dirty="0" smtClean="0"/>
+              <a:rPr lang="en-US" b="1" baseline="0" dirty="0"/>
               <a:t>data</a:t>
             </a:r>
             <a:r>
-              <a:rPr lang="en-US" b="0" baseline="0" dirty="0" smtClean="0"/>
+              <a:rPr lang="en-US" b="0" baseline="0" dirty="0"/>
               <a:t> they might see on a website. </a:t>
             </a:r>
             <a:endParaRPr lang="en-US" dirty="0"/>
@@ -632,11 +633,11 @@
           <a:lstStyle/>
           <a:p>
             <a:r>
-              <a:rPr lang="en-US" dirty="0" smtClean="0"/>
+              <a:rPr lang="en-US" dirty="0"/>
               <a:t>Allow the students a few minutes to</a:t>
             </a:r>
             <a:r>
-              <a:rPr lang="en-US" baseline="0" dirty="0" smtClean="0"/>
+              <a:rPr lang="en-US" baseline="0" dirty="0"/>
               <a:t> attempt the challenge</a:t>
             </a:r>
             <a:endParaRPr lang="en-US" dirty="0"/>
@@ -724,19 +725,19 @@
           <a:lstStyle/>
           <a:p>
             <a:r>
-              <a:rPr lang="en-US" dirty="0" smtClean="0"/>
+              <a:rPr lang="en-US" dirty="0"/>
               <a:t>Display the solution</a:t>
             </a:r>
             <a:r>
-              <a:rPr lang="en-US" baseline="0" dirty="0" smtClean="0"/>
+              <a:rPr lang="en-US" baseline="0" dirty="0"/>
               <a:t> for the students. Note that the user’s answer is stored in the </a:t>
             </a:r>
             <a:r>
-              <a:rPr lang="en-US" b="1" baseline="0" dirty="0" smtClean="0"/>
+              <a:rPr lang="en-US" b="1" baseline="0" dirty="0"/>
               <a:t>name</a:t>
             </a:r>
             <a:r>
-              <a:rPr lang="en-US" b="0" baseline="0" dirty="0" smtClean="0"/>
+              <a:rPr lang="en-US" b="0" baseline="0" dirty="0"/>
               <a:t> variable, and then combined with “Hello, “ for the message.</a:t>
             </a:r>
             <a:endParaRPr lang="en-US" dirty="0"/>
@@ -770,6 +771,94 @@
     <p:extLst>
       <p:ext uri="{BB962C8B-B14F-4D97-AF65-F5344CB8AC3E}">
         <p14:creationId xmlns:p14="http://schemas.microsoft.com/office/powerpoint/2010/main" val="3938198376"/>
+      </p:ext>
+    </p:extLst>
+  </p:cSld>
+  <p:clrMapOvr>
+    <a:masterClrMapping/>
+  </p:clrMapOvr>
+</p:notes>
+</file>
+
+<file path=ppt/notesSlides/notesSlide12.xml><?xml version="1.0" encoding="utf-8"?>
+<p:notes xmlns:a="http://schemas.openxmlformats.org/drawingml/2006/main" xmlns:r="http://schemas.openxmlformats.org/officeDocument/2006/relationships" xmlns:p="http://schemas.openxmlformats.org/presentationml/2006/main">
+  <p:cSld>
+    <p:spTree>
+      <p:nvGrpSpPr>
+        <p:cNvPr id="1" name=""/>
+        <p:cNvGrpSpPr/>
+        <p:nvPr/>
+      </p:nvGrpSpPr>
+      <p:grpSpPr>
+        <a:xfrm>
+          <a:off x="0" y="0"/>
+          <a:ext cx="0" cy="0"/>
+          <a:chOff x="0" y="0"/>
+          <a:chExt cx="0" cy="0"/>
+        </a:xfrm>
+      </p:grpSpPr>
+      <p:sp>
+        <p:nvSpPr>
+          <p:cNvPr id="2" name="Slide Image Placeholder 1"/>
+          <p:cNvSpPr>
+            <a:spLocks noGrp="1" noRot="1" noChangeAspect="1"/>
+          </p:cNvSpPr>
+          <p:nvPr>
+            <p:ph type="sldImg"/>
+          </p:nvPr>
+        </p:nvSpPr>
+        <p:spPr/>
+      </p:sp>
+      <p:sp>
+        <p:nvSpPr>
+          <p:cNvPr id="3" name="Notes Placeholder 2"/>
+          <p:cNvSpPr>
+            <a:spLocks noGrp="1"/>
+          </p:cNvSpPr>
+          <p:nvPr>
+            <p:ph type="body" idx="1"/>
+          </p:nvPr>
+        </p:nvSpPr>
+        <p:spPr/>
+        <p:txBody>
+          <a:bodyPr/>
+          <a:lstStyle/>
+          <a:p>
+            <a:r>
+              <a:rPr lang="en-US" dirty="0"/>
+              <a:t>Let’s take a look at this example in action!</a:t>
+            </a:r>
+            <a:endParaRPr lang="en-US" baseline="0" dirty="0"/>
+          </a:p>
+        </p:txBody>
+      </p:sp>
+      <p:sp>
+        <p:nvSpPr>
+          <p:cNvPr id="4" name="Slide Number Placeholder 3"/>
+          <p:cNvSpPr>
+            <a:spLocks noGrp="1"/>
+          </p:cNvSpPr>
+          <p:nvPr>
+            <p:ph type="sldNum" sz="quarter" idx="10"/>
+          </p:nvPr>
+        </p:nvSpPr>
+        <p:spPr/>
+        <p:txBody>
+          <a:bodyPr/>
+          <a:lstStyle/>
+          <a:p>
+            <a:fld id="{DEC8F7F9-57EC-49CF-9FCD-2B781E4B449F}" type="slidenum">
+              <a:rPr lang="en-US" smtClean="0"/>
+              <a:t>13</a:t>
+            </a:fld>
+            <a:endParaRPr lang="en-US"/>
+          </a:p>
+        </p:txBody>
+      </p:sp>
+    </p:spTree>
+    <p:extLst>
+      <p:ext uri="{BB962C8B-B14F-4D97-AF65-F5344CB8AC3E}">
+        <p14:creationId xmlns:p14="http://schemas.microsoft.com/office/powerpoint/2010/main" val="2234989272"/>
       </p:ext>
     </p:extLst>
   </p:cSld>
@@ -824,152 +913,152 @@
           <a:lstStyle/>
           <a:p>
             <a:r>
-              <a:rPr lang="en-US" b="0" dirty="0" smtClean="0"/>
+              <a:rPr lang="en-US" b="0" dirty="0"/>
               <a:t>In</a:t>
             </a:r>
             <a:r>
-              <a:rPr lang="en-US" b="0" baseline="0" dirty="0" smtClean="0"/>
+              <a:rPr lang="en-US" b="0" baseline="0" dirty="0"/>
               <a:t> this Example, the variable name is “</a:t>
             </a:r>
             <a:r>
-              <a:rPr lang="en-US" b="0" baseline="0" dirty="0" err="1" smtClean="0"/>
+              <a:rPr lang="en-US" b="0" baseline="0" dirty="0" err="1"/>
               <a:t>movieTitle</a:t>
             </a:r>
             <a:r>
-              <a:rPr lang="en-US" b="0" baseline="0" dirty="0" smtClean="0"/>
+              <a:rPr lang="en-US" b="0" baseline="0" dirty="0"/>
               <a:t>”</a:t>
             </a:r>
           </a:p>
           <a:p>
             <a:r>
-              <a:rPr lang="en-US" b="0" baseline="0" dirty="0" smtClean="0"/>
+              <a:rPr lang="en-US" b="0" baseline="0" dirty="0"/>
               <a:t>Variable names must start with a letter, and contain only letters and numbers (no spaces or special characters).</a:t>
             </a:r>
           </a:p>
           <a:p>
             <a:r>
-              <a:rPr lang="en-US" b="0" baseline="0" dirty="0" smtClean="0"/>
+              <a:rPr lang="en-US" b="0" baseline="0" dirty="0"/>
               <a:t>Variable names cannot be keywords.</a:t>
             </a:r>
-            <a:endParaRPr lang="en-US" b="0" dirty="0" smtClean="0"/>
-          </a:p>
-          <a:p>
-            <a:endParaRPr lang="en-US" b="0" dirty="0" smtClean="0"/>
+            <a:endParaRPr lang="en-US" b="0" dirty="0"/>
+          </a:p>
+          <a:p>
+            <a:endParaRPr lang="en-US" b="0" dirty="0"/>
           </a:p>
           <a:p>
             <a:r>
-              <a:rPr lang="en-US" b="1" dirty="0" smtClean="0"/>
+              <a:rPr lang="en-US" b="1" dirty="0"/>
               <a:t>Declaring</a:t>
             </a:r>
             <a:r>
-              <a:rPr lang="en-US" b="0" dirty="0" smtClean="0"/>
+              <a:rPr lang="en-US" b="0" dirty="0"/>
               <a:t> tells the computer to open up block of space to store the data. It allows you to reference the variable</a:t>
             </a:r>
             <a:r>
-              <a:rPr lang="en-US" b="0" baseline="0" dirty="0" smtClean="0"/>
+              <a:rPr lang="en-US" b="0" baseline="0" dirty="0"/>
               <a:t> by name in subsequent statements.</a:t>
             </a:r>
           </a:p>
           <a:p>
             <a:r>
-              <a:rPr lang="en-US" b="0" baseline="0" dirty="0" smtClean="0"/>
+              <a:rPr lang="en-US" b="0" baseline="0" dirty="0"/>
               <a:t>-To declare a variable, you need to use the “</a:t>
             </a:r>
             <a:r>
-              <a:rPr lang="en-US" b="0" baseline="0" dirty="0" err="1" smtClean="0"/>
+              <a:rPr lang="en-US" b="0" baseline="0" dirty="0" err="1"/>
               <a:t>var</a:t>
             </a:r>
             <a:r>
-              <a:rPr lang="en-US" b="0" baseline="0" dirty="0" smtClean="0"/>
+              <a:rPr lang="en-US" b="0" baseline="0" dirty="0"/>
               <a:t>” </a:t>
             </a:r>
             <a:r>
-              <a:rPr lang="en-US" b="0" i="1" baseline="0" dirty="0" smtClean="0"/>
+              <a:rPr lang="en-US" b="0" i="1" baseline="0" dirty="0"/>
               <a:t>keyword</a:t>
             </a:r>
             <a:r>
-              <a:rPr lang="en-US" b="0" i="0" baseline="0" dirty="0" smtClean="0"/>
+              <a:rPr lang="en-US" b="0" i="0" baseline="0" dirty="0"/>
               <a:t>. A </a:t>
             </a:r>
             <a:r>
-              <a:rPr lang="en-US" b="0" i="1" baseline="0" dirty="0" smtClean="0"/>
+              <a:rPr lang="en-US" b="0" i="1" baseline="0" dirty="0"/>
               <a:t>keyword</a:t>
             </a:r>
             <a:r>
-              <a:rPr lang="en-US" b="0" i="0" baseline="0" dirty="0" smtClean="0"/>
+              <a:rPr lang="en-US" b="0" i="0" baseline="0" dirty="0"/>
               <a:t> is a word that JavaScript recognizes. It’s what tells the computer we’re going to be using a block of space, and referring to it by this name.</a:t>
             </a:r>
           </a:p>
           <a:p>
-            <a:endParaRPr lang="en-US" b="0" baseline="0" dirty="0" smtClean="0"/>
+            <a:endParaRPr lang="en-US" b="0" baseline="0" dirty="0"/>
           </a:p>
           <a:p>
             <a:r>
-              <a:rPr lang="en-US" b="1" baseline="0" dirty="0" smtClean="0"/>
+              <a:rPr lang="en-US" b="1" baseline="0" dirty="0"/>
               <a:t>Setting</a:t>
             </a:r>
             <a:r>
-              <a:rPr lang="en-US" b="0" baseline="0" dirty="0" smtClean="0"/>
+              <a:rPr lang="en-US" b="0" baseline="0" dirty="0"/>
               <a:t> the </a:t>
             </a:r>
             <a:r>
-              <a:rPr lang="en-US" b="0" i="1" baseline="0" dirty="0" smtClean="0"/>
+              <a:rPr lang="en-US" b="0" i="1" baseline="0" dirty="0"/>
               <a:t>value</a:t>
             </a:r>
             <a:r>
-              <a:rPr lang="en-US" b="0" baseline="0" dirty="0" smtClean="0"/>
+              <a:rPr lang="en-US" b="0" baseline="0" dirty="0"/>
               <a:t> of the variable stores some data in that block of space.</a:t>
             </a:r>
           </a:p>
           <a:p>
             <a:r>
-              <a:rPr lang="en-US" b="0" baseline="0" dirty="0" smtClean="0"/>
+              <a:rPr lang="en-US" b="0" baseline="0" dirty="0"/>
               <a:t>-To set the value of a variable, you need to use the “=“ operator. It basically means, put this value inside of this name.</a:t>
             </a:r>
           </a:p>
           <a:p>
-            <a:endParaRPr lang="en-US" b="0" baseline="0" dirty="0" smtClean="0"/>
+            <a:endParaRPr lang="en-US" b="0" baseline="0" dirty="0"/>
           </a:p>
           <a:p>
             <a:r>
-              <a:rPr lang="en-US" b="1" baseline="0" dirty="0" smtClean="0"/>
+              <a:rPr lang="en-US" b="1" baseline="0" dirty="0"/>
               <a:t>Using</a:t>
             </a:r>
             <a:r>
-              <a:rPr lang="en-US" b="0" baseline="0" dirty="0" smtClean="0"/>
+              <a:rPr lang="en-US" b="0" baseline="0" dirty="0"/>
               <a:t> a variable simply retrieves whatever value is currently stored by that name. You can use the variable name, and the computer will replace it with the </a:t>
             </a:r>
             <a:r>
-              <a:rPr lang="en-US" b="0" i="1" baseline="0" dirty="0" smtClean="0"/>
+              <a:rPr lang="en-US" b="0" i="1" baseline="0" dirty="0"/>
               <a:t>value</a:t>
             </a:r>
             <a:r>
-              <a:rPr lang="en-US" b="0" i="0" baseline="0" dirty="0" smtClean="0"/>
+              <a:rPr lang="en-US" b="0" i="0" baseline="0" dirty="0"/>
               <a:t> that was stored.</a:t>
             </a:r>
           </a:p>
           <a:p>
             <a:r>
-              <a:rPr lang="en-US" b="0" i="0" baseline="0" dirty="0" smtClean="0"/>
+              <a:rPr lang="en-US" b="0" i="0" baseline="0" dirty="0"/>
               <a:t>-Note: </a:t>
             </a:r>
             <a:r>
-              <a:rPr lang="en-US" b="0" i="1" baseline="0" dirty="0" smtClean="0"/>
+              <a:rPr lang="en-US" b="0" i="1" baseline="0" dirty="0"/>
               <a:t>Values</a:t>
             </a:r>
             <a:r>
-              <a:rPr lang="en-US" b="0" i="0" baseline="0" dirty="0" smtClean="0"/>
+              <a:rPr lang="en-US" b="0" i="0" baseline="0" dirty="0"/>
               <a:t> for now must have double quotes around them. That’s how the computer knows this data all goes together. Variable names have no spaces, and do </a:t>
             </a:r>
             <a:r>
-              <a:rPr lang="en-US" b="0" i="1" baseline="0" dirty="0" smtClean="0"/>
+              <a:rPr lang="en-US" b="0" i="1" baseline="0" dirty="0"/>
               <a:t>not</a:t>
             </a:r>
             <a:r>
-              <a:rPr lang="en-US" b="0" i="0" baseline="0" dirty="0" smtClean="0"/>
+              <a:rPr lang="en-US" b="0" i="0" baseline="0" dirty="0"/>
               <a:t> have double quotes.</a:t>
             </a:r>
-            <a:endParaRPr lang="en-US" b="1" dirty="0" smtClean="0"/>
+            <a:endParaRPr lang="en-US" b="1" dirty="0"/>
           </a:p>
           <a:p>
             <a:endParaRPr lang="en-US" dirty="0"/>
@@ -1057,34 +1146,30 @@
           <a:lstStyle/>
           <a:p>
             <a:r>
-              <a:rPr lang="en-US" dirty="0" smtClean="0"/>
+              <a:rPr lang="en-US" dirty="0"/>
               <a:t>For the </a:t>
             </a:r>
             <a:r>
-              <a:rPr lang="en-US" dirty="0" err="1" smtClean="0"/>
+              <a:rPr lang="en-US" dirty="0" err="1"/>
               <a:t>Repl</a:t>
             </a:r>
             <a:r>
-              <a:rPr lang="en-US" dirty="0" smtClean="0"/>
+              <a:rPr lang="en-US" dirty="0"/>
               <a:t>,</a:t>
             </a:r>
             <a:r>
-              <a:rPr lang="en-US" baseline="0" dirty="0" smtClean="0"/>
-              <a:t> </a:t>
+              <a:rPr lang="en-US" baseline="0" dirty="0"/>
+              <a:t> show how the variable is declared, set, and set again. The </a:t>
             </a:r>
             <a:r>
-              <a:rPr lang="en-US" baseline="0" dirty="0" smtClean="0"/>
-              <a:t>show how the variable is declared, set, and set again. The </a:t>
-            </a:r>
-            <a:r>
-              <a:rPr lang="en-US" i="1" baseline="0" dirty="0" smtClean="0"/>
+              <a:rPr lang="en-US" i="1" baseline="0" dirty="0"/>
               <a:t>value</a:t>
             </a:r>
             <a:r>
-              <a:rPr lang="en-US" i="0" baseline="0" dirty="0" smtClean="0"/>
+              <a:rPr lang="en-US" i="0" baseline="0" dirty="0"/>
               <a:t> changes based on the code.</a:t>
             </a:r>
-            <a:endParaRPr lang="en-US" baseline="0" dirty="0" smtClean="0"/>
+            <a:endParaRPr lang="en-US" baseline="0" dirty="0"/>
           </a:p>
         </p:txBody>
       </p:sp>
@@ -1169,20 +1254,20 @@
           <a:lstStyle/>
           <a:p>
             <a:r>
-              <a:rPr lang="en-US" dirty="0" smtClean="0"/>
+              <a:rPr lang="en-US" dirty="0"/>
               <a:t>Explain that it is possible to declare AND set a variable in the same statement.</a:t>
             </a:r>
           </a:p>
           <a:p>
-            <a:endParaRPr lang="en-US" dirty="0" smtClean="0"/>
+            <a:endParaRPr lang="en-US" dirty="0"/>
           </a:p>
           <a:p>
             <a:r>
-              <a:rPr lang="en-US" b="1" dirty="0" smtClean="0"/>
+              <a:rPr lang="en-US" b="1" dirty="0"/>
               <a:t>This</a:t>
             </a:r>
             <a:r>
-              <a:rPr lang="en-US" b="1" baseline="0" dirty="0" smtClean="0"/>
+              <a:rPr lang="en-US" b="1" baseline="0" dirty="0"/>
               <a:t> will be the more common way to create variables.</a:t>
             </a:r>
             <a:endParaRPr lang="en-US" b="1" dirty="0"/>
@@ -1270,27 +1355,27 @@
           <a:lstStyle/>
           <a:p>
             <a:r>
-              <a:rPr lang="en-US" dirty="0" smtClean="0"/>
+              <a:rPr lang="en-US" dirty="0"/>
               <a:t>Ask the students what</a:t>
             </a:r>
             <a:r>
-              <a:rPr lang="en-US" baseline="0" dirty="0" smtClean="0"/>
+              <a:rPr lang="en-US" baseline="0" dirty="0"/>
               <a:t> message the user will see. What is the </a:t>
             </a:r>
             <a:r>
-              <a:rPr lang="en-US" i="1" baseline="0" dirty="0" smtClean="0"/>
+              <a:rPr lang="en-US" i="1" baseline="0" dirty="0"/>
               <a:t>value</a:t>
             </a:r>
             <a:r>
-              <a:rPr lang="en-US" i="0" baseline="0" dirty="0" smtClean="0"/>
+              <a:rPr lang="en-US" i="0" baseline="0" dirty="0"/>
               <a:t> of the </a:t>
             </a:r>
             <a:r>
-              <a:rPr lang="en-US" b="1" i="0" baseline="0" dirty="0" smtClean="0"/>
+              <a:rPr lang="en-US" b="1" i="0" baseline="0" dirty="0"/>
               <a:t>username</a:t>
             </a:r>
             <a:r>
-              <a:rPr lang="en-US" b="0" i="0" baseline="0" dirty="0" smtClean="0"/>
+              <a:rPr lang="en-US" b="0" i="0" baseline="0" dirty="0"/>
               <a:t> variable?</a:t>
             </a:r>
             <a:endParaRPr lang="en-US" dirty="0"/>
@@ -1378,11 +1463,11 @@
           <a:lstStyle/>
           <a:p>
             <a:r>
-              <a:rPr lang="en-US" dirty="0" smtClean="0"/>
+              <a:rPr lang="en-US" dirty="0"/>
               <a:t>Allow the students a few minutes to</a:t>
             </a:r>
             <a:r>
-              <a:rPr lang="en-US" baseline="0" dirty="0" smtClean="0"/>
+              <a:rPr lang="en-US" baseline="0" dirty="0"/>
               <a:t> attempt the challenge</a:t>
             </a:r>
             <a:endParaRPr lang="en-US" dirty="0"/>
@@ -1470,19 +1555,19 @@
           <a:lstStyle/>
           <a:p>
             <a:r>
-              <a:rPr lang="en-US" dirty="0" smtClean="0"/>
+              <a:rPr lang="en-US" dirty="0"/>
               <a:t>Display the solution</a:t>
             </a:r>
             <a:r>
-              <a:rPr lang="en-US" baseline="0" dirty="0" smtClean="0"/>
+              <a:rPr lang="en-US" baseline="0" dirty="0"/>
               <a:t> for the students. Note that the </a:t>
             </a:r>
             <a:r>
-              <a:rPr lang="en-US" b="1" baseline="0" dirty="0" smtClean="0"/>
+              <a:rPr lang="en-US" b="1" baseline="0" dirty="0"/>
               <a:t>alert</a:t>
             </a:r>
             <a:r>
-              <a:rPr lang="en-US" b="0" baseline="0" dirty="0" smtClean="0"/>
+              <a:rPr lang="en-US" b="0" baseline="0" dirty="0"/>
               <a:t> statement does not contain a quote, it combines two variables.</a:t>
             </a:r>
             <a:endParaRPr lang="en-US" dirty="0"/>
@@ -1570,41 +1655,41 @@
           <a:lstStyle/>
           <a:p>
             <a:r>
-              <a:rPr lang="en-US" dirty="0" smtClean="0"/>
+              <a:rPr lang="en-US" dirty="0"/>
               <a:t>So far, we’ve seen the computer show a message to</a:t>
             </a:r>
             <a:r>
-              <a:rPr lang="en-US" baseline="0" dirty="0" smtClean="0"/>
+              <a:rPr lang="en-US" baseline="0" dirty="0"/>
               <a:t> the user, but the user has had no way to send messages back to the computer. Ask the students to guess what the </a:t>
             </a:r>
             <a:r>
-              <a:rPr lang="en-US" b="1" baseline="0" dirty="0" smtClean="0"/>
+              <a:rPr lang="en-US" b="1" baseline="0" dirty="0"/>
               <a:t>prompt</a:t>
             </a:r>
             <a:r>
-              <a:rPr lang="en-US" b="0" baseline="0" dirty="0" smtClean="0"/>
+              <a:rPr lang="en-US" b="0" baseline="0" dirty="0"/>
               <a:t> might do.</a:t>
             </a:r>
-            <a:endParaRPr lang="en-US" baseline="0" dirty="0" smtClean="0"/>
-          </a:p>
-          <a:p>
-            <a:endParaRPr lang="en-US" baseline="0" dirty="0" smtClean="0"/>
+            <a:endParaRPr lang="en-US" baseline="0" dirty="0"/>
+          </a:p>
+          <a:p>
+            <a:endParaRPr lang="en-US" baseline="0" dirty="0"/>
           </a:p>
           <a:p>
             <a:r>
-              <a:rPr lang="en-US" baseline="0" dirty="0" smtClean="0"/>
+              <a:rPr lang="en-US" baseline="0" dirty="0"/>
               <a:t>Prompt looks just like alert, except:</a:t>
             </a:r>
           </a:p>
           <a:p>
             <a:r>
-              <a:rPr lang="en-US" baseline="0" dirty="0" smtClean="0"/>
+              <a:rPr lang="en-US" baseline="0" dirty="0"/>
               <a:t>-Different word (“prompt” instead of “alert”)</a:t>
             </a:r>
           </a:p>
           <a:p>
             <a:r>
-              <a:rPr lang="en-US" baseline="0" dirty="0" smtClean="0"/>
+              <a:rPr lang="en-US" baseline="0" dirty="0"/>
               <a:t>-It can be set as a variable value</a:t>
             </a:r>
           </a:p>
@@ -1691,20 +1776,20 @@
           <a:lstStyle/>
           <a:p>
             <a:r>
-              <a:rPr lang="en-US" dirty="0" smtClean="0"/>
+              <a:rPr lang="en-US" dirty="0"/>
               <a:t>Ask the students what they think</a:t>
             </a:r>
             <a:r>
-              <a:rPr lang="en-US" baseline="0" dirty="0" smtClean="0"/>
+              <a:rPr lang="en-US" baseline="0" dirty="0"/>
               <a:t> this code will do. What will happen if the user says “good”? What if they say “bad”?</a:t>
             </a:r>
           </a:p>
           <a:p>
-            <a:endParaRPr lang="en-US" baseline="0" dirty="0" smtClean="0"/>
+            <a:endParaRPr lang="en-US" baseline="0" dirty="0"/>
           </a:p>
           <a:p>
             <a:r>
-              <a:rPr lang="en-US" baseline="0" dirty="0" smtClean="0"/>
+              <a:rPr lang="en-US" baseline="0" dirty="0"/>
               <a:t>Let the students copy the code into their own file to play around and see what happens.</a:t>
             </a:r>
             <a:endParaRPr lang="en-US" dirty="0"/>
@@ -1887,15 +1972,7 @@
           <a:p>
             <a:r>
               <a:rPr lang="en-US" dirty="0"/>
-              <a:t>Click to edit Master </a:t>
-            </a:r>
-            <a:r>
-              <a:rPr lang="en-US" dirty="0" smtClean="0"/>
-              <a:t>subtitle </a:t>
-            </a:r>
-            <a:r>
-              <a:rPr lang="en-US" dirty="0"/>
-              <a:t>style</a:t>
+              <a:t>Click to edit Master subtitle style</a:t>
             </a:r>
           </a:p>
         </p:txBody>
@@ -1937,7 +2014,7 @@
             <a:fld id="{1C2D31DE-C454-491C-B5C3-F097855E3DF7}" type="datetime4">
               <a:rPr lang="en-US" smtClean="0"/>
               <a:pPr/>
-              <a:t>March 24, 2020</a:t>
+              <a:t>September 1, 2022</a:t>
             </a:fld>
             <a:endParaRPr lang="en-US" dirty="0"/>
           </a:p>
@@ -5011,17 +5088,16 @@
           <a:p>
             <a:pPr lvl="0"/>
             <a:r>
-              <a:rPr lang="en-US" dirty="0" smtClean="0"/>
+              <a:rPr lang="en-US" dirty="0"/>
               <a:t>Presenter Name</a:t>
             </a:r>
             <a:br>
-              <a:rPr lang="en-US" dirty="0" smtClean="0"/>
+              <a:rPr lang="en-US" dirty="0"/>
             </a:br>
             <a:r>
-              <a:rPr lang="en-US" dirty="0" smtClean="0"/>
+              <a:rPr lang="en-US" dirty="0"/>
               <a:t>Presenter Title</a:t>
             </a:r>
-            <a:endParaRPr lang="en-US" dirty="0"/>
           </a:p>
         </p:txBody>
       </p:sp>
@@ -5038,13 +5114,6 @@
   <p:transition>
     <p:fade/>
   </p:transition>
-  <p:timing>
-    <p:tnLst>
-      <p:par>
-        <p:cTn id="1" dur="indefinite" restart="never" nodeType="tmRoot"/>
-      </p:par>
-    </p:tnLst>
-  </p:timing>
   <p:hf sldNum="0" hdr="0" ftr="0"/>
 </p:sldLayout>
 </file>
@@ -5337,7 +5406,7 @@
           <a:p>
             <a:fld id="{5958763E-B898-436D-883D-03711491D54A}" type="datetimeFigureOut">
               <a:rPr lang="en-US" smtClean="0"/>
-              <a:t>3/24/2020</a:t>
+              <a:t>9/1/2022</a:t>
             </a:fld>
             <a:endParaRPr lang="en-US"/>
           </a:p>
@@ -5410,13 +5479,6 @@
   <p:transition>
     <p:fade/>
   </p:transition>
-  <p:timing>
-    <p:tnLst>
-      <p:par>
-        <p:cTn id="1" dur="indefinite" restart="never" nodeType="tmRoot"/>
-      </p:par>
-    </p:tnLst>
-  </p:timing>
 </p:sldLayout>
 </file>
 
@@ -5465,10 +5527,9 @@
           </a:lstStyle>
           <a:p>
             <a:r>
-              <a:rPr lang="en-US" dirty="0" smtClean="0"/>
+              <a:rPr lang="en-US" dirty="0"/>
               <a:t>Click icon to add picture</a:t>
             </a:r>
-            <a:endParaRPr lang="en-US" dirty="0"/>
           </a:p>
         </p:txBody>
       </p:sp>
@@ -5538,7 +5599,7 @@
           <a:p>
             <a:fld id="{5958763E-B898-436D-883D-03711491D54A}" type="datetimeFigureOut">
               <a:rPr lang="en-US" smtClean="0"/>
-              <a:t>3/24/2020</a:t>
+              <a:t>9/1/2022</a:t>
             </a:fld>
             <a:endParaRPr lang="en-US"/>
           </a:p>
@@ -5611,13 +5672,6 @@
   <p:transition>
     <p:fade/>
   </p:transition>
-  <p:timing>
-    <p:tnLst>
-      <p:par>
-        <p:cTn id="1" dur="indefinite" restart="never" nodeType="tmRoot"/>
-      </p:par>
-    </p:tnLst>
-  </p:timing>
 </p:sldLayout>
 </file>
 
@@ -5795,7 +5849,7 @@
           <a:p>
             <a:fld id="{5958763E-B898-436D-883D-03711491D54A}" type="datetimeFigureOut">
               <a:rPr lang="en-US" smtClean="0"/>
-              <a:t>3/24/2020</a:t>
+              <a:t>9/1/2022</a:t>
             </a:fld>
             <a:endParaRPr lang="en-US"/>
           </a:p>
@@ -5868,13 +5922,6 @@
   <p:transition>
     <p:fade/>
   </p:transition>
-  <p:timing>
-    <p:tnLst>
-      <p:par>
-        <p:cTn id="1" dur="indefinite" restart="never" nodeType="tmRoot"/>
-      </p:par>
-    </p:tnLst>
-  </p:timing>
 </p:sldLayout>
 </file>
 
@@ -6150,7 +6197,7 @@
           <a:p>
             <a:fld id="{5958763E-B898-436D-883D-03711491D54A}" type="datetimeFigureOut">
               <a:rPr lang="en-US" smtClean="0"/>
-              <a:t>3/24/2020</a:t>
+              <a:t>9/1/2022</a:t>
             </a:fld>
             <a:endParaRPr lang="en-US"/>
           </a:p>
@@ -6211,13 +6258,6 @@
   <p:transition>
     <p:fade/>
   </p:transition>
-  <p:timing>
-    <p:tnLst>
-      <p:par>
-        <p:cTn id="1" dur="indefinite" restart="never" nodeType="tmRoot"/>
-      </p:par>
-    </p:tnLst>
-  </p:timing>
 </p:sldLayout>
 </file>
 
@@ -6573,7 +6613,7 @@
           <a:p>
             <a:fld id="{5958763E-B898-436D-883D-03711491D54A}" type="datetimeFigureOut">
               <a:rPr lang="en-US" smtClean="0"/>
-              <a:t>3/24/2020</a:t>
+              <a:t>9/1/2022</a:t>
             </a:fld>
             <a:endParaRPr lang="en-US"/>
           </a:p>
@@ -6634,13 +6674,6 @@
   <p:transition>
     <p:fade/>
   </p:transition>
-  <p:timing>
-    <p:tnLst>
-      <p:par>
-        <p:cTn id="1" dur="indefinite" restart="never" nodeType="tmRoot"/>
-      </p:par>
-    </p:tnLst>
-  </p:timing>
 </p:sldLayout>
 </file>
 
@@ -7081,7 +7114,7 @@
           <a:p>
             <a:fld id="{5958763E-B898-436D-883D-03711491D54A}" type="datetimeFigureOut">
               <a:rPr lang="en-US" smtClean="0"/>
-              <a:t>3/24/2020</a:t>
+              <a:t>9/1/2022</a:t>
             </a:fld>
             <a:endParaRPr lang="en-US"/>
           </a:p>
@@ -7142,13 +7175,6 @@
   <p:transition>
     <p:fade/>
   </p:transition>
-  <p:timing>
-    <p:tnLst>
-      <p:par>
-        <p:cTn id="1" dur="indefinite" restart="never" nodeType="tmRoot"/>
-      </p:par>
-    </p:tnLst>
-  </p:timing>
 </p:sldLayout>
 </file>
 
@@ -7539,7 +7565,7 @@
           <a:p>
             <a:fld id="{5958763E-B898-436D-883D-03711491D54A}" type="datetimeFigureOut">
               <a:rPr lang="en-US" smtClean="0"/>
-              <a:t>3/24/2020</a:t>
+              <a:t>9/1/2022</a:t>
             </a:fld>
             <a:endParaRPr lang="en-US"/>
           </a:p>
@@ -7600,13 +7626,6 @@
   <p:transition>
     <p:fade/>
   </p:transition>
-  <p:timing>
-    <p:tnLst>
-      <p:par>
-        <p:cTn id="1" dur="indefinite" restart="never" nodeType="tmRoot"/>
-      </p:par>
-    </p:tnLst>
-  </p:timing>
 </p:sldLayout>
 </file>
 
@@ -8157,7 +8176,7 @@
           <a:p>
             <a:fld id="{5958763E-B898-436D-883D-03711491D54A}" type="datetimeFigureOut">
               <a:rPr lang="en-US" smtClean="0"/>
-              <a:t>3/24/2020</a:t>
+              <a:t>9/1/2022</a:t>
             </a:fld>
             <a:endParaRPr lang="en-US"/>
           </a:p>
@@ -8218,13 +8237,6 @@
   <p:transition>
     <p:fade/>
   </p:transition>
-  <p:timing>
-    <p:tnLst>
-      <p:par>
-        <p:cTn id="1" dur="indefinite" restart="never" nodeType="tmRoot"/>
-      </p:par>
-    </p:tnLst>
-  </p:timing>
 </p:sldLayout>
 </file>
 
@@ -8935,7 +8947,7 @@
           <a:p>
             <a:fld id="{5958763E-B898-436D-883D-03711491D54A}" type="datetimeFigureOut">
               <a:rPr lang="en-US" smtClean="0"/>
-              <a:t>3/24/2020</a:t>
+              <a:t>9/1/2022</a:t>
             </a:fld>
             <a:endParaRPr lang="en-US"/>
           </a:p>
@@ -8996,13 +9008,6 @@
   <p:transition>
     <p:fade/>
   </p:transition>
-  <p:timing>
-    <p:tnLst>
-      <p:par>
-        <p:cTn id="1" dur="indefinite" restart="never" nodeType="tmRoot"/>
-      </p:par>
-    </p:tnLst>
-  </p:timing>
 </p:sldLayout>
 </file>
 
@@ -9046,7 +9051,7 @@
           <a:p>
             <a:fld id="{5958763E-B898-436D-883D-03711491D54A}" type="datetimeFigureOut">
               <a:rPr lang="en-US" smtClean="0"/>
-              <a:t>3/24/2020</a:t>
+              <a:t>9/1/2022</a:t>
             </a:fld>
             <a:endParaRPr lang="en-US"/>
           </a:p>
@@ -9119,13 +9124,6 @@
   <p:transition>
     <p:fade/>
   </p:transition>
-  <p:timing>
-    <p:tnLst>
-      <p:par>
-        <p:cTn id="1" dur="indefinite" restart="never" nodeType="tmRoot"/>
-      </p:par>
-    </p:tnLst>
-  </p:timing>
 </p:sldLayout>
 </file>
 
@@ -9205,7 +9203,7 @@
                 <a:spcPct val="0"/>
               </a:spcAft>
             </a:pPr>
-            <a:endParaRPr lang="en-US" sz="2400" dirty="0" err="1" smtClean="0">
+            <a:endParaRPr lang="en-US" sz="2400" dirty="0" err="1">
               <a:gradFill>
                 <a:gsLst>
                   <a:gs pos="0">
@@ -9338,15 +9336,7 @@
           <a:p>
             <a:r>
               <a:rPr lang="en-US" dirty="0"/>
-              <a:t>Click to edit Master </a:t>
-            </a:r>
-            <a:r>
-              <a:rPr lang="en-US" dirty="0" smtClean="0"/>
-              <a:t>subtitle </a:t>
-            </a:r>
-            <a:r>
-              <a:rPr lang="en-US" dirty="0"/>
-              <a:t>style</a:t>
+              <a:t>Click to edit Master subtitle style</a:t>
             </a:r>
           </a:p>
         </p:txBody>
@@ -9388,7 +9378,7 @@
             <a:fld id="{1C2D31DE-C454-491C-B5C3-F097855E3DF7}" type="datetime4">
               <a:rPr lang="en-US" smtClean="0"/>
               <a:pPr/>
-              <a:t>March 24, 2020</a:t>
+              <a:t>September 1, 2022</a:t>
             </a:fld>
             <a:endParaRPr lang="en-US" dirty="0"/>
           </a:p>
@@ -12462,17 +12452,16 @@
           <a:p>
             <a:pPr lvl="0"/>
             <a:r>
-              <a:rPr lang="en-US" dirty="0" smtClean="0"/>
+              <a:rPr lang="en-US" dirty="0"/>
               <a:t>Presenter Name</a:t>
             </a:r>
             <a:br>
-              <a:rPr lang="en-US" dirty="0" smtClean="0"/>
+              <a:rPr lang="en-US" dirty="0"/>
             </a:br>
             <a:r>
-              <a:rPr lang="en-US" dirty="0" smtClean="0"/>
+              <a:rPr lang="en-US" dirty="0"/>
               <a:t>Presenter Title</a:t>
             </a:r>
-            <a:endParaRPr lang="en-US" dirty="0"/>
           </a:p>
         </p:txBody>
       </p:sp>
@@ -12489,13 +12478,6 @@
   <p:transition>
     <p:fade/>
   </p:transition>
-  <p:timing>
-    <p:tnLst>
-      <p:par>
-        <p:cTn id="1" dur="indefinite" restart="never" nodeType="tmRoot"/>
-      </p:par>
-    </p:tnLst>
-  </p:timing>
   <p:hf sldNum="0" hdr="0" ftr="0"/>
 </p:sldLayout>
 </file>
@@ -12548,7 +12530,7 @@
           <a:p>
             <a:fld id="{5958763E-B898-436D-883D-03711491D54A}" type="datetimeFigureOut">
               <a:rPr lang="en-US" smtClean="0"/>
-              <a:t>3/24/2020</a:t>
+              <a:t>9/1/2022</a:t>
             </a:fld>
             <a:endParaRPr lang="en-US"/>
           </a:p>
@@ -12621,13 +12603,6 @@
   <p:transition>
     <p:fade/>
   </p:transition>
-  <p:timing>
-    <p:tnLst>
-      <p:par>
-        <p:cTn id="1" dur="indefinite" restart="never" nodeType="tmRoot"/>
-      </p:par>
-    </p:tnLst>
-  </p:timing>
 </p:sldLayout>
 </file>
 
@@ -12679,7 +12654,7 @@
           <a:p>
             <a:fld id="{5958763E-B898-436D-883D-03711491D54A}" type="datetimeFigureOut">
               <a:rPr lang="en-US" smtClean="0"/>
-              <a:t>3/24/2020</a:t>
+              <a:t>9/1/2022</a:t>
             </a:fld>
             <a:endParaRPr lang="en-US"/>
           </a:p>
@@ -12752,13 +12727,6 @@
   <p:transition>
     <p:fade/>
   </p:transition>
-  <p:timing>
-    <p:tnLst>
-      <p:par>
-        <p:cTn id="1" dur="indefinite" restart="never" nodeType="tmRoot"/>
-      </p:par>
-    </p:tnLst>
-  </p:timing>
 </p:sldLayout>
 </file>
 
@@ -12810,7 +12778,7 @@
           <a:p>
             <a:fld id="{5958763E-B898-436D-883D-03711491D54A}" type="datetimeFigureOut">
               <a:rPr lang="en-US" smtClean="0"/>
-              <a:t>3/24/2020</a:t>
+              <a:t>9/1/2022</a:t>
             </a:fld>
             <a:endParaRPr lang="en-US"/>
           </a:p>
@@ -12883,13 +12851,6 @@
   <p:transition>
     <p:fade/>
   </p:transition>
-  <p:timing>
-    <p:tnLst>
-      <p:par>
-        <p:cTn id="1" dur="indefinite" restart="never" nodeType="tmRoot"/>
-      </p:par>
-    </p:tnLst>
-  </p:timing>
 </p:sldLayout>
 </file>
 
@@ -12941,7 +12902,7 @@
           <a:p>
             <a:fld id="{5958763E-B898-436D-883D-03711491D54A}" type="datetimeFigureOut">
               <a:rPr lang="en-US" smtClean="0"/>
-              <a:t>3/24/2020</a:t>
+              <a:t>9/1/2022</a:t>
             </a:fld>
             <a:endParaRPr lang="en-US"/>
           </a:p>
@@ -13014,13 +12975,6 @@
   <p:transition>
     <p:fade/>
   </p:transition>
-  <p:timing>
-    <p:tnLst>
-      <p:par>
-        <p:cTn id="1" dur="indefinite" restart="never" nodeType="tmRoot"/>
-      </p:par>
-    </p:tnLst>
-  </p:timing>
 </p:sldLayout>
 </file>
 
@@ -13072,7 +13026,7 @@
           <a:p>
             <a:fld id="{5958763E-B898-436D-883D-03711491D54A}" type="datetimeFigureOut">
               <a:rPr lang="en-US" smtClean="0"/>
-              <a:t>3/24/2020</a:t>
+              <a:t>9/1/2022</a:t>
             </a:fld>
             <a:endParaRPr lang="en-US"/>
           </a:p>
@@ -13145,13 +13099,6 @@
   <p:transition>
     <p:fade/>
   </p:transition>
-  <p:timing>
-    <p:tnLst>
-      <p:par>
-        <p:cTn id="1" dur="indefinite" restart="never" nodeType="tmRoot"/>
-      </p:par>
-    </p:tnLst>
-  </p:timing>
 </p:sldLayout>
 </file>
 
@@ -13203,7 +13150,7 @@
           <a:p>
             <a:fld id="{5958763E-B898-436D-883D-03711491D54A}" type="datetimeFigureOut">
               <a:rPr lang="en-US" smtClean="0"/>
-              <a:t>3/24/2020</a:t>
+              <a:t>9/1/2022</a:t>
             </a:fld>
             <a:endParaRPr lang="en-US"/>
           </a:p>
@@ -13276,13 +13223,6 @@
   <p:transition>
     <p:fade/>
   </p:transition>
-  <p:timing>
-    <p:tnLst>
-      <p:par>
-        <p:cTn id="1" dur="indefinite" restart="never" nodeType="tmRoot"/>
-      </p:par>
-    </p:tnLst>
-  </p:timing>
 </p:sldLayout>
 </file>
 
@@ -13334,7 +13274,7 @@
           <a:p>
             <a:fld id="{5958763E-B898-436D-883D-03711491D54A}" type="datetimeFigureOut">
               <a:rPr lang="en-US" smtClean="0"/>
-              <a:t>3/24/2020</a:t>
+              <a:t>9/1/2022</a:t>
             </a:fld>
             <a:endParaRPr lang="en-US"/>
           </a:p>
@@ -13407,13 +13347,6 @@
   <p:transition>
     <p:fade/>
   </p:transition>
-  <p:timing>
-    <p:tnLst>
-      <p:par>
-        <p:cTn id="1" dur="indefinite" restart="never" nodeType="tmRoot"/>
-      </p:par>
-    </p:tnLst>
-  </p:timing>
 </p:sldLayout>
 </file>
 
@@ -13465,7 +13398,7 @@
           <a:p>
             <a:fld id="{5958763E-B898-436D-883D-03711491D54A}" type="datetimeFigureOut">
               <a:rPr lang="en-US" smtClean="0"/>
-              <a:t>3/24/2020</a:t>
+              <a:t>9/1/2022</a:t>
             </a:fld>
             <a:endParaRPr lang="en-US"/>
           </a:p>
@@ -13538,13 +13471,6 @@
   <p:transition>
     <p:fade/>
   </p:transition>
-  <p:timing>
-    <p:tnLst>
-      <p:par>
-        <p:cTn id="1" dur="indefinite" restart="never" nodeType="tmRoot"/>
-      </p:par>
-    </p:tnLst>
-  </p:timing>
 </p:sldLayout>
 </file>
 
@@ -13605,7 +13531,7 @@
           <a:p>
             <a:fld id="{5958763E-B898-436D-883D-03711491D54A}" type="datetimeFigureOut">
               <a:rPr lang="en-US" smtClean="0"/>
-              <a:t>3/24/2020</a:t>
+              <a:t>9/1/2022</a:t>
             </a:fld>
             <a:endParaRPr lang="en-US"/>
           </a:p>
@@ -13678,13 +13604,6 @@
   <p:transition>
     <p:fade/>
   </p:transition>
-  <p:timing>
-    <p:tnLst>
-      <p:par>
-        <p:cTn id="1" dur="indefinite" restart="never" nodeType="tmRoot"/>
-      </p:par>
-    </p:tnLst>
-  </p:timing>
 </p:sldLayout>
 </file>
 
@@ -16686,13 +16605,6 @@
   <p:transition>
     <p:fade/>
   </p:transition>
-  <p:timing>
-    <p:tnLst>
-      <p:par>
-        <p:cTn id="1" dur="indefinite" restart="never" nodeType="tmRoot"/>
-      </p:par>
-    </p:tnLst>
-  </p:timing>
 </p:sldLayout>
 </file>
 
@@ -16780,7 +16692,7 @@
                 <a:spcPct val="0"/>
               </a:spcAft>
             </a:pPr>
-            <a:endParaRPr lang="en-US" sz="2400" dirty="0" err="1" smtClean="0">
+            <a:endParaRPr lang="en-US" sz="2400" dirty="0" err="1">
               <a:gradFill>
                 <a:gsLst>
                   <a:gs pos="0">
@@ -16916,15 +16828,7 @@
           <a:p>
             <a:r>
               <a:rPr lang="en-US" dirty="0"/>
-              <a:t>Click to edit Master </a:t>
-            </a:r>
-            <a:r>
-              <a:rPr lang="en-US" dirty="0" smtClean="0"/>
-              <a:t>subtitle </a:t>
-            </a:r>
-            <a:r>
-              <a:rPr lang="en-US" dirty="0"/>
-              <a:t>style</a:t>
+              <a:t>Click to edit Master subtitle style</a:t>
             </a:r>
           </a:p>
         </p:txBody>
@@ -16966,7 +16870,7 @@
             <a:fld id="{1C2D31DE-C454-491C-B5C3-F097855E3DF7}" type="datetime4">
               <a:rPr lang="en-US" smtClean="0"/>
               <a:pPr/>
-              <a:t>March 24, 2020</a:t>
+              <a:t>September 1, 2022</a:t>
             </a:fld>
             <a:endParaRPr lang="en-US" dirty="0"/>
           </a:p>
@@ -20048,17 +19952,16 @@
           <a:p>
             <a:pPr lvl="0"/>
             <a:r>
-              <a:rPr lang="en-US" dirty="0" smtClean="0"/>
+              <a:rPr lang="en-US" dirty="0"/>
               <a:t>Presenter Name</a:t>
             </a:r>
             <a:br>
-              <a:rPr lang="en-US" dirty="0" smtClean="0"/>
+              <a:rPr lang="en-US" dirty="0"/>
             </a:br>
             <a:r>
-              <a:rPr lang="en-US" dirty="0" smtClean="0"/>
+              <a:rPr lang="en-US" dirty="0"/>
               <a:t>Presenter Title</a:t>
             </a:r>
-            <a:endParaRPr lang="en-US" dirty="0"/>
           </a:p>
         </p:txBody>
       </p:sp>
@@ -20075,13 +19978,6 @@
   <p:transition>
     <p:fade/>
   </p:transition>
-  <p:timing>
-    <p:tnLst>
-      <p:par>
-        <p:cTn id="1" dur="indefinite" restart="never" nodeType="tmRoot"/>
-      </p:par>
-    </p:tnLst>
-  </p:timing>
   <p:hf sldNum="0" hdr="0" ftr="0"/>
 </p:sldLayout>
 </file>
@@ -27591,10 +27487,9 @@
           <a:p>
             <a:pPr lvl="0"/>
             <a:r>
-              <a:rPr lang="en-US" dirty="0" smtClean="0"/>
+              <a:rPr lang="en-US" dirty="0"/>
               <a:t>&lt;Call to action&gt;</a:t>
             </a:r>
-            <a:endParaRPr lang="en-US" dirty="0"/>
           </a:p>
         </p:txBody>
       </p:sp>
@@ -29211,7 +29106,7 @@
           <a:p>
             <a:fld id="{5958763E-B898-436D-883D-03711491D54A}" type="datetimeFigureOut">
               <a:rPr lang="en-US" smtClean="0"/>
-              <a:t>3/24/2020</a:t>
+              <a:t>9/1/2022</a:t>
             </a:fld>
             <a:endParaRPr lang="en-US"/>
           </a:p>
@@ -29338,7 +29233,7 @@
                 <a:spcPct val="0"/>
               </a:spcAft>
             </a:pPr>
-            <a:endParaRPr lang="en-US" sz="2400" dirty="0" err="1" smtClean="0">
+            <a:endParaRPr lang="en-US" sz="2400" dirty="0" err="1">
               <a:gradFill>
                 <a:gsLst>
                   <a:gs pos="0">
@@ -29369,13 +29264,6 @@
   <p:transition>
     <p:fade/>
   </p:transition>
-  <p:timing>
-    <p:tnLst>
-      <p:par>
-        <p:cTn id="1" dur="indefinite" restart="never" nodeType="tmRoot"/>
-      </p:par>
-    </p:tnLst>
-  </p:timing>
 </p:sldLayout>
 </file>
 
@@ -29620,7 +29508,7 @@
           <a:p>
             <a:fld id="{5958763E-B898-436D-883D-03711491D54A}" type="datetimeFigureOut">
               <a:rPr lang="en-US" smtClean="0"/>
-              <a:t>3/24/2020</a:t>
+              <a:t>9/1/2022</a:t>
             </a:fld>
             <a:endParaRPr lang="en-US"/>
           </a:p>
@@ -29693,13 +29581,6 @@
   <p:transition>
     <p:fade/>
   </p:transition>
-  <p:timing>
-    <p:tnLst>
-      <p:par>
-        <p:cTn id="1" dur="indefinite" restart="never" nodeType="tmRoot"/>
-      </p:par>
-    </p:tnLst>
-  </p:timing>
 </p:sldLayout>
 </file>
 
@@ -29921,7 +29802,7 @@
           <a:p>
             <a:fld id="{5958763E-B898-436D-883D-03711491D54A}" type="datetimeFigureOut">
               <a:rPr lang="en-US" smtClean="0"/>
-              <a:t>3/24/2020</a:t>
+              <a:t>9/1/2022</a:t>
             </a:fld>
             <a:endParaRPr lang="en-US"/>
           </a:p>
@@ -29994,13 +29875,6 @@
   <p:transition>
     <p:fade/>
   </p:transition>
-  <p:timing>
-    <p:tnLst>
-      <p:par>
-        <p:cTn id="1" dur="indefinite" restart="never" nodeType="tmRoot"/>
-      </p:par>
-    </p:tnLst>
-  </p:timing>
 </p:sldLayout>
 </file>
 
@@ -30129,7 +30003,7 @@
           <a:p>
             <a:fld id="{5958763E-B898-436D-883D-03711491D54A}" type="datetimeFigureOut">
               <a:rPr lang="en-US" smtClean="0"/>
-              <a:t>3/24/2020</a:t>
+              <a:t>9/1/2022</a:t>
             </a:fld>
             <a:endParaRPr lang="en-US"/>
           </a:p>
@@ -30252,13 +30126,6 @@
   <p:transition>
     <p:fade/>
   </p:transition>
-  <p:timing>
-    <p:tnLst>
-      <p:par>
-        <p:cTn id="1" dur="indefinite" restart="never" nodeType="tmRoot"/>
-      </p:par>
-    </p:tnLst>
-  </p:timing>
 </p:sldLayout>
 </file>
 
@@ -30397,7 +30264,7 @@
           <a:p>
             <a:fld id="{5958763E-B898-436D-883D-03711491D54A}" type="datetimeFigureOut">
               <a:rPr lang="en-US" smtClean="0"/>
-              <a:t>3/24/2020</a:t>
+              <a:t>9/1/2022</a:t>
             </a:fld>
             <a:endParaRPr lang="en-US"/>
           </a:p>
@@ -30524,13 +30391,6 @@
   <p:transition>
     <p:fade/>
   </p:transition>
-  <p:timing>
-    <p:tnLst>
-      <p:par>
-        <p:cTn id="1" dur="indefinite" restart="never" nodeType="tmRoot"/>
-      </p:par>
-    </p:tnLst>
-  </p:timing>
 </p:sldLayout>
 </file>
 
@@ -30692,7 +30552,7 @@
                 <a:spcPct val="0"/>
               </a:spcAft>
             </a:pPr>
-            <a:endParaRPr lang="en-US" sz="2400" dirty="0" err="1" smtClean="0">
+            <a:endParaRPr lang="en-US" sz="2400" dirty="0" err="1">
               <a:gradFill>
                 <a:gsLst>
                   <a:gs pos="0">
@@ -30743,10 +30603,9 @@
           </a:lstStyle>
           <a:p>
             <a:r>
-              <a:rPr lang="en-US" dirty="0" smtClean="0"/>
+              <a:rPr lang="en-US" dirty="0"/>
               <a:t>Type “Agenda”</a:t>
             </a:r>
-            <a:endParaRPr lang="en-US" dirty="0"/>
           </a:p>
         </p:txBody>
       </p:sp>
@@ -30870,24 +30729,23 @@
           <a:p>
             <a:pPr lvl="0"/>
             <a:r>
-              <a:rPr lang="en-US" dirty="0" smtClean="0"/>
+              <a:rPr lang="en-US" dirty="0"/>
               <a:t>Item 1</a:t>
             </a:r>
           </a:p>
           <a:p>
             <a:pPr lvl="0"/>
             <a:r>
-              <a:rPr lang="en-US" dirty="0" smtClean="0"/>
+              <a:rPr lang="en-US" dirty="0"/>
               <a:t>Item 2</a:t>
             </a:r>
           </a:p>
           <a:p>
             <a:pPr lvl="0"/>
             <a:r>
-              <a:rPr lang="en-US" dirty="0" smtClean="0"/>
+              <a:rPr lang="en-US" dirty="0"/>
               <a:t>Item 3</a:t>
             </a:r>
-            <a:endParaRPr lang="en-US" dirty="0"/>
           </a:p>
         </p:txBody>
       </p:sp>
@@ -30914,7 +30772,7 @@
           <a:p>
             <a:fld id="{5958763E-B898-436D-883D-03711491D54A}" type="datetimeFigureOut">
               <a:rPr lang="en-US" smtClean="0"/>
-              <a:t>3/24/2020</a:t>
+              <a:t>9/1/2022</a:t>
             </a:fld>
             <a:endParaRPr lang="en-US"/>
           </a:p>
@@ -31021,13 +30879,6 @@
   <p:transition>
     <p:fade/>
   </p:transition>
-  <p:timing>
-    <p:tnLst>
-      <p:par>
-        <p:cTn id="1" dur="indefinite" restart="never" nodeType="tmRoot"/>
-      </p:par>
-    </p:tnLst>
-  </p:timing>
 </p:sldLayout>
 </file>
 
@@ -31189,7 +31040,7 @@
                 <a:spcPct val="0"/>
               </a:spcAft>
             </a:pPr>
-            <a:endParaRPr lang="en-US" sz="2400" dirty="0" err="1" smtClean="0">
+            <a:endParaRPr lang="en-US" sz="2400" dirty="0" err="1">
               <a:gradFill>
                 <a:gsLst>
                   <a:gs pos="0">
@@ -31242,10 +31093,9 @@
           </a:lstStyle>
           <a:p>
             <a:r>
-              <a:rPr lang="en-US" dirty="0" smtClean="0"/>
+              <a:rPr lang="en-US" dirty="0"/>
               <a:t>Notable Quote</a:t>
             </a:r>
-            <a:endParaRPr lang="en-US" dirty="0"/>
           </a:p>
         </p:txBody>
       </p:sp>
@@ -31372,10 +31222,9 @@
           <a:p>
             <a:pPr lvl="0"/>
             <a:r>
-              <a:rPr lang="en-US" dirty="0" smtClean="0"/>
+              <a:rPr lang="en-US" dirty="0"/>
               <a:t>– Attribution</a:t>
             </a:r>
-            <a:endParaRPr lang="en-US" dirty="0"/>
           </a:p>
         </p:txBody>
       </p:sp>
@@ -31402,7 +31251,7 @@
           <a:p>
             <a:fld id="{5958763E-B898-436D-883D-03711491D54A}" type="datetimeFigureOut">
               <a:rPr lang="en-US" smtClean="0"/>
-              <a:t>3/24/2020</a:t>
+              <a:t>9/1/2022</a:t>
             </a:fld>
             <a:endParaRPr lang="en-US"/>
           </a:p>
@@ -32150,13 +31999,6 @@
   <p:transition>
     <p:fade/>
   </p:transition>
-  <p:timing>
-    <p:tnLst>
-      <p:par>
-        <p:cTn id="1" dur="indefinite" restart="never" nodeType="tmRoot"/>
-      </p:par>
-    </p:tnLst>
-  </p:timing>
 </p:sldLayout>
 </file>
 
@@ -32228,7 +32070,7 @@
           <a:p>
             <a:fld id="{5958763E-B898-436D-883D-03711491D54A}" type="datetimeFigureOut">
               <a:rPr lang="en-US" smtClean="0"/>
-              <a:t>3/24/2020</a:t>
+              <a:t>9/1/2022</a:t>
             </a:fld>
             <a:endParaRPr lang="en-US"/>
           </a:p>
@@ -32301,13 +32143,6 @@
   <p:transition>
     <p:fade/>
   </p:transition>
-  <p:timing>
-    <p:tnLst>
-      <p:par>
-        <p:cTn id="1" dur="indefinite" restart="never" nodeType="tmRoot"/>
-      </p:par>
-    </p:tnLst>
-  </p:timing>
 </p:sldLayout>
 </file>
 
@@ -32436,7 +32271,7 @@
           <a:p>
             <a:fld id="{5958763E-B898-436D-883D-03711491D54A}" type="datetimeFigureOut">
               <a:rPr lang="en-US" smtClean="0"/>
-              <a:t>3/24/2020</a:t>
+              <a:t>9/1/2022</a:t>
             </a:fld>
             <a:endParaRPr lang="en-US"/>
           </a:p>
@@ -32559,13 +32394,6 @@
   <p:transition>
     <p:fade/>
   </p:transition>
-  <p:timing>
-    <p:tnLst>
-      <p:par>
-        <p:cTn id="1" dur="indefinite" restart="never" nodeType="tmRoot"/>
-      </p:par>
-    </p:tnLst>
-  </p:timing>
 </p:sldLayout>
 </file>
 
@@ -32778,7 +32606,7 @@
           <a:p>
             <a:fld id="{5958763E-B898-436D-883D-03711491D54A}" type="datetimeFigureOut">
               <a:rPr lang="en-US" smtClean="0"/>
-              <a:t>3/24/2020</a:t>
+              <a:t>9/1/2022</a:t>
             </a:fld>
             <a:endParaRPr lang="en-US"/>
           </a:p>
@@ -32851,13 +32679,6 @@
   <p:transition>
     <p:fade/>
   </p:transition>
-  <p:timing>
-    <p:tnLst>
-      <p:par>
-        <p:cTn id="1" dur="indefinite" restart="never" nodeType="tmRoot"/>
-      </p:par>
-    </p:tnLst>
-  </p:timing>
 </p:sldLayout>
 </file>
 
@@ -33015,7 +32836,7 @@
           <a:p>
             <a:fld id="{5958763E-B898-436D-883D-03711491D54A}" type="datetimeFigureOut">
               <a:rPr lang="en-US" smtClean="0"/>
-              <a:t>3/24/2020</a:t>
+              <a:t>9/1/2022</a:t>
             </a:fld>
             <a:endParaRPr lang="en-US"/>
           </a:p>
@@ -33088,13 +32909,6 @@
   <p:transition>
     <p:fade/>
   </p:transition>
-  <p:timing>
-    <p:tnLst>
-      <p:par>
-        <p:cTn id="1" dur="indefinite" restart="never" nodeType="tmRoot"/>
-      </p:par>
-    </p:tnLst>
-  </p:timing>
 </p:sldLayout>
 </file>
 
@@ -33266,7 +33080,7 @@
           <a:p>
             <a:fld id="{5958763E-B898-436D-883D-03711491D54A}" type="datetimeFigureOut">
               <a:rPr lang="en-US" smtClean="0"/>
-              <a:t>3/24/2020</a:t>
+              <a:t>9/1/2022</a:t>
             </a:fld>
             <a:endParaRPr lang="en-US"/>
           </a:p>
@@ -33412,13 +33226,6 @@
   <p:transition>
     <p:fade/>
   </p:transition>
-  <p:timing>
-    <p:tnLst>
-      <p:par>
-        <p:cTn id="1" dur="indefinite" restart="never" nodeType="tmRoot"/>
-      </p:par>
-    </p:tnLst>
-  </p:timing>
   <p:txStyles>
     <p:titleStyle>
       <a:lvl1pPr algn="l" defTabSz="914400" rtl="0" eaLnBrk="1" latinLnBrk="0" hangingPunct="1">
@@ -33723,7 +33530,7 @@
       </a:lvl9pPr>
     </p:otherStyle>
   </p:txStyles>
-  <p:extLst mod="1">
+  <p:extLst>
     <p:ext uri="{27BBF7A9-308A-43DC-89C8-2F10F3537804}">
       <p15:sldGuideLst xmlns:p15="http://schemas.microsoft.com/office/powerpoint/2012/main">
         <p15:guide id="1" orient="horz" pos="2160" userDrawn="1">
@@ -33802,10 +33609,9 @@
           <a:lstStyle/>
           <a:p>
             <a:r>
-              <a:rPr lang="en-US" sz="6600" dirty="0" smtClean="0"/>
+              <a:rPr lang="en-US" sz="6600" dirty="0"/>
               <a:t>JavaScript Variables</a:t>
             </a:r>
-            <a:endParaRPr lang="en-US" sz="6600" dirty="0"/>
           </a:p>
         </p:txBody>
       </p:sp>
@@ -33830,10 +33636,9 @@
           <a:lstStyle/>
           <a:p>
             <a:r>
-              <a:rPr lang="en-US" dirty="0" smtClean="0"/>
+              <a:rPr lang="en-US" dirty="0"/>
               <a:t>Hy-Tech Club: Web 102</a:t>
             </a:r>
-            <a:endParaRPr lang="en-US" dirty="0"/>
           </a:p>
         </p:txBody>
       </p:sp>
@@ -36818,13 +36623,6 @@
   <p:transition>
     <p:fade/>
   </p:transition>
-  <p:timing>
-    <p:tnLst>
-      <p:par>
-        <p:cTn id="1" dur="indefinite" restart="never" nodeType="tmRoot"/>
-      </p:par>
-    </p:tnLst>
-  </p:timing>
 </p:sld>
 </file>
 
@@ -36871,10 +36669,9 @@
           <a:lstStyle/>
           <a:p>
             <a:r>
-              <a:rPr lang="en-US" dirty="0" smtClean="0"/>
+              <a:rPr lang="en-US" dirty="0"/>
               <a:t>Prompt and alert example</a:t>
             </a:r>
-            <a:endParaRPr lang="en-US" dirty="0"/>
           </a:p>
         </p:txBody>
       </p:sp>
@@ -36898,7 +36695,7 @@
             <a:pPr marL="57150" indent="0">
               <a:buNone/>
             </a:pPr>
-            <a:endParaRPr lang="en-US" sz="3600" dirty="0" smtClean="0">
+            <a:endParaRPr lang="en-US" sz="3600" dirty="0">
               <a:solidFill>
                 <a:srgbClr val="569CD6"/>
               </a:solidFill>
@@ -36910,7 +36707,7 @@
               <a:buNone/>
             </a:pPr>
             <a:r>
-              <a:rPr lang="en-US" sz="3600" dirty="0" err="1" smtClean="0">
+              <a:rPr lang="en-US" sz="3600" dirty="0" err="1">
                 <a:solidFill>
                   <a:srgbClr val="569CD6"/>
                 </a:solidFill>
@@ -37011,16 +36808,7 @@
                 </a:solidFill>
                 <a:latin typeface="Consolas" panose="020B0609020204030204" pitchFamily="49" charset="0"/>
               </a:rPr>
-              <a:t>"That is </a:t>
-            </a:r>
-            <a:r>
-              <a:rPr lang="en-US" sz="3600" dirty="0" smtClean="0">
-                <a:solidFill>
-                  <a:srgbClr val="CE9178"/>
-                </a:solidFill>
-                <a:latin typeface="Consolas" panose="020B0609020204030204" pitchFamily="49" charset="0"/>
-              </a:rPr>
-              <a:t>"</a:t>
+              <a:t>"That is "</a:t>
             </a:r>
             <a:r>
               <a:rPr lang="en-US" sz="3600" dirty="0">
@@ -37041,7 +36829,7 @@
               <a:t>answer</a:t>
             </a:r>
             <a:r>
-              <a:rPr lang="en-US" sz="3600" dirty="0" smtClean="0">
+              <a:rPr lang="en-US" sz="3600" dirty="0">
                 <a:solidFill>
                   <a:srgbClr val="D4D4D4"/>
                 </a:solidFill>
@@ -37065,7 +36853,7 @@
             <a:pPr marL="57150" indent="0">
               <a:buNone/>
             </a:pPr>
-            <a:endParaRPr lang="en-US" sz="3600" dirty="0" smtClean="0">
+            <a:endParaRPr lang="en-US" sz="3600" dirty="0">
               <a:solidFill>
                 <a:srgbClr val="D4D4D4"/>
               </a:solidFill>
@@ -37076,7 +36864,7 @@
             <a:pPr marL="57150" indent="0">
               <a:buNone/>
             </a:pPr>
-            <a:endParaRPr lang="en-US" sz="3600" dirty="0" smtClean="0">
+            <a:endParaRPr lang="en-US" sz="3600" dirty="0">
               <a:solidFill>
                 <a:srgbClr val="D4D4D4"/>
               </a:solidFill>
@@ -37088,65 +36876,12 @@
               <a:buNone/>
             </a:pPr>
             <a:r>
-              <a:rPr lang="en-US" sz="3600" dirty="0" smtClean="0">
+              <a:rPr lang="en-US" sz="3600" dirty="0">
                 <a:solidFill>
                   <a:schemeClr val="bg1"/>
                 </a:solidFill>
               </a:rPr>
-              <a:t>Copy this code into a </a:t>
-            </a:r>
-            <a:r>
-              <a:rPr lang="en-US" sz="3600" dirty="0">
-                <a:solidFill>
-                  <a:srgbClr val="808080"/>
-                </a:solidFill>
-                <a:latin typeface="Consolas" panose="020B0609020204030204" pitchFamily="49" charset="0"/>
-              </a:rPr>
-              <a:t>&lt;</a:t>
-            </a:r>
-            <a:r>
-              <a:rPr lang="en-US" sz="3600" dirty="0" smtClean="0">
-                <a:solidFill>
-                  <a:srgbClr val="569CD6"/>
-                </a:solidFill>
-                <a:latin typeface="Consolas" panose="020B0609020204030204" pitchFamily="49" charset="0"/>
-              </a:rPr>
-              <a:t>script</a:t>
-            </a:r>
-            <a:r>
-              <a:rPr lang="en-US" sz="3600" dirty="0" smtClean="0">
-                <a:solidFill>
-                  <a:srgbClr val="808080"/>
-                </a:solidFill>
-                <a:latin typeface="Consolas" panose="020B0609020204030204" pitchFamily="49" charset="0"/>
-              </a:rPr>
-              <a:t>&gt;&lt;/</a:t>
-            </a:r>
-            <a:r>
-              <a:rPr lang="en-US" sz="3600" dirty="0" smtClean="0">
-                <a:solidFill>
-                  <a:srgbClr val="569CD6"/>
-                </a:solidFill>
-                <a:latin typeface="Consolas" panose="020B0609020204030204" pitchFamily="49" charset="0"/>
-              </a:rPr>
-              <a:t>script</a:t>
-            </a:r>
-            <a:r>
-              <a:rPr lang="en-US" sz="3600" dirty="0">
-                <a:solidFill>
-                  <a:srgbClr val="808080"/>
-                </a:solidFill>
-                <a:latin typeface="Consolas" panose="020B0609020204030204" pitchFamily="49" charset="0"/>
-              </a:rPr>
-              <a:t>&gt;</a:t>
-            </a:r>
-            <a:r>
-              <a:rPr lang="en-US" sz="3600" dirty="0" smtClean="0">
-                <a:solidFill>
-                  <a:schemeClr val="bg1"/>
-                </a:solidFill>
-              </a:rPr>
-              <a:t> tag to try it!</a:t>
+              <a:t>Copy this code into a JavaScript file to try it!</a:t>
             </a:r>
             <a:endParaRPr lang="en-US" sz="3600" dirty="0">
               <a:solidFill>
@@ -37170,13 +36905,6 @@
   <p:transition>
     <p:fade/>
   </p:transition>
-  <p:timing>
-    <p:tnLst>
-      <p:par>
-        <p:cTn id="1" dur="indefinite" restart="never" nodeType="tmRoot"/>
-      </p:par>
-    </p:tnLst>
-  </p:timing>
 </p:sld>
 </file>
 
@@ -37213,10 +36941,9 @@
           <a:lstStyle/>
           <a:p>
             <a:r>
-              <a:rPr lang="en-US" dirty="0" smtClean="0"/>
+              <a:rPr lang="en-US" dirty="0"/>
               <a:t>Mini-challenge</a:t>
             </a:r>
-            <a:endParaRPr lang="en-US" dirty="0"/>
           </a:p>
         </p:txBody>
       </p:sp>
@@ -37261,27 +36988,7 @@
                   </a:schemeClr>
                 </a:solidFill>
               </a:rPr>
-              <a:t>For example, </a:t>
-            </a:r>
-            <a:r>
-              <a:rPr lang="en-US" sz="4400" dirty="0" smtClean="0">
-                <a:solidFill>
-                  <a:schemeClr val="accent1">
-                    <a:lumMod val="50000"/>
-                  </a:schemeClr>
-                </a:solidFill>
-              </a:rPr>
-              <a:t>if </a:t>
-            </a:r>
-            <a:r>
-              <a:rPr lang="en-US" sz="4400" dirty="0">
-                <a:solidFill>
-                  <a:schemeClr val="accent1">
-                    <a:lumMod val="50000"/>
-                  </a:schemeClr>
-                </a:solidFill>
-              </a:rPr>
-              <a:t>the user enters “Charlie”, it should say “Hello, Charlie!”</a:t>
+              <a:t>For example, if the user enters “Charlie”, it should say “Hello, Charlie!”</a:t>
             </a:r>
           </a:p>
           <a:p>
@@ -37311,13 +37018,6 @@
   <p:transition>
     <p:fade/>
   </p:transition>
-  <p:timing>
-    <p:tnLst>
-      <p:par>
-        <p:cTn id="1" dur="indefinite" restart="never" nodeType="tmRoot"/>
-      </p:par>
-    </p:tnLst>
-  </p:timing>
 </p:sld>
 </file>
 
@@ -37354,10 +37054,9 @@
           <a:lstStyle/>
           <a:p>
             <a:r>
-              <a:rPr lang="en-US" dirty="0" smtClean="0"/>
+              <a:rPr lang="en-US" dirty="0"/>
               <a:t>Solution</a:t>
             </a:r>
-            <a:endParaRPr lang="en-US" dirty="0"/>
           </a:p>
         </p:txBody>
       </p:sp>
@@ -37449,12 +37148,6 @@
               </a:rPr>
               <a:t> + name);</a:t>
             </a:r>
-            <a:endParaRPr lang="en-US" sz="4000" dirty="0">
-              <a:solidFill>
-                <a:srgbClr val="000000"/>
-              </a:solidFill>
-              <a:latin typeface="Consolas" panose="020B0609020204030204" pitchFamily="49" charset="0"/>
-            </a:endParaRPr>
           </a:p>
         </p:txBody>
       </p:sp>
@@ -37471,13 +37164,166 @@
   <p:transition>
     <p:fade/>
   </p:transition>
-  <p:timing>
-    <p:tnLst>
-      <p:par>
-        <p:cTn id="1" dur="indefinite" restart="never" nodeType="tmRoot"/>
-      </p:par>
-    </p:tnLst>
-  </p:timing>
+</p:sld>
+</file>
+
+<file path=ppt/slides/slide13.xml><?xml version="1.0" encoding="utf-8"?>
+<p:sld xmlns:a="http://schemas.openxmlformats.org/drawingml/2006/main" xmlns:r="http://schemas.openxmlformats.org/officeDocument/2006/relationships" xmlns:p="http://schemas.openxmlformats.org/presentationml/2006/main">
+  <p:cSld>
+    <p:bg>
+      <p:bgPr>
+        <a:solidFill>
+          <a:schemeClr val="tx1">
+            <a:lumMod val="50000"/>
+          </a:schemeClr>
+        </a:solidFill>
+        <a:effectLst/>
+      </p:bgPr>
+    </p:bg>
+    <p:spTree>
+      <p:nvGrpSpPr>
+        <p:cNvPr id="1" name=""/>
+        <p:cNvGrpSpPr/>
+        <p:nvPr/>
+      </p:nvGrpSpPr>
+      <p:grpSpPr>
+        <a:xfrm>
+          <a:off x="0" y="0"/>
+          <a:ext cx="0" cy="0"/>
+          <a:chOff x="0" y="0"/>
+          <a:chExt cx="0" cy="0"/>
+        </a:xfrm>
+      </p:grpSpPr>
+      <p:sp>
+        <p:nvSpPr>
+          <p:cNvPr id="2" name="Title 1"/>
+          <p:cNvSpPr>
+            <a:spLocks noGrp="1"/>
+          </p:cNvSpPr>
+          <p:nvPr>
+            <p:ph type="title"/>
+          </p:nvPr>
+        </p:nvSpPr>
+        <p:spPr/>
+        <p:txBody>
+          <a:bodyPr/>
+          <a:lstStyle/>
+          <a:p>
+            <a:r>
+              <a:rPr lang="en-US"/>
+              <a:t>Variables </a:t>
+            </a:r>
+            <a:r>
+              <a:rPr lang="en-US" dirty="0"/>
+              <a:t>example</a:t>
+            </a:r>
+          </a:p>
+        </p:txBody>
+      </p:sp>
+      <p:sp>
+        <p:nvSpPr>
+          <p:cNvPr id="3" name="Content Placeholder 2"/>
+          <p:cNvSpPr>
+            <a:spLocks noGrp="1"/>
+          </p:cNvSpPr>
+          <p:nvPr>
+            <p:ph idx="1"/>
+          </p:nvPr>
+        </p:nvSpPr>
+        <p:spPr/>
+        <p:txBody>
+          <a:bodyPr>
+            <a:noAutofit/>
+          </a:bodyPr>
+          <a:lstStyle/>
+          <a:p>
+            <a:pPr marL="57150" indent="0">
+              <a:buNone/>
+            </a:pPr>
+            <a:r>
+              <a:rPr lang="en-US" sz="8800" dirty="0">
+                <a:hlinkClick r:id="rId3"/>
+              </a:rPr>
+              <a:t>https://replit.com/@HylandOutreach/PromptAlert#script.js</a:t>
+            </a:r>
+            <a:endParaRPr lang="en-US" sz="9600" dirty="0"/>
+          </a:p>
+        </p:txBody>
+      </p:sp>
+    </p:spTree>
+    <p:extLst>
+      <p:ext uri="{BB962C8B-B14F-4D97-AF65-F5344CB8AC3E}">
+        <p14:creationId xmlns:p14="http://schemas.microsoft.com/office/powerpoint/2010/main" val="1235215060"/>
+      </p:ext>
+    </p:extLst>
+  </p:cSld>
+  <p:clrMapOvr>
+    <a:masterClrMapping/>
+  </p:clrMapOvr>
+  <p:transition>
+    <p:fade/>
+  </p:transition>
+</p:sld>
+</file>
+
+<file path=ppt/slides/slide14.xml><?xml version="1.0" encoding="utf-8"?>
+<p:sld xmlns:a="http://schemas.openxmlformats.org/drawingml/2006/main" xmlns:r="http://schemas.openxmlformats.org/officeDocument/2006/relationships" xmlns:p="http://schemas.openxmlformats.org/presentationml/2006/main">
+  <p:cSld>
+    <p:spTree>
+      <p:nvGrpSpPr>
+        <p:cNvPr id="1" name=""/>
+        <p:cNvGrpSpPr/>
+        <p:nvPr/>
+      </p:nvGrpSpPr>
+      <p:grpSpPr>
+        <a:xfrm>
+          <a:off x="0" y="0"/>
+          <a:ext cx="0" cy="0"/>
+          <a:chOff x="0" y="0"/>
+          <a:chExt cx="0" cy="0"/>
+        </a:xfrm>
+      </p:grpSpPr>
+      <p:sp>
+        <p:nvSpPr>
+          <p:cNvPr id="2" name="Text Placeholder 1">
+            <a:extLst>
+              <a:ext uri="{FF2B5EF4-FFF2-40B4-BE49-F238E27FC236}">
+                <a16:creationId xmlns:a16="http://schemas.microsoft.com/office/drawing/2014/main" id="{2AF44972-C082-48B7-852B-AEA3B7BC5C0C}"/>
+              </a:ext>
+            </a:extLst>
+          </p:cNvPr>
+          <p:cNvSpPr>
+            <a:spLocks noGrp="1"/>
+          </p:cNvSpPr>
+          <p:nvPr>
+            <p:ph type="body" sz="quarter" idx="10"/>
+          </p:nvPr>
+        </p:nvSpPr>
+        <p:spPr/>
+        <p:txBody>
+          <a:bodyPr/>
+          <a:lstStyle/>
+          <a:p>
+            <a:r>
+              <a:rPr lang="en-US"/>
+              <a:t>Questions?</a:t>
+            </a:r>
+          </a:p>
+        </p:txBody>
+      </p:sp>
+    </p:spTree>
+    <p:extLst>
+      <p:ext uri="{BB962C8B-B14F-4D97-AF65-F5344CB8AC3E}">
+        <p14:creationId xmlns:p14="http://schemas.microsoft.com/office/powerpoint/2010/main" val="1345408092"/>
+      </p:ext>
+    </p:extLst>
+  </p:cSld>
+  <p:clrMapOvr>
+    <a:masterClrMapping/>
+  </p:clrMapOvr>
+  <p:transition>
+    <p:fade/>
+  </p:transition>
 </p:sld>
 </file>
 
@@ -37514,10 +37360,9 @@
           <a:lstStyle/>
           <a:p>
             <a:r>
-              <a:rPr lang="en-US" dirty="0" smtClean="0"/>
+              <a:rPr lang="en-US" dirty="0"/>
               <a:t>What are variables?</a:t>
             </a:r>
-            <a:endParaRPr lang="en-US" dirty="0"/>
           </a:p>
         </p:txBody>
       </p:sp>
@@ -37539,11 +37384,11 @@
           <a:lstStyle/>
           <a:p>
             <a:r>
-              <a:rPr lang="en-US" dirty="0" smtClean="0"/>
+              <a:rPr lang="en-US" dirty="0"/>
               <a:t>In computer science, </a:t>
             </a:r>
             <a:r>
-              <a:rPr lang="en-US" b="1" dirty="0" smtClean="0"/>
+              <a:rPr lang="en-US" b="1" dirty="0"/>
               <a:t>variables</a:t>
             </a:r>
             <a:r>
@@ -37558,7 +37403,7 @@
             </a:r>
           </a:p>
           <a:p>
-            <a:endParaRPr lang="en-US" dirty="0" smtClean="0"/>
+            <a:endParaRPr lang="en-US" dirty="0"/>
           </a:p>
           <a:p>
             <a:endParaRPr lang="en-US" dirty="0"/>
@@ -38051,10 +37896,9 @@
           <a:lstStyle/>
           <a:p>
             <a:r>
-              <a:rPr lang="en-US" dirty="0" smtClean="0"/>
+              <a:rPr lang="en-US" dirty="0"/>
               <a:t>What do variables look like?</a:t>
             </a:r>
-            <a:endParaRPr lang="en-US" dirty="0"/>
           </a:p>
         </p:txBody>
       </p:sp>
@@ -38267,13 +38111,6 @@
   <p:transition>
     <p:fade/>
   </p:transition>
-  <p:timing>
-    <p:tnLst>
-      <p:par>
-        <p:cTn id="1" dur="indefinite" restart="never" nodeType="tmRoot"/>
-      </p:par>
-    </p:tnLst>
-  </p:timing>
 </p:sld>
 </file>
 
@@ -38320,14 +38157,13 @@
           <a:lstStyle/>
           <a:p>
             <a:r>
-              <a:rPr lang="en-US" smtClean="0"/>
+              <a:rPr lang="en-US"/>
               <a:t>Variables </a:t>
             </a:r>
             <a:r>
-              <a:rPr lang="en-US" dirty="0" smtClean="0"/>
+              <a:rPr lang="en-US" dirty="0"/>
               <a:t>example</a:t>
             </a:r>
-            <a:endParaRPr lang="en-US" dirty="0"/>
           </a:p>
         </p:txBody>
       </p:sp>
@@ -38352,12 +38188,12 @@
               <a:buNone/>
             </a:pPr>
             <a:r>
-              <a:rPr lang="en-US" sz="11500" dirty="0">
+              <a:rPr lang="en-US" sz="8800" dirty="0">
                 <a:hlinkClick r:id="rId3"/>
               </a:rPr>
-              <a:t>https://repl.it/repls/BlankWetElements</a:t>
+              <a:t>https://replit.com/@HylandOutreach/VariablesExample#script.js</a:t>
             </a:r>
-            <a:endParaRPr lang="en-US" sz="13800" dirty="0"/>
+            <a:endParaRPr lang="en-US" sz="9600" dirty="0"/>
           </a:p>
         </p:txBody>
       </p:sp>
@@ -38374,13 +38210,6 @@
   <p:transition>
     <p:fade/>
   </p:transition>
-  <p:timing>
-    <p:tnLst>
-      <p:par>
-        <p:cTn id="1" dur="indefinite" restart="never" nodeType="tmRoot"/>
-      </p:par>
-    </p:tnLst>
-  </p:timing>
 </p:sld>
 </file>
 
@@ -38417,10 +38246,9 @@
           <a:lstStyle/>
           <a:p>
             <a:r>
-              <a:rPr lang="en-US" dirty="0" smtClean="0"/>
+              <a:rPr lang="en-US" dirty="0"/>
               <a:t>Declaration + Setting shortcut</a:t>
             </a:r>
-            <a:endParaRPr lang="en-US" dirty="0"/>
           </a:p>
         </p:txBody>
       </p:sp>
@@ -38460,11 +38288,7 @@
             </a:r>
             <a:r>
               <a:rPr lang="en-US" sz="3600" dirty="0"/>
-              <a:t> a variable in the same </a:t>
-            </a:r>
-            <a:r>
-              <a:rPr lang="en-US" sz="3600" dirty="0" smtClean="0"/>
-              <a:t>statement.</a:t>
+              <a:t> a variable in the same statement.</a:t>
             </a:r>
             <a:endParaRPr lang="en-US" sz="3600" b="1" dirty="0"/>
           </a:p>
@@ -38570,13 +38394,6 @@
   <p:transition>
     <p:fade/>
   </p:transition>
-  <p:timing>
-    <p:tnLst>
-      <p:par>
-        <p:cTn id="1" dur="indefinite" restart="never" nodeType="tmRoot"/>
-      </p:par>
-    </p:tnLst>
-  </p:timing>
 </p:sld>
 </file>
 
@@ -38613,10 +38430,9 @@
           <a:lstStyle/>
           <a:p>
             <a:r>
-              <a:rPr lang="en-US" dirty="0" smtClean="0"/>
+              <a:rPr lang="en-US" dirty="0"/>
               <a:t>Combining Text values and variable values</a:t>
             </a:r>
-            <a:endParaRPr lang="en-US" dirty="0"/>
           </a:p>
         </p:txBody>
       </p:sp>
@@ -38654,7 +38470,7 @@
               <a:t>+</a:t>
             </a:r>
             <a:r>
-              <a:rPr lang="en-US" sz="3600" dirty="0" smtClean="0"/>
+              <a:rPr lang="en-US" sz="3600" dirty="0"/>
               <a:t> sign.</a:t>
             </a:r>
           </a:p>
@@ -38668,7 +38484,7 @@
             <a:pPr marL="57150" indent="0">
               <a:buNone/>
             </a:pPr>
-            <a:endParaRPr lang="en-US" sz="4000" dirty="0" smtClean="0"/>
+            <a:endParaRPr lang="en-US" sz="4000" dirty="0"/>
           </a:p>
           <a:p>
             <a:pPr marL="0" indent="0">
@@ -38711,7 +38527,7 @@
               <a:t> = </a:t>
             </a:r>
             <a:r>
-              <a:rPr lang="en-US" sz="4800" dirty="0" smtClean="0">
+              <a:rPr lang="en-US" sz="4800" dirty="0">
                 <a:solidFill>
                   <a:srgbClr val="A31515"/>
                 </a:solidFill>
@@ -38720,7 +38536,7 @@
               <a:t>"Jane"</a:t>
             </a:r>
             <a:r>
-              <a:rPr lang="en-US" sz="4800" dirty="0" smtClean="0">
+              <a:rPr lang="en-US" sz="4800" dirty="0">
                 <a:solidFill>
                   <a:srgbClr val="000000"/>
                 </a:solidFill>
@@ -38728,12 +38544,6 @@
               </a:rPr>
               <a:t>;</a:t>
             </a:r>
-            <a:endParaRPr lang="en-US" sz="4800" dirty="0">
-              <a:solidFill>
-                <a:srgbClr val="000000"/>
-              </a:solidFill>
-              <a:latin typeface="Consolas" panose="020B0609020204030204" pitchFamily="49" charset="0"/>
-            </a:endParaRPr>
           </a:p>
           <a:p>
             <a:pPr marL="0" indent="0">
@@ -38806,13 +38616,6 @@
   <p:transition>
     <p:fade/>
   </p:transition>
-  <p:timing>
-    <p:tnLst>
-      <p:par>
-        <p:cTn id="1" dur="indefinite" restart="never" nodeType="tmRoot"/>
-      </p:par>
-    </p:tnLst>
-  </p:timing>
 </p:sld>
 </file>
 
@@ -38849,10 +38652,9 @@
           <a:lstStyle/>
           <a:p>
             <a:r>
-              <a:rPr lang="en-US" dirty="0" smtClean="0"/>
+              <a:rPr lang="en-US" dirty="0"/>
               <a:t>Mini-challenge</a:t>
             </a:r>
-            <a:endParaRPr lang="en-US" dirty="0"/>
           </a:p>
         </p:txBody>
       </p:sp>
@@ -38879,7 +38681,7 @@
               <a:t>Write a program that will say hello to you by name WITHOUT using quotes in the </a:t>
             </a:r>
             <a:r>
-              <a:rPr lang="en-US" sz="6000" b="1" dirty="0" smtClean="0">
+              <a:rPr lang="en-US" sz="6000" b="1" dirty="0">
                 <a:solidFill>
                   <a:schemeClr val="accent1">
                     <a:lumMod val="50000"/>
@@ -38889,14 +38691,6 @@
               </a:rPr>
               <a:t>alert</a:t>
             </a:r>
-            <a:endParaRPr lang="en-US" sz="6000" b="1" dirty="0">
-              <a:solidFill>
-                <a:schemeClr val="accent1">
-                  <a:lumMod val="50000"/>
-                </a:schemeClr>
-              </a:solidFill>
-              <a:latin typeface="Consolas" panose="020B0609020204030204" pitchFamily="49" charset="0"/>
-            </a:endParaRPr>
           </a:p>
           <a:p>
             <a:pPr marL="57150" indent="0">
@@ -38909,52 +38703,15 @@
               <a:buNone/>
             </a:pPr>
             <a:r>
-              <a:rPr lang="en-US" sz="4400" dirty="0" smtClean="0">
+              <a:rPr lang="en-US" sz="4400" dirty="0">
                 <a:solidFill>
                   <a:schemeClr val="accent1">
                     <a:lumMod val="50000"/>
                   </a:schemeClr>
                 </a:solidFill>
               </a:rPr>
-              <a:t>For example, if your name were </a:t>
+              <a:t>For example, if your name were Jane, it should say “Hello, Jane”</a:t>
             </a:r>
-            <a:r>
-              <a:rPr lang="en-US" sz="4400" dirty="0" smtClean="0">
-                <a:solidFill>
-                  <a:schemeClr val="accent1">
-                    <a:lumMod val="50000"/>
-                  </a:schemeClr>
-                </a:solidFill>
-              </a:rPr>
-              <a:t>Jane, </a:t>
-            </a:r>
-            <a:r>
-              <a:rPr lang="en-US" sz="4400" dirty="0" smtClean="0">
-                <a:solidFill>
-                  <a:schemeClr val="accent1">
-                    <a:lumMod val="50000"/>
-                  </a:schemeClr>
-                </a:solidFill>
-              </a:rPr>
-              <a:t>it should say “Hello, </a:t>
-            </a:r>
-            <a:r>
-              <a:rPr lang="en-US" sz="4400" dirty="0" smtClean="0">
-                <a:solidFill>
-                  <a:schemeClr val="accent1">
-                    <a:lumMod val="50000"/>
-                  </a:schemeClr>
-                </a:solidFill>
-              </a:rPr>
-              <a:t>Jane”</a:t>
-            </a:r>
-            <a:endParaRPr lang="en-US" sz="4400" dirty="0">
-              <a:solidFill>
-                <a:schemeClr val="accent1">
-                  <a:lumMod val="50000"/>
-                </a:schemeClr>
-              </a:solidFill>
-            </a:endParaRPr>
           </a:p>
         </p:txBody>
       </p:sp>
@@ -38971,13 +38728,6 @@
   <p:transition>
     <p:fade/>
   </p:transition>
-  <p:timing>
-    <p:tnLst>
-      <p:par>
-        <p:cTn id="1" dur="indefinite" restart="never" nodeType="tmRoot"/>
-      </p:par>
-    </p:tnLst>
-  </p:timing>
 </p:sld>
 </file>
 
@@ -39014,10 +38764,9 @@
           <a:lstStyle/>
           <a:p>
             <a:r>
-              <a:rPr lang="en-US" dirty="0" smtClean="0"/>
+              <a:rPr lang="en-US" dirty="0"/>
               <a:t>Solution</a:t>
             </a:r>
-            <a:endParaRPr lang="en-US" dirty="0"/>
           </a:p>
         </p:txBody>
       </p:sp>
@@ -39078,7 +38827,7 @@
               <a:t> = </a:t>
             </a:r>
             <a:r>
-              <a:rPr lang="en-US" sz="6000" dirty="0" smtClean="0">
+              <a:rPr lang="en-US" sz="6000" dirty="0">
                 <a:solidFill>
                   <a:srgbClr val="A31515"/>
                 </a:solidFill>
@@ -39087,7 +38836,7 @@
               <a:t>"Jane"</a:t>
             </a:r>
             <a:r>
-              <a:rPr lang="en-US" sz="6000" dirty="0" smtClean="0">
+              <a:rPr lang="en-US" sz="6000" dirty="0">
                 <a:solidFill>
                   <a:srgbClr val="000000"/>
                 </a:solidFill>
@@ -39095,12 +38844,6 @@
               </a:rPr>
               <a:t>;</a:t>
             </a:r>
-            <a:endParaRPr lang="en-US" sz="6000" dirty="0">
-              <a:solidFill>
-                <a:srgbClr val="000000"/>
-              </a:solidFill>
-              <a:latin typeface="Consolas" panose="020B0609020204030204" pitchFamily="49" charset="0"/>
-            </a:endParaRPr>
           </a:p>
           <a:p>
             <a:pPr marL="0" indent="0">
@@ -39166,7 +38909,7 @@
               <a:t>myName</a:t>
             </a:r>
             <a:r>
-              <a:rPr lang="en-US" sz="6000" dirty="0" smtClean="0">
+              <a:rPr lang="en-US" sz="6000" dirty="0">
                 <a:solidFill>
                   <a:srgbClr val="000000"/>
                 </a:solidFill>
@@ -39174,12 +38917,6 @@
               </a:rPr>
               <a:t>);</a:t>
             </a:r>
-            <a:endParaRPr lang="en-US" sz="6000" dirty="0">
-              <a:solidFill>
-                <a:srgbClr val="000000"/>
-              </a:solidFill>
-              <a:latin typeface="Consolas" panose="020B0609020204030204" pitchFamily="49" charset="0"/>
-            </a:endParaRPr>
           </a:p>
         </p:txBody>
       </p:sp>
@@ -39196,13 +38933,6 @@
   <p:transition>
     <p:fade/>
   </p:transition>
-  <p:timing>
-    <p:tnLst>
-      <p:par>
-        <p:cTn id="1" dur="indefinite" restart="never" nodeType="tmRoot"/>
-      </p:par>
-    </p:tnLst>
-  </p:timing>
 </p:sld>
 </file>
 
@@ -39239,10 +38969,9 @@
           <a:lstStyle/>
           <a:p>
             <a:r>
-              <a:rPr lang="en-US" dirty="0" smtClean="0"/>
+              <a:rPr lang="en-US" dirty="0"/>
               <a:t>User Input in JavaScript</a:t>
             </a:r>
-            <a:endParaRPr lang="en-US" dirty="0"/>
           </a:p>
         </p:txBody>
       </p:sp>
@@ -39296,7 +39025,7 @@
             <a:pPr marL="0" indent="0">
               <a:buNone/>
             </a:pPr>
-            <a:endParaRPr lang="en-US" dirty="0" smtClean="0">
+            <a:endParaRPr lang="en-US" dirty="0">
               <a:solidFill>
                 <a:srgbClr val="000000"/>
               </a:solidFill>
@@ -39340,20 +39069,8 @@
           </a:p>
           <a:p>
             <a:r>
-              <a:rPr lang="en-US" sz="3600" dirty="0" smtClean="0"/>
-              <a:t>It is possible to store </a:t>
-            </a:r>
-            <a:r>
               <a:rPr lang="en-US" sz="3600" dirty="0"/>
-              <a:t>the </a:t>
-            </a:r>
-            <a:r>
-              <a:rPr lang="en-US" sz="3600" dirty="0" smtClean="0"/>
-              <a:t>user’s answer in </a:t>
-            </a:r>
-            <a:r>
-              <a:rPr lang="en-US" sz="3600" dirty="0"/>
-              <a:t>a variable</a:t>
+              <a:t>It is possible to store the user’s answer in a variable</a:t>
             </a:r>
           </a:p>
           <a:p>

--- a/Week02/JavaScriptVariables.pptx
+++ b/Week02/JavaScriptVariables.pptx
@@ -11,16 +11,16 @@
     <p:sldId id="258" r:id="rId2"/>
     <p:sldId id="314" r:id="rId3"/>
     <p:sldId id="315" r:id="rId4"/>
-    <p:sldId id="316" r:id="rId5"/>
-    <p:sldId id="317" r:id="rId6"/>
+    <p:sldId id="328" r:id="rId5"/>
+    <p:sldId id="316" r:id="rId6"/>
     <p:sldId id="318" r:id="rId7"/>
     <p:sldId id="319" r:id="rId8"/>
     <p:sldId id="320" r:id="rId9"/>
     <p:sldId id="321" r:id="rId10"/>
     <p:sldId id="322" r:id="rId11"/>
-    <p:sldId id="323" r:id="rId12"/>
-    <p:sldId id="324" r:id="rId13"/>
-    <p:sldId id="325" r:id="rId14"/>
+    <p:sldId id="325" r:id="rId12"/>
+    <p:sldId id="323" r:id="rId13"/>
+    <p:sldId id="324" r:id="rId14"/>
     <p:sldId id="326" r:id="rId15"/>
   </p:sldIdLst>
   <p:sldSz cx="12192000" cy="6858000"/>
@@ -221,7 +221,7 @@
           <a:p>
             <a:fld id="{19104133-B5B0-4351-8158-4F0E5EB1E2BF}" type="datetimeFigureOut">
               <a:rPr lang="en-US" smtClean="0"/>
-              <a:t>9/1/2022</a:t>
+              <a:t>9/2/2022</a:t>
             </a:fld>
             <a:endParaRPr lang="en-US"/>
           </a:p>
@@ -634,13 +634,9 @@
           <a:p>
             <a:r>
               <a:rPr lang="en-US" dirty="0"/>
-              <a:t>Allow the students a few minutes to</a:t>
+              <a:t>Let’s take a look at this example in action!</a:t>
             </a:r>
-            <a:r>
-              <a:rPr lang="en-US" baseline="0" dirty="0"/>
-              <a:t> attempt the challenge</a:t>
-            </a:r>
-            <a:endParaRPr lang="en-US" dirty="0"/>
+            <a:endParaRPr lang="en-US" baseline="0" dirty="0"/>
           </a:p>
         </p:txBody>
       </p:sp>
@@ -670,7 +666,7 @@
     </p:spTree>
     <p:extLst>
       <p:ext uri="{BB962C8B-B14F-4D97-AF65-F5344CB8AC3E}">
-        <p14:creationId xmlns:p14="http://schemas.microsoft.com/office/powerpoint/2010/main" val="2524834435"/>
+        <p14:creationId xmlns:p14="http://schemas.microsoft.com/office/powerpoint/2010/main" val="2234989272"/>
       </p:ext>
     </p:extLst>
   </p:cSld>
@@ -726,19 +722,11 @@
           <a:p>
             <a:r>
               <a:rPr lang="en-US" dirty="0"/>
-              <a:t>Display the solution</a:t>
+              <a:t>Allow the students a few minutes to</a:t>
             </a:r>
             <a:r>
               <a:rPr lang="en-US" baseline="0" dirty="0"/>
-              <a:t> for the students. Note that the user’s answer is stored in the </a:t>
-            </a:r>
-            <a:r>
-              <a:rPr lang="en-US" b="1" baseline="0" dirty="0"/>
-              <a:t>name</a:t>
-            </a:r>
-            <a:r>
-              <a:rPr lang="en-US" b="0" baseline="0" dirty="0"/>
-              <a:t> variable, and then combined with “Hello, “ for the message.</a:t>
+              <a:t> attempt the challenge</a:t>
             </a:r>
             <a:endParaRPr lang="en-US" dirty="0"/>
           </a:p>
@@ -770,7 +758,7 @@
     </p:spTree>
     <p:extLst>
       <p:ext uri="{BB962C8B-B14F-4D97-AF65-F5344CB8AC3E}">
-        <p14:creationId xmlns:p14="http://schemas.microsoft.com/office/powerpoint/2010/main" val="3938198376"/>
+        <p14:creationId xmlns:p14="http://schemas.microsoft.com/office/powerpoint/2010/main" val="2524834435"/>
       </p:ext>
     </p:extLst>
   </p:cSld>
@@ -826,9 +814,21 @@
           <a:p>
             <a:r>
               <a:rPr lang="en-US" dirty="0"/>
-              <a:t>Let’s take a look at this example in action!</a:t>
+              <a:t>Display the solution</a:t>
             </a:r>
-            <a:endParaRPr lang="en-US" baseline="0" dirty="0"/>
+            <a:r>
+              <a:rPr lang="en-US" baseline="0" dirty="0"/>
+              <a:t> for the students. Note that the user’s answer is stored in the </a:t>
+            </a:r>
+            <a:r>
+              <a:rPr lang="en-US" b="1" baseline="0" dirty="0"/>
+              <a:t>name</a:t>
+            </a:r>
+            <a:r>
+              <a:rPr lang="en-US" b="0" baseline="0" dirty="0"/>
+              <a:t> variable, and then combined with “Hello, “ for the message.</a:t>
+            </a:r>
+            <a:endParaRPr lang="en-US" dirty="0"/>
           </a:p>
         </p:txBody>
       </p:sp>
@@ -858,7 +858,7 @@
     </p:spTree>
     <p:extLst>
       <p:ext uri="{BB962C8B-B14F-4D97-AF65-F5344CB8AC3E}">
-        <p14:creationId xmlns:p14="http://schemas.microsoft.com/office/powerpoint/2010/main" val="2234989272"/>
+        <p14:creationId xmlns:p14="http://schemas.microsoft.com/office/powerpoint/2010/main" val="3938198376"/>
       </p:ext>
     </p:extLst>
   </p:cSld>
@@ -930,25 +930,12 @@
             </a:r>
           </a:p>
           <a:p>
-            <a:r>
-              <a:rPr lang="en-US" b="0" baseline="0" dirty="0"/>
-              <a:t>Variable names must start with a letter, and contain only letters and numbers (no spaces or special characters).</a:t>
-            </a:r>
-          </a:p>
-          <a:p>
-            <a:r>
-              <a:rPr lang="en-US" b="0" baseline="0" dirty="0"/>
-              <a:t>Variable names cannot be keywords.</a:t>
-            </a:r>
-            <a:endParaRPr lang="en-US" b="0" dirty="0"/>
-          </a:p>
-          <a:p>
             <a:endParaRPr lang="en-US" b="0" dirty="0"/>
           </a:p>
           <a:p>
             <a:r>
               <a:rPr lang="en-US" b="1" dirty="0"/>
-              <a:t>Declaring</a:t>
+              <a:t>Creating</a:t>
             </a:r>
             <a:r>
               <a:rPr lang="en-US" b="0" dirty="0"/>
@@ -962,15 +949,7 @@
           <a:p>
             <a:r>
               <a:rPr lang="en-US" b="0" baseline="0" dirty="0"/>
-              <a:t>-To declare a variable, you need to use the “</a:t>
-            </a:r>
-            <a:r>
-              <a:rPr lang="en-US" b="0" baseline="0" dirty="0" err="1"/>
-              <a:t>var</a:t>
-            </a:r>
-            <a:r>
-              <a:rPr lang="en-US" b="0" baseline="0" dirty="0"/>
-              <a:t>” </a:t>
+              <a:t>-To declare a variable, you need to use the “let” </a:t>
             </a:r>
             <a:r>
               <a:rPr lang="en-US" b="0" i="1" baseline="0" dirty="0"/>
@@ -1058,6 +1037,24 @@
               <a:rPr lang="en-US" b="0" i="0" baseline="0" dirty="0"/>
               <a:t> have double quotes.</a:t>
             </a:r>
+          </a:p>
+          <a:p>
+            <a:endParaRPr lang="en-US" b="0" i="0" baseline="0" dirty="0"/>
+          </a:p>
+          <a:p>
+            <a:r>
+              <a:rPr lang="en-US" b="0" baseline="0" dirty="0"/>
+              <a:t>Variable names must start with a letter, and contain only letters and numbers (no spaces or special characters).</a:t>
+            </a:r>
+          </a:p>
+          <a:p>
+            <a:r>
+              <a:rPr lang="en-US" b="0" baseline="0" dirty="0"/>
+              <a:t>Variable names cannot be keywords.</a:t>
+            </a:r>
+            <a:endParaRPr lang="en-US" b="0" dirty="0"/>
+          </a:p>
+          <a:p>
             <a:endParaRPr lang="en-US" b="1" dirty="0"/>
           </a:p>
           <a:p>
@@ -1147,29 +1144,41 @@
           <a:p>
             <a:r>
               <a:rPr lang="en-US" dirty="0"/>
-              <a:t>For the </a:t>
+              <a:t>Ask the students to try to name each thing needed to do both of these things. It will be important to emphasize the terminology here:</a:t>
             </a:r>
-            <a:r>
-              <a:rPr lang="en-US" dirty="0" err="1"/>
-              <a:t>Repl</a:t>
-            </a:r>
+          </a:p>
+          <a:p>
+            <a:endParaRPr lang="en-US" dirty="0"/>
+          </a:p>
+          <a:p>
+            <a:pPr marL="171450" indent="-171450">
+              <a:buFontTx/>
+              <a:buChar char="-"/>
+            </a:pPr>
             <a:r>
               <a:rPr lang="en-US" dirty="0"/>
-              <a:t>,</a:t>
+              <a:t>Keyword</a:t>
             </a:r>
+          </a:p>
+          <a:p>
+            <a:pPr marL="171450" indent="-171450">
+              <a:buFontTx/>
+              <a:buChar char="-"/>
+            </a:pPr>
             <a:r>
-              <a:rPr lang="en-US" baseline="0" dirty="0"/>
-              <a:t> show how the variable is declared, set, and set again. The </a:t>
+              <a:rPr lang="en-US" dirty="0"/>
+              <a:t>Variable name</a:t>
             </a:r>
+          </a:p>
+          <a:p>
+            <a:pPr marL="171450" indent="-171450">
+              <a:buFontTx/>
+              <a:buChar char="-"/>
+            </a:pPr>
             <a:r>
-              <a:rPr lang="en-US" i="1" baseline="0" dirty="0"/>
-              <a:t>value</a:t>
+              <a:rPr lang="en-US" dirty="0"/>
+              <a:t>Variable value</a:t>
             </a:r>
-            <a:r>
-              <a:rPr lang="en-US" i="0" baseline="0" dirty="0"/>
-              <a:t> changes based on the code.</a:t>
-            </a:r>
-            <a:endParaRPr lang="en-US" baseline="0" dirty="0"/>
           </a:p>
         </p:txBody>
       </p:sp>
@@ -1180,7 +1189,7 @@
             <a:spLocks noGrp="1"/>
           </p:cNvSpPr>
           <p:nvPr>
-            <p:ph type="sldNum" sz="quarter" idx="10"/>
+            <p:ph type="sldNum" sz="quarter" idx="5"/>
           </p:nvPr>
         </p:nvSpPr>
         <p:spPr/>
@@ -1199,7 +1208,7 @@
     </p:spTree>
     <p:extLst>
       <p:ext uri="{BB962C8B-B14F-4D97-AF65-F5344CB8AC3E}">
-        <p14:creationId xmlns:p14="http://schemas.microsoft.com/office/powerpoint/2010/main" val="140797552"/>
+        <p14:creationId xmlns:p14="http://schemas.microsoft.com/office/powerpoint/2010/main" val="1588364852"/>
       </p:ext>
     </p:extLst>
   </p:cSld>
@@ -1255,22 +1264,29 @@
           <a:p>
             <a:r>
               <a:rPr lang="en-US" dirty="0"/>
-              <a:t>Explain that it is possible to declare AND set a variable in the same statement.</a:t>
-            </a:r>
-          </a:p>
-          <a:p>
-            <a:endParaRPr lang="en-US" dirty="0"/>
-          </a:p>
-          <a:p>
-            <a:r>
-              <a:rPr lang="en-US" b="1" dirty="0"/>
-              <a:t>This</a:t>
+              <a:t>For the </a:t>
             </a:r>
             <a:r>
-              <a:rPr lang="en-US" b="1" baseline="0" dirty="0"/>
-              <a:t> will be the more common way to create variables.</a:t>
+              <a:rPr lang="en-US" dirty="0" err="1"/>
+              <a:t>Repl</a:t>
             </a:r>
-            <a:endParaRPr lang="en-US" b="1" dirty="0"/>
+            <a:r>
+              <a:rPr lang="en-US" dirty="0"/>
+              <a:t>,</a:t>
+            </a:r>
+            <a:r>
+              <a:rPr lang="en-US" baseline="0" dirty="0"/>
+              <a:t> show how the variable is declared, set, and set again. The </a:t>
+            </a:r>
+            <a:r>
+              <a:rPr lang="en-US" i="1" baseline="0" dirty="0"/>
+              <a:t>value</a:t>
+            </a:r>
+            <a:r>
+              <a:rPr lang="en-US" i="0" baseline="0" dirty="0"/>
+              <a:t> changes based on the code.</a:t>
+            </a:r>
+            <a:endParaRPr lang="en-US" baseline="0" dirty="0"/>
           </a:p>
         </p:txBody>
       </p:sp>
@@ -1300,7 +1316,7 @@
     </p:spTree>
     <p:extLst>
       <p:ext uri="{BB962C8B-B14F-4D97-AF65-F5344CB8AC3E}">
-        <p14:creationId xmlns:p14="http://schemas.microsoft.com/office/powerpoint/2010/main" val="3198538496"/>
+        <p14:creationId xmlns:p14="http://schemas.microsoft.com/office/powerpoint/2010/main" val="140797552"/>
       </p:ext>
     </p:extLst>
   </p:cSld>
@@ -2014,7 +2030,7 @@
             <a:fld id="{1C2D31DE-C454-491C-B5C3-F097855E3DF7}" type="datetime4">
               <a:rPr lang="en-US" smtClean="0"/>
               <a:pPr/>
-              <a:t>September 1, 2022</a:t>
+              <a:t>September 2, 2022</a:t>
             </a:fld>
             <a:endParaRPr lang="en-US" dirty="0"/>
           </a:p>
@@ -5406,7 +5422,7 @@
           <a:p>
             <a:fld id="{5958763E-B898-436D-883D-03711491D54A}" type="datetimeFigureOut">
               <a:rPr lang="en-US" smtClean="0"/>
-              <a:t>9/1/2022</a:t>
+              <a:t>9/2/2022</a:t>
             </a:fld>
             <a:endParaRPr lang="en-US"/>
           </a:p>
@@ -5599,7 +5615,7 @@
           <a:p>
             <a:fld id="{5958763E-B898-436D-883D-03711491D54A}" type="datetimeFigureOut">
               <a:rPr lang="en-US" smtClean="0"/>
-              <a:t>9/1/2022</a:t>
+              <a:t>9/2/2022</a:t>
             </a:fld>
             <a:endParaRPr lang="en-US"/>
           </a:p>
@@ -5849,7 +5865,7 @@
           <a:p>
             <a:fld id="{5958763E-B898-436D-883D-03711491D54A}" type="datetimeFigureOut">
               <a:rPr lang="en-US" smtClean="0"/>
-              <a:t>9/1/2022</a:t>
+              <a:t>9/2/2022</a:t>
             </a:fld>
             <a:endParaRPr lang="en-US"/>
           </a:p>
@@ -6197,7 +6213,7 @@
           <a:p>
             <a:fld id="{5958763E-B898-436D-883D-03711491D54A}" type="datetimeFigureOut">
               <a:rPr lang="en-US" smtClean="0"/>
-              <a:t>9/1/2022</a:t>
+              <a:t>9/2/2022</a:t>
             </a:fld>
             <a:endParaRPr lang="en-US"/>
           </a:p>
@@ -6613,7 +6629,7 @@
           <a:p>
             <a:fld id="{5958763E-B898-436D-883D-03711491D54A}" type="datetimeFigureOut">
               <a:rPr lang="en-US" smtClean="0"/>
-              <a:t>9/1/2022</a:t>
+              <a:t>9/2/2022</a:t>
             </a:fld>
             <a:endParaRPr lang="en-US"/>
           </a:p>
@@ -7114,7 +7130,7 @@
           <a:p>
             <a:fld id="{5958763E-B898-436D-883D-03711491D54A}" type="datetimeFigureOut">
               <a:rPr lang="en-US" smtClean="0"/>
-              <a:t>9/1/2022</a:t>
+              <a:t>9/2/2022</a:t>
             </a:fld>
             <a:endParaRPr lang="en-US"/>
           </a:p>
@@ -7565,7 +7581,7 @@
           <a:p>
             <a:fld id="{5958763E-B898-436D-883D-03711491D54A}" type="datetimeFigureOut">
               <a:rPr lang="en-US" smtClean="0"/>
-              <a:t>9/1/2022</a:t>
+              <a:t>9/2/2022</a:t>
             </a:fld>
             <a:endParaRPr lang="en-US"/>
           </a:p>
@@ -8176,7 +8192,7 @@
           <a:p>
             <a:fld id="{5958763E-B898-436D-883D-03711491D54A}" type="datetimeFigureOut">
               <a:rPr lang="en-US" smtClean="0"/>
-              <a:t>9/1/2022</a:t>
+              <a:t>9/2/2022</a:t>
             </a:fld>
             <a:endParaRPr lang="en-US"/>
           </a:p>
@@ -8947,7 +8963,7 @@
           <a:p>
             <a:fld id="{5958763E-B898-436D-883D-03711491D54A}" type="datetimeFigureOut">
               <a:rPr lang="en-US" smtClean="0"/>
-              <a:t>9/1/2022</a:t>
+              <a:t>9/2/2022</a:t>
             </a:fld>
             <a:endParaRPr lang="en-US"/>
           </a:p>
@@ -9051,7 +9067,7 @@
           <a:p>
             <a:fld id="{5958763E-B898-436D-883D-03711491D54A}" type="datetimeFigureOut">
               <a:rPr lang="en-US" smtClean="0"/>
-              <a:t>9/1/2022</a:t>
+              <a:t>9/2/2022</a:t>
             </a:fld>
             <a:endParaRPr lang="en-US"/>
           </a:p>
@@ -9378,7 +9394,7 @@
             <a:fld id="{1C2D31DE-C454-491C-B5C3-F097855E3DF7}" type="datetime4">
               <a:rPr lang="en-US" smtClean="0"/>
               <a:pPr/>
-              <a:t>September 1, 2022</a:t>
+              <a:t>September 2, 2022</a:t>
             </a:fld>
             <a:endParaRPr lang="en-US" dirty="0"/>
           </a:p>
@@ -12530,7 +12546,7 @@
           <a:p>
             <a:fld id="{5958763E-B898-436D-883D-03711491D54A}" type="datetimeFigureOut">
               <a:rPr lang="en-US" smtClean="0"/>
-              <a:t>9/1/2022</a:t>
+              <a:t>9/2/2022</a:t>
             </a:fld>
             <a:endParaRPr lang="en-US"/>
           </a:p>
@@ -12654,7 +12670,7 @@
           <a:p>
             <a:fld id="{5958763E-B898-436D-883D-03711491D54A}" type="datetimeFigureOut">
               <a:rPr lang="en-US" smtClean="0"/>
-              <a:t>9/1/2022</a:t>
+              <a:t>9/2/2022</a:t>
             </a:fld>
             <a:endParaRPr lang="en-US"/>
           </a:p>
@@ -12778,7 +12794,7 @@
           <a:p>
             <a:fld id="{5958763E-B898-436D-883D-03711491D54A}" type="datetimeFigureOut">
               <a:rPr lang="en-US" smtClean="0"/>
-              <a:t>9/1/2022</a:t>
+              <a:t>9/2/2022</a:t>
             </a:fld>
             <a:endParaRPr lang="en-US"/>
           </a:p>
@@ -12902,7 +12918,7 @@
           <a:p>
             <a:fld id="{5958763E-B898-436D-883D-03711491D54A}" type="datetimeFigureOut">
               <a:rPr lang="en-US" smtClean="0"/>
-              <a:t>9/1/2022</a:t>
+              <a:t>9/2/2022</a:t>
             </a:fld>
             <a:endParaRPr lang="en-US"/>
           </a:p>
@@ -13026,7 +13042,7 @@
           <a:p>
             <a:fld id="{5958763E-B898-436D-883D-03711491D54A}" type="datetimeFigureOut">
               <a:rPr lang="en-US" smtClean="0"/>
-              <a:t>9/1/2022</a:t>
+              <a:t>9/2/2022</a:t>
             </a:fld>
             <a:endParaRPr lang="en-US"/>
           </a:p>
@@ -13150,7 +13166,7 @@
           <a:p>
             <a:fld id="{5958763E-B898-436D-883D-03711491D54A}" type="datetimeFigureOut">
               <a:rPr lang="en-US" smtClean="0"/>
-              <a:t>9/1/2022</a:t>
+              <a:t>9/2/2022</a:t>
             </a:fld>
             <a:endParaRPr lang="en-US"/>
           </a:p>
@@ -13274,7 +13290,7 @@
           <a:p>
             <a:fld id="{5958763E-B898-436D-883D-03711491D54A}" type="datetimeFigureOut">
               <a:rPr lang="en-US" smtClean="0"/>
-              <a:t>9/1/2022</a:t>
+              <a:t>9/2/2022</a:t>
             </a:fld>
             <a:endParaRPr lang="en-US"/>
           </a:p>
@@ -13398,7 +13414,7 @@
           <a:p>
             <a:fld id="{5958763E-B898-436D-883D-03711491D54A}" type="datetimeFigureOut">
               <a:rPr lang="en-US" smtClean="0"/>
-              <a:t>9/1/2022</a:t>
+              <a:t>9/2/2022</a:t>
             </a:fld>
             <a:endParaRPr lang="en-US"/>
           </a:p>
@@ -13531,7 +13547,7 @@
           <a:p>
             <a:fld id="{5958763E-B898-436D-883D-03711491D54A}" type="datetimeFigureOut">
               <a:rPr lang="en-US" smtClean="0"/>
-              <a:t>9/1/2022</a:t>
+              <a:t>9/2/2022</a:t>
             </a:fld>
             <a:endParaRPr lang="en-US"/>
           </a:p>
@@ -16870,7 +16886,7 @@
             <a:fld id="{1C2D31DE-C454-491C-B5C3-F097855E3DF7}" type="datetime4">
               <a:rPr lang="en-US" smtClean="0"/>
               <a:pPr/>
-              <a:t>September 1, 2022</a:t>
+              <a:t>September 2, 2022</a:t>
             </a:fld>
             <a:endParaRPr lang="en-US" dirty="0"/>
           </a:p>
@@ -29106,7 +29122,7 @@
           <a:p>
             <a:fld id="{5958763E-B898-436D-883D-03711491D54A}" type="datetimeFigureOut">
               <a:rPr lang="en-US" smtClean="0"/>
-              <a:t>9/1/2022</a:t>
+              <a:t>9/2/2022</a:t>
             </a:fld>
             <a:endParaRPr lang="en-US"/>
           </a:p>
@@ -29508,7 +29524,7 @@
           <a:p>
             <a:fld id="{5958763E-B898-436D-883D-03711491D54A}" type="datetimeFigureOut">
               <a:rPr lang="en-US" smtClean="0"/>
-              <a:t>9/1/2022</a:t>
+              <a:t>9/2/2022</a:t>
             </a:fld>
             <a:endParaRPr lang="en-US"/>
           </a:p>
@@ -29802,7 +29818,7 @@
           <a:p>
             <a:fld id="{5958763E-B898-436D-883D-03711491D54A}" type="datetimeFigureOut">
               <a:rPr lang="en-US" smtClean="0"/>
-              <a:t>9/1/2022</a:t>
+              <a:t>9/2/2022</a:t>
             </a:fld>
             <a:endParaRPr lang="en-US"/>
           </a:p>
@@ -30003,7 +30019,7 @@
           <a:p>
             <a:fld id="{5958763E-B898-436D-883D-03711491D54A}" type="datetimeFigureOut">
               <a:rPr lang="en-US" smtClean="0"/>
-              <a:t>9/1/2022</a:t>
+              <a:t>9/2/2022</a:t>
             </a:fld>
             <a:endParaRPr lang="en-US"/>
           </a:p>
@@ -30264,7 +30280,7 @@
           <a:p>
             <a:fld id="{5958763E-B898-436D-883D-03711491D54A}" type="datetimeFigureOut">
               <a:rPr lang="en-US" smtClean="0"/>
-              <a:t>9/1/2022</a:t>
+              <a:t>9/2/2022</a:t>
             </a:fld>
             <a:endParaRPr lang="en-US"/>
           </a:p>
@@ -30772,7 +30788,7 @@
           <a:p>
             <a:fld id="{5958763E-B898-436D-883D-03711491D54A}" type="datetimeFigureOut">
               <a:rPr lang="en-US" smtClean="0"/>
-              <a:t>9/1/2022</a:t>
+              <a:t>9/2/2022</a:t>
             </a:fld>
             <a:endParaRPr lang="en-US"/>
           </a:p>
@@ -31251,7 +31267,7 @@
           <a:p>
             <a:fld id="{5958763E-B898-436D-883D-03711491D54A}" type="datetimeFigureOut">
               <a:rPr lang="en-US" smtClean="0"/>
-              <a:t>9/1/2022</a:t>
+              <a:t>9/2/2022</a:t>
             </a:fld>
             <a:endParaRPr lang="en-US"/>
           </a:p>
@@ -32070,7 +32086,7 @@
           <a:p>
             <a:fld id="{5958763E-B898-436D-883D-03711491D54A}" type="datetimeFigureOut">
               <a:rPr lang="en-US" smtClean="0"/>
-              <a:t>9/1/2022</a:t>
+              <a:t>9/2/2022</a:t>
             </a:fld>
             <a:endParaRPr lang="en-US"/>
           </a:p>
@@ -32271,7 +32287,7 @@
           <a:p>
             <a:fld id="{5958763E-B898-436D-883D-03711491D54A}" type="datetimeFigureOut">
               <a:rPr lang="en-US" smtClean="0"/>
-              <a:t>9/1/2022</a:t>
+              <a:t>9/2/2022</a:t>
             </a:fld>
             <a:endParaRPr lang="en-US"/>
           </a:p>
@@ -32606,7 +32622,7 @@
           <a:p>
             <a:fld id="{5958763E-B898-436D-883D-03711491D54A}" type="datetimeFigureOut">
               <a:rPr lang="en-US" smtClean="0"/>
-              <a:t>9/1/2022</a:t>
+              <a:t>9/2/2022</a:t>
             </a:fld>
             <a:endParaRPr lang="en-US"/>
           </a:p>
@@ -32836,7 +32852,7 @@
           <a:p>
             <a:fld id="{5958763E-B898-436D-883D-03711491D54A}" type="datetimeFigureOut">
               <a:rPr lang="en-US" smtClean="0"/>
-              <a:t>9/1/2022</a:t>
+              <a:t>9/2/2022</a:t>
             </a:fld>
             <a:endParaRPr lang="en-US"/>
           </a:p>
@@ -33080,7 +33096,7 @@
           <a:p>
             <a:fld id="{5958763E-B898-436D-883D-03711491D54A}" type="datetimeFigureOut">
               <a:rPr lang="en-US" smtClean="0"/>
-              <a:t>9/1/2022</a:t>
+              <a:t>9/2/2022</a:t>
             </a:fld>
             <a:endParaRPr lang="en-US"/>
           </a:p>
@@ -36707,13 +36723,13 @@
               <a:buNone/>
             </a:pPr>
             <a:r>
-              <a:rPr lang="en-US" sz="3600" dirty="0" err="1">
+              <a:rPr lang="en-US" sz="3600" dirty="0">
                 <a:solidFill>
                   <a:srgbClr val="569CD6"/>
                 </a:solidFill>
                 <a:latin typeface="Consolas" panose="020B0609020204030204" pitchFamily="49" charset="0"/>
               </a:rPr>
-              <a:t>var</a:t>
+              <a:t>let</a:t>
             </a:r>
             <a:r>
               <a:rPr lang="en-US" sz="3600" dirty="0">
@@ -36853,39 +36869,38 @@
             <a:pPr marL="57150" indent="0">
               <a:buNone/>
             </a:pPr>
-            <a:endParaRPr lang="en-US" sz="3600" dirty="0">
-              <a:solidFill>
-                <a:srgbClr val="D4D4D4"/>
-              </a:solidFill>
-              <a:latin typeface="Consolas" panose="020B0609020204030204" pitchFamily="49" charset="0"/>
-            </a:endParaRPr>
-          </a:p>
-          <a:p>
-            <a:pPr marL="57150" indent="0">
-              <a:buNone/>
-            </a:pPr>
-            <a:endParaRPr lang="en-US" sz="3600" dirty="0">
-              <a:solidFill>
-                <a:srgbClr val="D4D4D4"/>
-              </a:solidFill>
-              <a:latin typeface="Consolas" panose="020B0609020204030204" pitchFamily="49" charset="0"/>
-            </a:endParaRPr>
+            <a:r>
+              <a:rPr lang="en-US" sz="3200" i="1" dirty="0">
+                <a:solidFill>
+                  <a:srgbClr val="FFC000"/>
+                </a:solidFill>
+              </a:rPr>
+              <a:t>Fork this Repl project, and copy the code above to try it!</a:t>
+            </a:r>
           </a:p>
           <a:p>
             <a:pPr marL="57150" indent="0">
               <a:buNone/>
             </a:pPr>
             <a:r>
-              <a:rPr lang="en-US" sz="3600" dirty="0">
+              <a:rPr lang="en-US" sz="3600" b="1" dirty="0">
                 <a:solidFill>
                   <a:schemeClr val="bg1"/>
                 </a:solidFill>
+                <a:latin typeface="Consolas" panose="020B0609020204030204" pitchFamily="49" charset="0"/>
+                <a:hlinkClick r:id="rId3">
+                  <a:extLst>
+                    <a:ext uri="{A12FA001-AC4F-418D-AE19-62706E023703}">
+                      <ahyp:hlinkClr xmlns:ahyp="http://schemas.microsoft.com/office/drawing/2018/hyperlinkcolor" val="tx"/>
+                    </a:ext>
+                  </a:extLst>
+                </a:hlinkClick>
               </a:rPr>
-              <a:t>Copy this code into a JavaScript file to try it!</a:t>
+              <a:t>replit.com/@HylandOutreach/JavaScriptStarter</a:t>
             </a:r>
-            <a:endParaRPr lang="en-US" sz="3600" dirty="0">
+            <a:endParaRPr lang="en-US" sz="3600" b="1" dirty="0">
               <a:solidFill>
-                <a:srgbClr val="D4D4D4"/>
+                <a:schemeClr val="bg1"/>
               </a:solidFill>
               <a:latin typeface="Consolas" panose="020B0609020204030204" pitchFamily="49" charset="0"/>
             </a:endParaRPr>
@@ -36911,6 +36926,16 @@
 <file path=ppt/slides/slide11.xml><?xml version="1.0" encoding="utf-8"?>
 <p:sld xmlns:a="http://schemas.openxmlformats.org/drawingml/2006/main" xmlns:r="http://schemas.openxmlformats.org/officeDocument/2006/relationships" xmlns:p="http://schemas.openxmlformats.org/presentationml/2006/main">
   <p:cSld>
+    <p:bg>
+      <p:bgPr>
+        <a:solidFill>
+          <a:schemeClr val="tx1">
+            <a:lumMod val="50000"/>
+          </a:schemeClr>
+        </a:solidFill>
+        <a:effectLst/>
+      </p:bgPr>
+    </p:bg>
     <p:spTree>
       <p:nvGrpSpPr>
         <p:cNvPr id="1" name=""/>
@@ -36941,8 +36966,12 @@
           <a:lstStyle/>
           <a:p>
             <a:r>
+              <a:rPr lang="en-US"/>
+              <a:t>Variables </a:t>
+            </a:r>
+            <a:r>
               <a:rPr lang="en-US" dirty="0"/>
-              <a:t>Mini-challenge</a:t>
+              <a:t>example</a:t>
             </a:r>
           </a:p>
         </p:txBody>
@@ -36959,56 +36988,28 @@
         </p:nvSpPr>
         <p:spPr/>
         <p:txBody>
-          <a:bodyPr anchor="ctr"/>
+          <a:bodyPr>
+            <a:noAutofit/>
+          </a:bodyPr>
           <a:lstStyle/>
           <a:p>
-            <a:pPr marL="0" indent="0" algn="ctr">
+            <a:pPr marL="57150" indent="0">
               <a:buNone/>
             </a:pPr>
             <a:r>
-              <a:rPr lang="en-US" sz="6000" dirty="0"/>
-              <a:t>Write a program that asks the user for their name, and says hello to them.</a:t>
+              <a:rPr lang="en-US" sz="8800" dirty="0">
+                <a:hlinkClick r:id="rId3"/>
+              </a:rPr>
+              <a:t>https://replit.com/@HylandOutreach/PromptAlert#script.js</a:t>
             </a:r>
-          </a:p>
-          <a:p>
-            <a:pPr marL="57150" indent="0">
-              <a:buNone/>
-            </a:pPr>
-            <a:endParaRPr lang="en-US" dirty="0"/>
-          </a:p>
-          <a:p>
-            <a:pPr marL="57150" indent="0" algn="ctr">
-              <a:buNone/>
-            </a:pPr>
-            <a:r>
-              <a:rPr lang="en-US" sz="4400" dirty="0">
-                <a:solidFill>
-                  <a:schemeClr val="accent1">
-                    <a:lumMod val="50000"/>
-                  </a:schemeClr>
-                </a:solidFill>
-              </a:rPr>
-              <a:t>For example, if the user enters “Charlie”, it should say “Hello, Charlie!”</a:t>
-            </a:r>
-          </a:p>
-          <a:p>
-            <a:pPr marL="57150" indent="0" algn="ctr">
-              <a:buNone/>
-            </a:pPr>
-            <a:endParaRPr lang="en-US" sz="4400" dirty="0">
-              <a:solidFill>
-                <a:schemeClr val="accent1">
-                  <a:lumMod val="50000"/>
-                </a:schemeClr>
-              </a:solidFill>
-            </a:endParaRPr>
+            <a:endParaRPr lang="en-US" sz="9600" dirty="0"/>
           </a:p>
         </p:txBody>
       </p:sp>
     </p:spTree>
     <p:extLst>
       <p:ext uri="{BB962C8B-B14F-4D97-AF65-F5344CB8AC3E}">
-        <p14:creationId xmlns:p14="http://schemas.microsoft.com/office/powerpoint/2010/main" val="1897140388"/>
+        <p14:creationId xmlns:p14="http://schemas.microsoft.com/office/powerpoint/2010/main" val="1235215060"/>
       </p:ext>
     </p:extLst>
   </p:cSld>
@@ -37055,6 +37056,119 @@
           <a:p>
             <a:r>
               <a:rPr lang="en-US" dirty="0"/>
+              <a:t>Mini-challenge</a:t>
+            </a:r>
+          </a:p>
+        </p:txBody>
+      </p:sp>
+      <p:sp>
+        <p:nvSpPr>
+          <p:cNvPr id="3" name="Content Placeholder 2"/>
+          <p:cNvSpPr>
+            <a:spLocks noGrp="1"/>
+          </p:cNvSpPr>
+          <p:nvPr>
+            <p:ph idx="1"/>
+          </p:nvPr>
+        </p:nvSpPr>
+        <p:spPr/>
+        <p:txBody>
+          <a:bodyPr anchor="ctr"/>
+          <a:lstStyle/>
+          <a:p>
+            <a:pPr marL="0" indent="0" algn="ctr">
+              <a:buNone/>
+            </a:pPr>
+            <a:r>
+              <a:rPr lang="en-US" sz="6000" dirty="0"/>
+              <a:t>Write a program that asks the user for their name, and says hello to them.</a:t>
+            </a:r>
+          </a:p>
+          <a:p>
+            <a:pPr marL="57150" indent="0">
+              <a:buNone/>
+            </a:pPr>
+            <a:endParaRPr lang="en-US" dirty="0"/>
+          </a:p>
+          <a:p>
+            <a:pPr marL="57150" indent="0" algn="ctr">
+              <a:buNone/>
+            </a:pPr>
+            <a:r>
+              <a:rPr lang="en-US" sz="4400" dirty="0">
+                <a:solidFill>
+                  <a:schemeClr val="accent1">
+                    <a:lumMod val="50000"/>
+                  </a:schemeClr>
+                </a:solidFill>
+              </a:rPr>
+              <a:t>For example, if the user enters “Charlie”, it should say “Hello, Charlie!”</a:t>
+            </a:r>
+          </a:p>
+          <a:p>
+            <a:pPr marL="57150" indent="0" algn="ctr">
+              <a:buNone/>
+            </a:pPr>
+            <a:endParaRPr lang="en-US" sz="4400" dirty="0">
+              <a:solidFill>
+                <a:schemeClr val="accent1">
+                  <a:lumMod val="50000"/>
+                </a:schemeClr>
+              </a:solidFill>
+            </a:endParaRPr>
+          </a:p>
+        </p:txBody>
+      </p:sp>
+    </p:spTree>
+    <p:extLst>
+      <p:ext uri="{BB962C8B-B14F-4D97-AF65-F5344CB8AC3E}">
+        <p14:creationId xmlns:p14="http://schemas.microsoft.com/office/powerpoint/2010/main" val="1897140388"/>
+      </p:ext>
+    </p:extLst>
+  </p:cSld>
+  <p:clrMapOvr>
+    <a:masterClrMapping/>
+  </p:clrMapOvr>
+  <p:transition>
+    <p:fade/>
+  </p:transition>
+</p:sld>
+</file>
+
+<file path=ppt/slides/slide13.xml><?xml version="1.0" encoding="utf-8"?>
+<p:sld xmlns:a="http://schemas.openxmlformats.org/drawingml/2006/main" xmlns:r="http://schemas.openxmlformats.org/officeDocument/2006/relationships" xmlns:p="http://schemas.openxmlformats.org/presentationml/2006/main">
+  <p:cSld>
+    <p:spTree>
+      <p:nvGrpSpPr>
+        <p:cNvPr id="1" name=""/>
+        <p:cNvGrpSpPr/>
+        <p:nvPr/>
+      </p:nvGrpSpPr>
+      <p:grpSpPr>
+        <a:xfrm>
+          <a:off x="0" y="0"/>
+          <a:ext cx="0" cy="0"/>
+          <a:chOff x="0" y="0"/>
+          <a:chExt cx="0" cy="0"/>
+        </a:xfrm>
+      </p:grpSpPr>
+      <p:sp>
+        <p:nvSpPr>
+          <p:cNvPr id="2" name="Title 1"/>
+          <p:cNvSpPr>
+            <a:spLocks noGrp="1"/>
+          </p:cNvSpPr>
+          <p:nvPr>
+            <p:ph type="title"/>
+          </p:nvPr>
+        </p:nvSpPr>
+        <p:spPr/>
+        <p:txBody>
+          <a:bodyPr/>
+          <a:lstStyle/>
+          <a:p>
+            <a:r>
+              <a:rPr lang="en-US" dirty="0"/>
               <a:t>Solution</a:t>
             </a:r>
           </a:p>
@@ -37081,13 +37195,13 @@
               <a:buNone/>
             </a:pPr>
             <a:r>
-              <a:rPr lang="en-US" sz="4000" dirty="0" err="1">
+              <a:rPr lang="en-US" sz="4000" dirty="0">
                 <a:solidFill>
                   <a:srgbClr val="0000FF"/>
                 </a:solidFill>
                 <a:latin typeface="Consolas" panose="020B0609020204030204" pitchFamily="49" charset="0"/>
               </a:rPr>
-              <a:t>var</a:t>
+              <a:t>let</a:t>
             </a:r>
             <a:r>
               <a:rPr lang="en-US" sz="4000" dirty="0">
@@ -37155,105 +37269,6 @@
     <p:extLst>
       <p:ext uri="{BB962C8B-B14F-4D97-AF65-F5344CB8AC3E}">
         <p14:creationId xmlns:p14="http://schemas.microsoft.com/office/powerpoint/2010/main" val="3996834524"/>
-      </p:ext>
-    </p:extLst>
-  </p:cSld>
-  <p:clrMapOvr>
-    <a:masterClrMapping/>
-  </p:clrMapOvr>
-  <p:transition>
-    <p:fade/>
-  </p:transition>
-</p:sld>
-</file>
-
-<file path=ppt/slides/slide13.xml><?xml version="1.0" encoding="utf-8"?>
-<p:sld xmlns:a="http://schemas.openxmlformats.org/drawingml/2006/main" xmlns:r="http://schemas.openxmlformats.org/officeDocument/2006/relationships" xmlns:p="http://schemas.openxmlformats.org/presentationml/2006/main">
-  <p:cSld>
-    <p:bg>
-      <p:bgPr>
-        <a:solidFill>
-          <a:schemeClr val="tx1">
-            <a:lumMod val="50000"/>
-          </a:schemeClr>
-        </a:solidFill>
-        <a:effectLst/>
-      </p:bgPr>
-    </p:bg>
-    <p:spTree>
-      <p:nvGrpSpPr>
-        <p:cNvPr id="1" name=""/>
-        <p:cNvGrpSpPr/>
-        <p:nvPr/>
-      </p:nvGrpSpPr>
-      <p:grpSpPr>
-        <a:xfrm>
-          <a:off x="0" y="0"/>
-          <a:ext cx="0" cy="0"/>
-          <a:chOff x="0" y="0"/>
-          <a:chExt cx="0" cy="0"/>
-        </a:xfrm>
-      </p:grpSpPr>
-      <p:sp>
-        <p:nvSpPr>
-          <p:cNvPr id="2" name="Title 1"/>
-          <p:cNvSpPr>
-            <a:spLocks noGrp="1"/>
-          </p:cNvSpPr>
-          <p:nvPr>
-            <p:ph type="title"/>
-          </p:nvPr>
-        </p:nvSpPr>
-        <p:spPr/>
-        <p:txBody>
-          <a:bodyPr/>
-          <a:lstStyle/>
-          <a:p>
-            <a:r>
-              <a:rPr lang="en-US"/>
-              <a:t>Variables </a:t>
-            </a:r>
-            <a:r>
-              <a:rPr lang="en-US" dirty="0"/>
-              <a:t>example</a:t>
-            </a:r>
-          </a:p>
-        </p:txBody>
-      </p:sp>
-      <p:sp>
-        <p:nvSpPr>
-          <p:cNvPr id="3" name="Content Placeholder 2"/>
-          <p:cNvSpPr>
-            <a:spLocks noGrp="1"/>
-          </p:cNvSpPr>
-          <p:nvPr>
-            <p:ph idx="1"/>
-          </p:nvPr>
-        </p:nvSpPr>
-        <p:spPr/>
-        <p:txBody>
-          <a:bodyPr>
-            <a:noAutofit/>
-          </a:bodyPr>
-          <a:lstStyle/>
-          <a:p>
-            <a:pPr marL="57150" indent="0">
-              <a:buNone/>
-            </a:pPr>
-            <a:r>
-              <a:rPr lang="en-US" sz="8800" dirty="0">
-                <a:hlinkClick r:id="rId3"/>
-              </a:rPr>
-              <a:t>https://replit.com/@HylandOutreach/PromptAlert#script.js</a:t>
-            </a:r>
-            <a:endParaRPr lang="en-US" sz="9600" dirty="0"/>
-          </a:p>
-        </p:txBody>
-      </p:sp>
-    </p:spTree>
-    <p:extLst>
-      <p:ext uri="{BB962C8B-B14F-4D97-AF65-F5344CB8AC3E}">
-        <p14:creationId xmlns:p14="http://schemas.microsoft.com/office/powerpoint/2010/main" val="1235215060"/>
       </p:ext>
     </p:extLst>
   </p:cSld>
@@ -37914,21 +37929,22 @@
         </p:nvSpPr>
         <p:spPr/>
         <p:txBody>
-          <a:bodyPr/>
+          <a:bodyPr>
+            <a:normAutofit fontScale="92500" lnSpcReduction="20000"/>
+          </a:bodyPr>
           <a:lstStyle/>
           <a:p>
             <a:pPr marL="0" indent="0">
               <a:buNone/>
             </a:pPr>
             <a:r>
-              <a:rPr lang="en-US" sz="3200" b="1" dirty="0"/>
-              <a:t>Declaring:</a:t>
+              <a:rPr lang="en-US" sz="3900" b="1" dirty="0"/>
+              <a:t>Creating a variable:</a:t>
             </a:r>
-            <a:endParaRPr lang="en-US" sz="3200" b="1" dirty="0">
+            <a:endParaRPr lang="en-US" sz="3900" b="1" dirty="0">
               <a:solidFill>
                 <a:srgbClr val="0000FF"/>
               </a:solidFill>
-              <a:latin typeface="Consolas" panose="020B0609020204030204" pitchFamily="49" charset="0"/>
             </a:endParaRPr>
           </a:p>
           <a:p>
@@ -37936,396 +37952,13 @@
               <a:buNone/>
             </a:pPr>
             <a:r>
-              <a:rPr lang="en-US" sz="3200" dirty="0" err="1">
+              <a:rPr lang="en-US" sz="4400" dirty="0">
                 <a:solidFill>
                   <a:srgbClr val="0000FF"/>
                 </a:solidFill>
                 <a:latin typeface="Consolas" panose="020B0609020204030204" pitchFamily="49" charset="0"/>
               </a:rPr>
-              <a:t>var</a:t>
-            </a:r>
-            <a:r>
-              <a:rPr lang="en-US" sz="3200" dirty="0">
-                <a:solidFill>
-                  <a:srgbClr val="000000"/>
-                </a:solidFill>
-                <a:latin typeface="Consolas" panose="020B0609020204030204" pitchFamily="49" charset="0"/>
-              </a:rPr>
-              <a:t> </a:t>
-            </a:r>
-            <a:r>
-              <a:rPr lang="en-US" sz="3200" dirty="0" err="1">
-                <a:solidFill>
-                  <a:srgbClr val="000000"/>
-                </a:solidFill>
-                <a:latin typeface="Consolas" panose="020B0609020204030204" pitchFamily="49" charset="0"/>
-              </a:rPr>
-              <a:t>movieTitle</a:t>
-            </a:r>
-            <a:r>
-              <a:rPr lang="en-US" sz="3200" dirty="0">
-                <a:solidFill>
-                  <a:srgbClr val="000000"/>
-                </a:solidFill>
-                <a:latin typeface="Consolas" panose="020B0609020204030204" pitchFamily="49" charset="0"/>
-              </a:rPr>
-              <a:t>;</a:t>
-            </a:r>
-          </a:p>
-          <a:p>
-            <a:pPr marL="0" indent="0">
-              <a:buNone/>
-            </a:pPr>
-            <a:endParaRPr lang="en-US" sz="3200" dirty="0"/>
-          </a:p>
-          <a:p>
-            <a:pPr marL="0" indent="0">
-              <a:buNone/>
-            </a:pPr>
-            <a:r>
-              <a:rPr lang="en-US" sz="3200" b="1" dirty="0"/>
-              <a:t>Setting:</a:t>
-            </a:r>
-            <a:endParaRPr lang="en-US" sz="3200" b="1" dirty="0">
-              <a:solidFill>
-                <a:srgbClr val="0000FF"/>
-              </a:solidFill>
-            </a:endParaRPr>
-          </a:p>
-          <a:p>
-            <a:pPr marL="0" indent="0">
-              <a:buNone/>
-            </a:pPr>
-            <a:r>
-              <a:rPr lang="en-US" sz="3200" dirty="0" err="1">
-                <a:solidFill>
-                  <a:srgbClr val="000000"/>
-                </a:solidFill>
-                <a:latin typeface="Consolas" panose="020B0609020204030204" pitchFamily="49" charset="0"/>
-              </a:rPr>
-              <a:t>movieTitle</a:t>
-            </a:r>
-            <a:r>
-              <a:rPr lang="en-US" sz="3200" dirty="0">
-                <a:solidFill>
-                  <a:srgbClr val="000000"/>
-                </a:solidFill>
-                <a:latin typeface="Consolas" panose="020B0609020204030204" pitchFamily="49" charset="0"/>
-              </a:rPr>
-              <a:t> = </a:t>
-            </a:r>
-            <a:r>
-              <a:rPr lang="en-US" sz="3200" dirty="0">
-                <a:solidFill>
-                  <a:srgbClr val="A31515"/>
-                </a:solidFill>
-                <a:latin typeface="Consolas" panose="020B0609020204030204" pitchFamily="49" charset="0"/>
-              </a:rPr>
-              <a:t>"Despicable Me 2"</a:t>
-            </a:r>
-            <a:r>
-              <a:rPr lang="en-US" sz="3200" dirty="0">
-                <a:solidFill>
-                  <a:srgbClr val="000000"/>
-                </a:solidFill>
-                <a:latin typeface="Consolas" panose="020B0609020204030204" pitchFamily="49" charset="0"/>
-              </a:rPr>
-              <a:t>;</a:t>
-            </a:r>
-          </a:p>
-          <a:p>
-            <a:pPr marL="0" indent="0">
-              <a:buNone/>
-            </a:pPr>
-            <a:endParaRPr lang="en-US" sz="3200" dirty="0">
-              <a:solidFill>
-                <a:srgbClr val="000000"/>
-              </a:solidFill>
-              <a:latin typeface="Consolas" panose="020B0609020204030204" pitchFamily="49" charset="0"/>
-            </a:endParaRPr>
-          </a:p>
-          <a:p>
-            <a:pPr marL="0" indent="0">
-              <a:buNone/>
-            </a:pPr>
-            <a:r>
-              <a:rPr lang="en-US" sz="3200" b="1" dirty="0"/>
-              <a:t>Using:</a:t>
-            </a:r>
-            <a:endParaRPr lang="en-US" sz="3200" b="1" dirty="0">
-              <a:solidFill>
-                <a:srgbClr val="0000FF"/>
-              </a:solidFill>
-            </a:endParaRPr>
-          </a:p>
-          <a:p>
-            <a:pPr marL="0" indent="0">
-              <a:buNone/>
-            </a:pPr>
-            <a:r>
-              <a:rPr lang="en-US" sz="3200" dirty="0">
-                <a:solidFill>
-                  <a:srgbClr val="000000"/>
-                </a:solidFill>
-                <a:latin typeface="Consolas" panose="020B0609020204030204" pitchFamily="49" charset="0"/>
-              </a:rPr>
-              <a:t>alert(</a:t>
-            </a:r>
-            <a:r>
-              <a:rPr lang="en-US" sz="3200" dirty="0" err="1">
-                <a:solidFill>
-                  <a:srgbClr val="000000"/>
-                </a:solidFill>
-                <a:latin typeface="Consolas" panose="020B0609020204030204" pitchFamily="49" charset="0"/>
-              </a:rPr>
-              <a:t>movieTitle</a:t>
-            </a:r>
-            <a:r>
-              <a:rPr lang="en-US" sz="3200" dirty="0">
-                <a:solidFill>
-                  <a:srgbClr val="000000"/>
-                </a:solidFill>
-                <a:latin typeface="Consolas" panose="020B0609020204030204" pitchFamily="49" charset="0"/>
-              </a:rPr>
-              <a:t>);</a:t>
-            </a:r>
-          </a:p>
-          <a:p>
-            <a:pPr marL="57150" indent="0">
-              <a:buNone/>
-            </a:pPr>
-            <a:endParaRPr lang="en-US" dirty="0"/>
-          </a:p>
-        </p:txBody>
-      </p:sp>
-    </p:spTree>
-    <p:extLst>
-      <p:ext uri="{BB962C8B-B14F-4D97-AF65-F5344CB8AC3E}">
-        <p14:creationId xmlns:p14="http://schemas.microsoft.com/office/powerpoint/2010/main" val="3363893850"/>
-      </p:ext>
-    </p:extLst>
-  </p:cSld>
-  <p:clrMapOvr>
-    <a:masterClrMapping/>
-  </p:clrMapOvr>
-  <p:transition>
-    <p:fade/>
-  </p:transition>
-</p:sld>
-</file>
-
-<file path=ppt/slides/slide4.xml><?xml version="1.0" encoding="utf-8"?>
-<p:sld xmlns:a="http://schemas.openxmlformats.org/drawingml/2006/main" xmlns:r="http://schemas.openxmlformats.org/officeDocument/2006/relationships" xmlns:p="http://schemas.openxmlformats.org/presentationml/2006/main">
-  <p:cSld>
-    <p:bg>
-      <p:bgPr>
-        <a:solidFill>
-          <a:schemeClr val="tx1">
-            <a:lumMod val="50000"/>
-          </a:schemeClr>
-        </a:solidFill>
-        <a:effectLst/>
-      </p:bgPr>
-    </p:bg>
-    <p:spTree>
-      <p:nvGrpSpPr>
-        <p:cNvPr id="1" name=""/>
-        <p:cNvGrpSpPr/>
-        <p:nvPr/>
-      </p:nvGrpSpPr>
-      <p:grpSpPr>
-        <a:xfrm>
-          <a:off x="0" y="0"/>
-          <a:ext cx="0" cy="0"/>
-          <a:chOff x="0" y="0"/>
-          <a:chExt cx="0" cy="0"/>
-        </a:xfrm>
-      </p:grpSpPr>
-      <p:sp>
-        <p:nvSpPr>
-          <p:cNvPr id="2" name="Title 1"/>
-          <p:cNvSpPr>
-            <a:spLocks noGrp="1"/>
-          </p:cNvSpPr>
-          <p:nvPr>
-            <p:ph type="title"/>
-          </p:nvPr>
-        </p:nvSpPr>
-        <p:spPr/>
-        <p:txBody>
-          <a:bodyPr/>
-          <a:lstStyle/>
-          <a:p>
-            <a:r>
-              <a:rPr lang="en-US"/>
-              <a:t>Variables </a:t>
-            </a:r>
-            <a:r>
-              <a:rPr lang="en-US" dirty="0"/>
-              <a:t>example</a:t>
-            </a:r>
-          </a:p>
-        </p:txBody>
-      </p:sp>
-      <p:sp>
-        <p:nvSpPr>
-          <p:cNvPr id="3" name="Content Placeholder 2"/>
-          <p:cNvSpPr>
-            <a:spLocks noGrp="1"/>
-          </p:cNvSpPr>
-          <p:nvPr>
-            <p:ph idx="1"/>
-          </p:nvPr>
-        </p:nvSpPr>
-        <p:spPr/>
-        <p:txBody>
-          <a:bodyPr>
-            <a:noAutofit/>
-          </a:bodyPr>
-          <a:lstStyle/>
-          <a:p>
-            <a:pPr marL="57150" indent="0">
-              <a:buNone/>
-            </a:pPr>
-            <a:r>
-              <a:rPr lang="en-US" sz="8800" dirty="0">
-                <a:hlinkClick r:id="rId3"/>
-              </a:rPr>
-              <a:t>https://replit.com/@HylandOutreach/VariablesExample#script.js</a:t>
-            </a:r>
-            <a:endParaRPr lang="en-US" sz="9600" dirty="0"/>
-          </a:p>
-        </p:txBody>
-      </p:sp>
-    </p:spTree>
-    <p:extLst>
-      <p:ext uri="{BB962C8B-B14F-4D97-AF65-F5344CB8AC3E}">
-        <p14:creationId xmlns:p14="http://schemas.microsoft.com/office/powerpoint/2010/main" val="240313177"/>
-      </p:ext>
-    </p:extLst>
-  </p:cSld>
-  <p:clrMapOvr>
-    <a:masterClrMapping/>
-  </p:clrMapOvr>
-  <p:transition>
-    <p:fade/>
-  </p:transition>
-</p:sld>
-</file>
-
-<file path=ppt/slides/slide5.xml><?xml version="1.0" encoding="utf-8"?>
-<p:sld xmlns:a="http://schemas.openxmlformats.org/drawingml/2006/main" xmlns:r="http://schemas.openxmlformats.org/officeDocument/2006/relationships" xmlns:p="http://schemas.openxmlformats.org/presentationml/2006/main">
-  <p:cSld>
-    <p:spTree>
-      <p:nvGrpSpPr>
-        <p:cNvPr id="1" name=""/>
-        <p:cNvGrpSpPr/>
-        <p:nvPr/>
-      </p:nvGrpSpPr>
-      <p:grpSpPr>
-        <a:xfrm>
-          <a:off x="0" y="0"/>
-          <a:ext cx="0" cy="0"/>
-          <a:chOff x="0" y="0"/>
-          <a:chExt cx="0" cy="0"/>
-        </a:xfrm>
-      </p:grpSpPr>
-      <p:sp>
-        <p:nvSpPr>
-          <p:cNvPr id="2" name="Title 1"/>
-          <p:cNvSpPr>
-            <a:spLocks noGrp="1"/>
-          </p:cNvSpPr>
-          <p:nvPr>
-            <p:ph type="title"/>
-          </p:nvPr>
-        </p:nvSpPr>
-        <p:spPr/>
-        <p:txBody>
-          <a:bodyPr/>
-          <a:lstStyle/>
-          <a:p>
-            <a:r>
-              <a:rPr lang="en-US" dirty="0"/>
-              <a:t>Declaration + Setting shortcut</a:t>
-            </a:r>
-          </a:p>
-        </p:txBody>
-      </p:sp>
-      <p:sp>
-        <p:nvSpPr>
-          <p:cNvPr id="3" name="Content Placeholder 2"/>
-          <p:cNvSpPr>
-            <a:spLocks noGrp="1"/>
-          </p:cNvSpPr>
-          <p:nvPr>
-            <p:ph idx="1"/>
-          </p:nvPr>
-        </p:nvSpPr>
-        <p:spPr/>
-        <p:txBody>
-          <a:bodyPr/>
-          <a:lstStyle/>
-          <a:p>
-            <a:pPr marL="0" indent="0">
-              <a:buNone/>
-            </a:pPr>
-            <a:r>
-              <a:rPr lang="en-US" sz="3600" dirty="0"/>
-              <a:t>Developers can </a:t>
-            </a:r>
-            <a:r>
-              <a:rPr lang="en-US" sz="3600" b="1" dirty="0"/>
-              <a:t>Declare</a:t>
-            </a:r>
-            <a:r>
-              <a:rPr lang="en-US" sz="3600" dirty="0"/>
-              <a:t> and </a:t>
-            </a:r>
-            <a:r>
-              <a:rPr lang="en-US" sz="3600" b="1" dirty="0"/>
-              <a:t>Initialize</a:t>
-            </a:r>
-            <a:r>
-              <a:rPr lang="en-US" sz="3600" dirty="0"/>
-              <a:t> a variable in the same statement.</a:t>
-            </a:r>
-            <a:endParaRPr lang="en-US" sz="3600" b="1" dirty="0"/>
-          </a:p>
-          <a:p>
-            <a:pPr marL="0" indent="0">
-              <a:buNone/>
-            </a:pPr>
-            <a:endParaRPr lang="en-US" sz="4800" dirty="0">
-              <a:solidFill>
-                <a:srgbClr val="0000FF"/>
-              </a:solidFill>
-              <a:latin typeface="Consolas" panose="020B0609020204030204" pitchFamily="49" charset="0"/>
-            </a:endParaRPr>
-          </a:p>
-          <a:p>
-            <a:pPr marL="0" indent="0">
-              <a:buNone/>
-            </a:pPr>
-            <a:endParaRPr lang="en-US" sz="4400" dirty="0">
-              <a:solidFill>
-                <a:srgbClr val="0000FF"/>
-              </a:solidFill>
-              <a:latin typeface="Consolas" panose="020B0609020204030204" pitchFamily="49" charset="0"/>
-            </a:endParaRPr>
-          </a:p>
-          <a:p>
-            <a:pPr marL="0" indent="0">
-              <a:buNone/>
-            </a:pPr>
-            <a:r>
-              <a:rPr lang="en-US" sz="4400" dirty="0" err="1">
-                <a:solidFill>
-                  <a:srgbClr val="0000FF"/>
-                </a:solidFill>
-                <a:latin typeface="Consolas" panose="020B0609020204030204" pitchFamily="49" charset="0"/>
-              </a:rPr>
-              <a:t>var</a:t>
+              <a:t>let</a:t>
             </a:r>
             <a:r>
               <a:rPr lang="en-US" sz="4400" dirty="0">
@@ -38374,17 +38007,2286 @@
             </a:r>
           </a:p>
           <a:p>
+            <a:pPr marL="0" indent="0">
+              <a:buNone/>
+            </a:pPr>
+            <a:endParaRPr lang="en-US" sz="4400" b="1" dirty="0"/>
+          </a:p>
+          <a:p>
+            <a:pPr marL="0" indent="0">
+              <a:buNone/>
+            </a:pPr>
+            <a:r>
+              <a:rPr lang="en-US" sz="3900" b="1" dirty="0"/>
+              <a:t>Setting a value:</a:t>
+            </a:r>
+            <a:endParaRPr lang="en-US" sz="3900" b="1" dirty="0">
+              <a:solidFill>
+                <a:srgbClr val="0000FF"/>
+              </a:solidFill>
+            </a:endParaRPr>
+          </a:p>
+          <a:p>
+            <a:pPr marL="0" indent="0">
+              <a:buNone/>
+            </a:pPr>
+            <a:r>
+              <a:rPr lang="en-US" sz="4400" dirty="0" err="1">
+                <a:solidFill>
+                  <a:srgbClr val="000000"/>
+                </a:solidFill>
+                <a:latin typeface="Consolas" panose="020B0609020204030204" pitchFamily="49" charset="0"/>
+              </a:rPr>
+              <a:t>movieTitle</a:t>
+            </a:r>
+            <a:r>
+              <a:rPr lang="en-US" sz="4400" dirty="0">
+                <a:solidFill>
+                  <a:srgbClr val="000000"/>
+                </a:solidFill>
+                <a:latin typeface="Consolas" panose="020B0609020204030204" pitchFamily="49" charset="0"/>
+              </a:rPr>
+              <a:t> = </a:t>
+            </a:r>
+            <a:r>
+              <a:rPr lang="en-US" sz="4400" dirty="0">
+                <a:solidFill>
+                  <a:srgbClr val="A31515"/>
+                </a:solidFill>
+                <a:latin typeface="Consolas" panose="020B0609020204030204" pitchFamily="49" charset="0"/>
+              </a:rPr>
+              <a:t>"Despicable Me 3"</a:t>
+            </a:r>
+            <a:r>
+              <a:rPr lang="en-US" sz="4400" dirty="0">
+                <a:solidFill>
+                  <a:srgbClr val="000000"/>
+                </a:solidFill>
+                <a:latin typeface="Consolas" panose="020B0609020204030204" pitchFamily="49" charset="0"/>
+              </a:rPr>
+              <a:t>;</a:t>
+            </a:r>
+          </a:p>
+          <a:p>
+            <a:pPr marL="0" indent="0">
+              <a:buNone/>
+            </a:pPr>
+            <a:endParaRPr lang="en-US" sz="4400" dirty="0">
+              <a:solidFill>
+                <a:srgbClr val="000000"/>
+              </a:solidFill>
+              <a:latin typeface="Consolas" panose="020B0609020204030204" pitchFamily="49" charset="0"/>
+            </a:endParaRPr>
+          </a:p>
+          <a:p>
+            <a:pPr marL="0" indent="0">
+              <a:buNone/>
+            </a:pPr>
+            <a:r>
+              <a:rPr lang="en-US" sz="3900" b="1" dirty="0"/>
+              <a:t>Using the value:</a:t>
+            </a:r>
+            <a:endParaRPr lang="en-US" sz="3900" b="1" dirty="0">
+              <a:solidFill>
+                <a:srgbClr val="0000FF"/>
+              </a:solidFill>
+            </a:endParaRPr>
+          </a:p>
+          <a:p>
+            <a:pPr marL="0" indent="0">
+              <a:buNone/>
+            </a:pPr>
+            <a:r>
+              <a:rPr lang="en-US" sz="4400" dirty="0">
+                <a:solidFill>
+                  <a:srgbClr val="000000"/>
+                </a:solidFill>
+                <a:latin typeface="Consolas" panose="020B0609020204030204" pitchFamily="49" charset="0"/>
+              </a:rPr>
+              <a:t>alert(</a:t>
+            </a:r>
+            <a:r>
+              <a:rPr lang="en-US" sz="4400" dirty="0" err="1">
+                <a:solidFill>
+                  <a:srgbClr val="000000"/>
+                </a:solidFill>
+                <a:latin typeface="Consolas" panose="020B0609020204030204" pitchFamily="49" charset="0"/>
+              </a:rPr>
+              <a:t>movieTitle</a:t>
+            </a:r>
+            <a:r>
+              <a:rPr lang="en-US" sz="4400" dirty="0">
+                <a:solidFill>
+                  <a:srgbClr val="000000"/>
+                </a:solidFill>
+                <a:latin typeface="Consolas" panose="020B0609020204030204" pitchFamily="49" charset="0"/>
+              </a:rPr>
+              <a:t>);</a:t>
+            </a:r>
+          </a:p>
+          <a:p>
             <a:pPr marL="57150" indent="0">
               <a:buNone/>
             </a:pPr>
             <a:endParaRPr lang="en-US" dirty="0"/>
+          </a:p>
+        </p:txBody>
+      </p:sp>
+      <p:sp>
+        <p:nvSpPr>
+          <p:cNvPr id="4" name="Rectangle 3">
+            <a:extLst>
+              <a:ext uri="{FF2B5EF4-FFF2-40B4-BE49-F238E27FC236}">
+                <a16:creationId xmlns:a16="http://schemas.microsoft.com/office/drawing/2014/main" id="{11D5CDE4-3C7F-4A94-A345-5F1BDEC15CF4}"/>
+              </a:ext>
+            </a:extLst>
+          </p:cNvPr>
+          <p:cNvSpPr/>
+          <p:nvPr/>
+        </p:nvSpPr>
+        <p:spPr bwMode="auto">
+          <a:xfrm>
+            <a:off x="6667500" y="4457700"/>
+            <a:ext cx="5143500" cy="2057400"/>
+          </a:xfrm>
+          <a:prstGeom prst="rect">
+            <a:avLst/>
+          </a:prstGeom>
+          <a:solidFill>
+            <a:schemeClr val="accent1">
+              <a:lumMod val="75000"/>
+            </a:schemeClr>
+          </a:solidFill>
+          <a:ln w="12700">
+            <a:solidFill>
+              <a:schemeClr val="tx2"/>
+            </a:solidFill>
+            <a:miter lim="800000"/>
+            <a:headEnd type="none" w="med" len="med"/>
+            <a:tailEnd type="none" w="med" len="med"/>
+          </a:ln>
+          <a:effectLst/>
+        </p:spPr>
+        <p:style>
+          <a:lnRef idx="1">
+            <a:schemeClr val="accent2"/>
+          </a:lnRef>
+          <a:fillRef idx="3">
+            <a:schemeClr val="accent2"/>
+          </a:fillRef>
+          <a:effectRef idx="2">
+            <a:schemeClr val="accent2"/>
+          </a:effectRef>
+          <a:fontRef idx="minor">
+            <a:schemeClr val="lt1"/>
+          </a:fontRef>
+        </p:style>
+        <p:txBody>
+          <a:bodyPr rot="0" spcFirstLastPara="0" vertOverflow="overflow" horzOverflow="overflow" vert="horz" wrap="square" lIns="182880" tIns="146304" rIns="182880" bIns="146304" numCol="1" spcCol="0" rtlCol="0" fromWordArt="0" anchor="t" anchorCtr="0" forceAA="0" compatLnSpc="1">
+            <a:prstTxWarp prst="textNoShape">
+              <a:avLst/>
+            </a:prstTxWarp>
+            <a:noAutofit/>
+          </a:bodyPr>
+          <a:lstStyle/>
+          <a:p>
+            <a:pPr algn="ctr" defTabSz="932472" fontAlgn="base">
+              <a:lnSpc>
+                <a:spcPct val="90000"/>
+              </a:lnSpc>
+              <a:spcBef>
+                <a:spcPct val="0"/>
+              </a:spcBef>
+              <a:spcAft>
+                <a:spcPct val="0"/>
+              </a:spcAft>
+            </a:pPr>
+            <a:r>
+              <a:rPr lang="en-US" sz="2800" b="1" dirty="0">
+                <a:gradFill>
+                  <a:gsLst>
+                    <a:gs pos="0">
+                      <a:srgbClr val="FFFFFF"/>
+                    </a:gs>
+                    <a:gs pos="100000">
+                      <a:srgbClr val="FFFFFF"/>
+                    </a:gs>
+                  </a:gsLst>
+                  <a:lin ang="5400000" scaled="0"/>
+                </a:gradFill>
+                <a:ea typeface="Segoe UI" pitchFamily="34" charset="0"/>
+                <a:cs typeface="Segoe UI" pitchFamily="34" charset="0"/>
+              </a:rPr>
+              <a:t>Variable Names</a:t>
+            </a:r>
+          </a:p>
+          <a:p>
+            <a:pPr marL="342900" indent="-342900" defTabSz="932472" fontAlgn="base">
+              <a:lnSpc>
+                <a:spcPct val="90000"/>
+              </a:lnSpc>
+              <a:spcBef>
+                <a:spcPct val="0"/>
+              </a:spcBef>
+              <a:spcAft>
+                <a:spcPct val="0"/>
+              </a:spcAft>
+              <a:buFont typeface="Arial" panose="020B0604020202020204" pitchFamily="34" charset="0"/>
+              <a:buChar char="•"/>
+            </a:pPr>
+            <a:r>
+              <a:rPr lang="en-US" sz="2400" dirty="0">
+                <a:gradFill>
+                  <a:gsLst>
+                    <a:gs pos="0">
+                      <a:srgbClr val="FFFFFF"/>
+                    </a:gs>
+                    <a:gs pos="100000">
+                      <a:srgbClr val="FFFFFF"/>
+                    </a:gs>
+                  </a:gsLst>
+                  <a:lin ang="5400000" scaled="0"/>
+                </a:gradFill>
+                <a:ea typeface="Segoe UI" pitchFamily="34" charset="0"/>
+                <a:cs typeface="Segoe UI" pitchFamily="34" charset="0"/>
+              </a:rPr>
+              <a:t>Must start with a letter</a:t>
+            </a:r>
+          </a:p>
+          <a:p>
+            <a:pPr marL="342900" indent="-342900" defTabSz="932472" fontAlgn="base">
+              <a:lnSpc>
+                <a:spcPct val="90000"/>
+              </a:lnSpc>
+              <a:spcBef>
+                <a:spcPct val="0"/>
+              </a:spcBef>
+              <a:spcAft>
+                <a:spcPct val="0"/>
+              </a:spcAft>
+              <a:buFont typeface="Arial" panose="020B0604020202020204" pitchFamily="34" charset="0"/>
+              <a:buChar char="•"/>
+            </a:pPr>
+            <a:r>
+              <a:rPr lang="en-US" sz="2400" dirty="0">
+                <a:gradFill>
+                  <a:gsLst>
+                    <a:gs pos="0">
+                      <a:srgbClr val="FFFFFF"/>
+                    </a:gs>
+                    <a:gs pos="100000">
+                      <a:srgbClr val="FFFFFF"/>
+                    </a:gs>
+                  </a:gsLst>
+                  <a:lin ang="5400000" scaled="0"/>
+                </a:gradFill>
+                <a:ea typeface="Segoe UI" pitchFamily="34" charset="0"/>
+                <a:cs typeface="Segoe UI" pitchFamily="34" charset="0"/>
+              </a:rPr>
+              <a:t>Cannot contain spaces</a:t>
+            </a:r>
+          </a:p>
+          <a:p>
+            <a:pPr marL="342900" indent="-342900" defTabSz="932472" fontAlgn="base">
+              <a:lnSpc>
+                <a:spcPct val="90000"/>
+              </a:lnSpc>
+              <a:spcBef>
+                <a:spcPct val="0"/>
+              </a:spcBef>
+              <a:spcAft>
+                <a:spcPct val="0"/>
+              </a:spcAft>
+              <a:buFont typeface="Arial" panose="020B0604020202020204" pitchFamily="34" charset="0"/>
+              <a:buChar char="•"/>
+            </a:pPr>
+            <a:r>
+              <a:rPr lang="en-US" sz="2400" dirty="0">
+                <a:gradFill>
+                  <a:gsLst>
+                    <a:gs pos="0">
+                      <a:srgbClr val="FFFFFF"/>
+                    </a:gs>
+                    <a:gs pos="100000">
+                      <a:srgbClr val="FFFFFF"/>
+                    </a:gs>
+                  </a:gsLst>
+                  <a:lin ang="5400000" scaled="0"/>
+                </a:gradFill>
+                <a:ea typeface="Segoe UI" pitchFamily="34" charset="0"/>
+                <a:cs typeface="Segoe UI" pitchFamily="34" charset="0"/>
+              </a:rPr>
+              <a:t>Cannot be a </a:t>
+            </a:r>
+            <a:r>
+              <a:rPr lang="en-US" sz="2400" i="1" dirty="0">
+                <a:gradFill>
+                  <a:gsLst>
+                    <a:gs pos="0">
+                      <a:srgbClr val="FFFFFF"/>
+                    </a:gs>
+                    <a:gs pos="100000">
+                      <a:srgbClr val="FFFFFF"/>
+                    </a:gs>
+                  </a:gsLst>
+                  <a:lin ang="5400000" scaled="0"/>
+                </a:gradFill>
+                <a:ea typeface="Segoe UI" pitchFamily="34" charset="0"/>
+                <a:cs typeface="Segoe UI" pitchFamily="34" charset="0"/>
+              </a:rPr>
+              <a:t>keyword</a:t>
+            </a:r>
+            <a:r>
+              <a:rPr lang="en-US" sz="2400" dirty="0">
+                <a:gradFill>
+                  <a:gsLst>
+                    <a:gs pos="0">
+                      <a:srgbClr val="FFFFFF"/>
+                    </a:gs>
+                    <a:gs pos="100000">
+                      <a:srgbClr val="FFFFFF"/>
+                    </a:gs>
+                  </a:gsLst>
+                  <a:lin ang="5400000" scaled="0"/>
+                </a:gradFill>
+                <a:ea typeface="Segoe UI" pitchFamily="34" charset="0"/>
+                <a:cs typeface="Segoe UI" pitchFamily="34" charset="0"/>
+              </a:rPr>
+              <a:t> (e.g., </a:t>
+            </a:r>
+            <a:r>
+              <a:rPr lang="en-US" sz="2400" dirty="0">
+                <a:gradFill>
+                  <a:gsLst>
+                    <a:gs pos="0">
+                      <a:srgbClr val="FFFFFF"/>
+                    </a:gs>
+                    <a:gs pos="100000">
+                      <a:srgbClr val="FFFFFF"/>
+                    </a:gs>
+                  </a:gsLst>
+                  <a:lin ang="5400000" scaled="0"/>
+                </a:gradFill>
+                <a:latin typeface="Consolas" panose="020B0609020204030204" pitchFamily="49" charset="0"/>
+                <a:ea typeface="Segoe UI" pitchFamily="34" charset="0"/>
+                <a:cs typeface="Segoe UI" pitchFamily="34" charset="0"/>
+              </a:rPr>
+              <a:t>let</a:t>
+            </a:r>
+            <a:r>
+              <a:rPr lang="en-US" sz="2400" dirty="0">
+                <a:gradFill>
+                  <a:gsLst>
+                    <a:gs pos="0">
+                      <a:srgbClr val="FFFFFF"/>
+                    </a:gs>
+                    <a:gs pos="100000">
+                      <a:srgbClr val="FFFFFF"/>
+                    </a:gs>
+                  </a:gsLst>
+                  <a:lin ang="5400000" scaled="0"/>
+                </a:gradFill>
+                <a:ea typeface="Segoe UI" pitchFamily="34" charset="0"/>
+                <a:cs typeface="Segoe UI" pitchFamily="34" charset="0"/>
+              </a:rPr>
+              <a:t>)</a:t>
+            </a:r>
+          </a:p>
+          <a:p>
+            <a:pPr marL="342900" indent="-342900" defTabSz="932472" fontAlgn="base">
+              <a:lnSpc>
+                <a:spcPct val="90000"/>
+              </a:lnSpc>
+              <a:spcBef>
+                <a:spcPct val="0"/>
+              </a:spcBef>
+              <a:spcAft>
+                <a:spcPct val="0"/>
+              </a:spcAft>
+              <a:buFont typeface="Arial" panose="020B0604020202020204" pitchFamily="34" charset="0"/>
+              <a:buChar char="•"/>
+            </a:pPr>
+            <a:r>
+              <a:rPr lang="en-US" sz="2400" dirty="0">
+                <a:gradFill>
+                  <a:gsLst>
+                    <a:gs pos="0">
+                      <a:srgbClr val="FFFFFF"/>
+                    </a:gs>
+                    <a:gs pos="100000">
+                      <a:srgbClr val="FFFFFF"/>
+                    </a:gs>
+                  </a:gsLst>
+                  <a:lin ang="5400000" scaled="0"/>
+                </a:gradFill>
+                <a:ea typeface="Segoe UI" pitchFamily="34" charset="0"/>
+                <a:cs typeface="Segoe UI" pitchFamily="34" charset="0"/>
+              </a:rPr>
+              <a:t>Cannot have special chars</a:t>
+            </a:r>
           </a:p>
         </p:txBody>
       </p:sp>
     </p:spTree>
     <p:extLst>
       <p:ext uri="{BB962C8B-B14F-4D97-AF65-F5344CB8AC3E}">
-        <p14:creationId xmlns:p14="http://schemas.microsoft.com/office/powerpoint/2010/main" val="2285213309"/>
+        <p14:creationId xmlns:p14="http://schemas.microsoft.com/office/powerpoint/2010/main" val="3363893850"/>
+      </p:ext>
+    </p:extLst>
+  </p:cSld>
+  <p:clrMapOvr>
+    <a:masterClrMapping/>
+  </p:clrMapOvr>
+  <p:transition>
+    <p:fade/>
+  </p:transition>
+  <p:timing>
+    <p:tnLst>
+      <p:par>
+        <p:cTn id="1" dur="indefinite" restart="never" nodeType="tmRoot">
+          <p:childTnLst>
+            <p:seq concurrent="1" nextAc="seek">
+              <p:cTn id="2" dur="indefinite" nodeType="mainSeq">
+                <p:childTnLst>
+                  <p:par>
+                    <p:cTn id="3" fill="hold">
+                      <p:stCondLst>
+                        <p:cond delay="indefinite"/>
+                      </p:stCondLst>
+                      <p:childTnLst>
+                        <p:par>
+                          <p:cTn id="4" fill="hold">
+                            <p:stCondLst>
+                              <p:cond delay="0"/>
+                            </p:stCondLst>
+                            <p:childTnLst>
+                              <p:par>
+                                <p:cTn id="5" presetID="10" presetClass="entr" presetSubtype="0" fill="hold" nodeType="clickEffect">
+                                  <p:stCondLst>
+                                    <p:cond delay="0"/>
+                                  </p:stCondLst>
+                                  <p:childTnLst>
+                                    <p:set>
+                                      <p:cBhvr>
+                                        <p:cTn id="6" dur="1" fill="hold">
+                                          <p:stCondLst>
+                                            <p:cond delay="0"/>
+                                          </p:stCondLst>
+                                        </p:cTn>
+                                        <p:tgtEl>
+                                          <p:spTgt spid="3">
+                                            <p:txEl>
+                                              <p:pRg st="0" end="0"/>
+                                            </p:txEl>
+                                          </p:spTgt>
+                                        </p:tgtEl>
+                                        <p:attrNameLst>
+                                          <p:attrName>style.visibility</p:attrName>
+                                        </p:attrNameLst>
+                                      </p:cBhvr>
+                                      <p:to>
+                                        <p:strVal val="visible"/>
+                                      </p:to>
+                                    </p:set>
+                                    <p:animEffect transition="in" filter="fade">
+                                      <p:cBhvr>
+                                        <p:cTn id="7" dur="500"/>
+                                        <p:tgtEl>
+                                          <p:spTgt spid="3">
+                                            <p:txEl>
+                                              <p:pRg st="0" end="0"/>
+                                            </p:txEl>
+                                          </p:spTgt>
+                                        </p:tgtEl>
+                                      </p:cBhvr>
+                                    </p:animEffect>
+                                  </p:childTnLst>
+                                </p:cTn>
+                              </p:par>
+                              <p:par>
+                                <p:cTn id="8" presetID="10" presetClass="entr" presetSubtype="0" fill="hold" nodeType="withEffect">
+                                  <p:stCondLst>
+                                    <p:cond delay="0"/>
+                                  </p:stCondLst>
+                                  <p:childTnLst>
+                                    <p:set>
+                                      <p:cBhvr>
+                                        <p:cTn id="9" dur="1" fill="hold">
+                                          <p:stCondLst>
+                                            <p:cond delay="0"/>
+                                          </p:stCondLst>
+                                        </p:cTn>
+                                        <p:tgtEl>
+                                          <p:spTgt spid="3">
+                                            <p:txEl>
+                                              <p:pRg st="1" end="1"/>
+                                            </p:txEl>
+                                          </p:spTgt>
+                                        </p:tgtEl>
+                                        <p:attrNameLst>
+                                          <p:attrName>style.visibility</p:attrName>
+                                        </p:attrNameLst>
+                                      </p:cBhvr>
+                                      <p:to>
+                                        <p:strVal val="visible"/>
+                                      </p:to>
+                                    </p:set>
+                                    <p:animEffect transition="in" filter="fade">
+                                      <p:cBhvr>
+                                        <p:cTn id="10" dur="500"/>
+                                        <p:tgtEl>
+                                          <p:spTgt spid="3">
+                                            <p:txEl>
+                                              <p:pRg st="1" end="1"/>
+                                            </p:txEl>
+                                          </p:spTgt>
+                                        </p:tgtEl>
+                                      </p:cBhvr>
+                                    </p:animEffect>
+                                  </p:childTnLst>
+                                </p:cTn>
+                              </p:par>
+                            </p:childTnLst>
+                          </p:cTn>
+                        </p:par>
+                      </p:childTnLst>
+                    </p:cTn>
+                  </p:par>
+                  <p:par>
+                    <p:cTn id="11" fill="hold">
+                      <p:stCondLst>
+                        <p:cond delay="indefinite"/>
+                      </p:stCondLst>
+                      <p:childTnLst>
+                        <p:par>
+                          <p:cTn id="12" fill="hold">
+                            <p:stCondLst>
+                              <p:cond delay="0"/>
+                            </p:stCondLst>
+                            <p:childTnLst>
+                              <p:par>
+                                <p:cTn id="13" presetID="10" presetClass="entr" presetSubtype="0" fill="hold" nodeType="clickEffect">
+                                  <p:stCondLst>
+                                    <p:cond delay="0"/>
+                                  </p:stCondLst>
+                                  <p:childTnLst>
+                                    <p:set>
+                                      <p:cBhvr>
+                                        <p:cTn id="14" dur="1" fill="hold">
+                                          <p:stCondLst>
+                                            <p:cond delay="0"/>
+                                          </p:stCondLst>
+                                        </p:cTn>
+                                        <p:tgtEl>
+                                          <p:spTgt spid="3">
+                                            <p:txEl>
+                                              <p:pRg st="3" end="3"/>
+                                            </p:txEl>
+                                          </p:spTgt>
+                                        </p:tgtEl>
+                                        <p:attrNameLst>
+                                          <p:attrName>style.visibility</p:attrName>
+                                        </p:attrNameLst>
+                                      </p:cBhvr>
+                                      <p:to>
+                                        <p:strVal val="visible"/>
+                                      </p:to>
+                                    </p:set>
+                                    <p:animEffect transition="in" filter="fade">
+                                      <p:cBhvr>
+                                        <p:cTn id="15" dur="500"/>
+                                        <p:tgtEl>
+                                          <p:spTgt spid="3">
+                                            <p:txEl>
+                                              <p:pRg st="3" end="3"/>
+                                            </p:txEl>
+                                          </p:spTgt>
+                                        </p:tgtEl>
+                                      </p:cBhvr>
+                                    </p:animEffect>
+                                  </p:childTnLst>
+                                </p:cTn>
+                              </p:par>
+                              <p:par>
+                                <p:cTn id="16" presetID="10" presetClass="entr" presetSubtype="0" fill="hold" nodeType="withEffect">
+                                  <p:stCondLst>
+                                    <p:cond delay="0"/>
+                                  </p:stCondLst>
+                                  <p:childTnLst>
+                                    <p:set>
+                                      <p:cBhvr>
+                                        <p:cTn id="17" dur="1" fill="hold">
+                                          <p:stCondLst>
+                                            <p:cond delay="0"/>
+                                          </p:stCondLst>
+                                        </p:cTn>
+                                        <p:tgtEl>
+                                          <p:spTgt spid="3">
+                                            <p:txEl>
+                                              <p:pRg st="4" end="4"/>
+                                            </p:txEl>
+                                          </p:spTgt>
+                                        </p:tgtEl>
+                                        <p:attrNameLst>
+                                          <p:attrName>style.visibility</p:attrName>
+                                        </p:attrNameLst>
+                                      </p:cBhvr>
+                                      <p:to>
+                                        <p:strVal val="visible"/>
+                                      </p:to>
+                                    </p:set>
+                                    <p:animEffect transition="in" filter="fade">
+                                      <p:cBhvr>
+                                        <p:cTn id="18" dur="500"/>
+                                        <p:tgtEl>
+                                          <p:spTgt spid="3">
+                                            <p:txEl>
+                                              <p:pRg st="4" end="4"/>
+                                            </p:txEl>
+                                          </p:spTgt>
+                                        </p:tgtEl>
+                                      </p:cBhvr>
+                                    </p:animEffect>
+                                  </p:childTnLst>
+                                </p:cTn>
+                              </p:par>
+                            </p:childTnLst>
+                          </p:cTn>
+                        </p:par>
+                      </p:childTnLst>
+                    </p:cTn>
+                  </p:par>
+                  <p:par>
+                    <p:cTn id="19" fill="hold">
+                      <p:stCondLst>
+                        <p:cond delay="indefinite"/>
+                      </p:stCondLst>
+                      <p:childTnLst>
+                        <p:par>
+                          <p:cTn id="20" fill="hold">
+                            <p:stCondLst>
+                              <p:cond delay="0"/>
+                            </p:stCondLst>
+                            <p:childTnLst>
+                              <p:par>
+                                <p:cTn id="21" presetID="10" presetClass="entr" presetSubtype="0" fill="hold" nodeType="clickEffect">
+                                  <p:stCondLst>
+                                    <p:cond delay="0"/>
+                                  </p:stCondLst>
+                                  <p:childTnLst>
+                                    <p:set>
+                                      <p:cBhvr>
+                                        <p:cTn id="22" dur="1" fill="hold">
+                                          <p:stCondLst>
+                                            <p:cond delay="0"/>
+                                          </p:stCondLst>
+                                        </p:cTn>
+                                        <p:tgtEl>
+                                          <p:spTgt spid="3">
+                                            <p:txEl>
+                                              <p:pRg st="6" end="6"/>
+                                            </p:txEl>
+                                          </p:spTgt>
+                                        </p:tgtEl>
+                                        <p:attrNameLst>
+                                          <p:attrName>style.visibility</p:attrName>
+                                        </p:attrNameLst>
+                                      </p:cBhvr>
+                                      <p:to>
+                                        <p:strVal val="visible"/>
+                                      </p:to>
+                                    </p:set>
+                                    <p:animEffect transition="in" filter="fade">
+                                      <p:cBhvr>
+                                        <p:cTn id="23" dur="500"/>
+                                        <p:tgtEl>
+                                          <p:spTgt spid="3">
+                                            <p:txEl>
+                                              <p:pRg st="6" end="6"/>
+                                            </p:txEl>
+                                          </p:spTgt>
+                                        </p:tgtEl>
+                                      </p:cBhvr>
+                                    </p:animEffect>
+                                  </p:childTnLst>
+                                </p:cTn>
+                              </p:par>
+                              <p:par>
+                                <p:cTn id="24" presetID="10" presetClass="entr" presetSubtype="0" fill="hold" nodeType="withEffect">
+                                  <p:stCondLst>
+                                    <p:cond delay="0"/>
+                                  </p:stCondLst>
+                                  <p:childTnLst>
+                                    <p:set>
+                                      <p:cBhvr>
+                                        <p:cTn id="25" dur="1" fill="hold">
+                                          <p:stCondLst>
+                                            <p:cond delay="0"/>
+                                          </p:stCondLst>
+                                        </p:cTn>
+                                        <p:tgtEl>
+                                          <p:spTgt spid="3">
+                                            <p:txEl>
+                                              <p:pRg st="7" end="7"/>
+                                            </p:txEl>
+                                          </p:spTgt>
+                                        </p:tgtEl>
+                                        <p:attrNameLst>
+                                          <p:attrName>style.visibility</p:attrName>
+                                        </p:attrNameLst>
+                                      </p:cBhvr>
+                                      <p:to>
+                                        <p:strVal val="visible"/>
+                                      </p:to>
+                                    </p:set>
+                                    <p:animEffect transition="in" filter="fade">
+                                      <p:cBhvr>
+                                        <p:cTn id="26" dur="500"/>
+                                        <p:tgtEl>
+                                          <p:spTgt spid="3">
+                                            <p:txEl>
+                                              <p:pRg st="7" end="7"/>
+                                            </p:txEl>
+                                          </p:spTgt>
+                                        </p:tgtEl>
+                                      </p:cBhvr>
+                                    </p:animEffect>
+                                  </p:childTnLst>
+                                </p:cTn>
+                              </p:par>
+                            </p:childTnLst>
+                          </p:cTn>
+                        </p:par>
+                      </p:childTnLst>
+                    </p:cTn>
+                  </p:par>
+                  <p:par>
+                    <p:cTn id="27" fill="hold">
+                      <p:stCondLst>
+                        <p:cond delay="indefinite"/>
+                      </p:stCondLst>
+                      <p:childTnLst>
+                        <p:par>
+                          <p:cTn id="28" fill="hold">
+                            <p:stCondLst>
+                              <p:cond delay="0"/>
+                            </p:stCondLst>
+                            <p:childTnLst>
+                              <p:par>
+                                <p:cTn id="29" presetID="10" presetClass="entr" presetSubtype="0" fill="hold" grpId="0" nodeType="clickEffect">
+                                  <p:stCondLst>
+                                    <p:cond delay="0"/>
+                                  </p:stCondLst>
+                                  <p:childTnLst>
+                                    <p:set>
+                                      <p:cBhvr>
+                                        <p:cTn id="30" dur="1" fill="hold">
+                                          <p:stCondLst>
+                                            <p:cond delay="0"/>
+                                          </p:stCondLst>
+                                        </p:cTn>
+                                        <p:tgtEl>
+                                          <p:spTgt spid="4"/>
+                                        </p:tgtEl>
+                                        <p:attrNameLst>
+                                          <p:attrName>style.visibility</p:attrName>
+                                        </p:attrNameLst>
+                                      </p:cBhvr>
+                                      <p:to>
+                                        <p:strVal val="visible"/>
+                                      </p:to>
+                                    </p:set>
+                                    <p:animEffect transition="in" filter="fade">
+                                      <p:cBhvr>
+                                        <p:cTn id="31" dur="500"/>
+                                        <p:tgtEl>
+                                          <p:spTgt spid="4"/>
+                                        </p:tgtEl>
+                                      </p:cBhvr>
+                                    </p:animEffect>
+                                  </p:childTnLst>
+                                </p:cTn>
+                              </p:par>
+                            </p:childTnLst>
+                          </p:cTn>
+                        </p:par>
+                      </p:childTnLst>
+                    </p:cTn>
+                  </p:par>
+                </p:childTnLst>
+              </p:cTn>
+              <p:prevCondLst>
+                <p:cond evt="onPrev" delay="0">
+                  <p:tgtEl>
+                    <p:sldTgt/>
+                  </p:tgtEl>
+                </p:cond>
+              </p:prevCondLst>
+              <p:nextCondLst>
+                <p:cond evt="onNext" delay="0">
+                  <p:tgtEl>
+                    <p:sldTgt/>
+                  </p:tgtEl>
+                </p:cond>
+              </p:nextCondLst>
+            </p:seq>
+          </p:childTnLst>
+        </p:cTn>
+      </p:par>
+    </p:tnLst>
+    <p:bldLst>
+      <p:bldP spid="4" grpId="0" animBg="1"/>
+    </p:bldLst>
+  </p:timing>
+</p:sld>
+</file>
+
+<file path=ppt/slides/slide4.xml><?xml version="1.0" encoding="utf-8"?>
+<p:sld xmlns:a="http://schemas.openxmlformats.org/drawingml/2006/main" xmlns:r="http://schemas.openxmlformats.org/officeDocument/2006/relationships" xmlns:p="http://schemas.openxmlformats.org/presentationml/2006/main">
+  <p:cSld>
+    <p:spTree>
+      <p:nvGrpSpPr>
+        <p:cNvPr id="1" name=""/>
+        <p:cNvGrpSpPr/>
+        <p:nvPr/>
+      </p:nvGrpSpPr>
+      <p:grpSpPr>
+        <a:xfrm>
+          <a:off x="0" y="0"/>
+          <a:ext cx="0" cy="0"/>
+          <a:chOff x="0" y="0"/>
+          <a:chExt cx="0" cy="0"/>
+        </a:xfrm>
+      </p:grpSpPr>
+      <p:sp>
+        <p:nvSpPr>
+          <p:cNvPr id="2" name="Title 1">
+            <a:extLst>
+              <a:ext uri="{FF2B5EF4-FFF2-40B4-BE49-F238E27FC236}">
+                <a16:creationId xmlns:a16="http://schemas.microsoft.com/office/drawing/2014/main" id="{A5414053-5330-4D6D-964F-8884B67AD476}"/>
+              </a:ext>
+            </a:extLst>
+          </p:cNvPr>
+          <p:cNvSpPr>
+            <a:spLocks noGrp="1"/>
+          </p:cNvSpPr>
+          <p:nvPr>
+            <p:ph type="title"/>
+          </p:nvPr>
+        </p:nvSpPr>
+        <p:spPr/>
+        <p:txBody>
+          <a:bodyPr/>
+          <a:lstStyle/>
+          <a:p>
+            <a:r>
+              <a:rPr lang="en-US" dirty="0"/>
+              <a:t>Review</a:t>
+            </a:r>
+          </a:p>
+        </p:txBody>
+      </p:sp>
+      <p:sp>
+        <p:nvSpPr>
+          <p:cNvPr id="3" name="Content Placeholder 2">
+            <a:extLst>
+              <a:ext uri="{FF2B5EF4-FFF2-40B4-BE49-F238E27FC236}">
+                <a16:creationId xmlns:a16="http://schemas.microsoft.com/office/drawing/2014/main" id="{908230FA-F3CE-4149-B19F-49D7F2043175}"/>
+              </a:ext>
+            </a:extLst>
+          </p:cNvPr>
+          <p:cNvSpPr>
+            <a:spLocks noGrp="1"/>
+          </p:cNvSpPr>
+          <p:nvPr>
+            <p:ph sz="half" idx="1"/>
+          </p:nvPr>
+        </p:nvSpPr>
+        <p:spPr>
+          <a:xfrm>
+            <a:off x="381000" y="1143000"/>
+            <a:ext cx="5829300" cy="5257787"/>
+          </a:xfrm>
+          <a:ln w="25400">
+            <a:solidFill>
+              <a:schemeClr val="accent1"/>
+            </a:solidFill>
+          </a:ln>
+        </p:spPr>
+        <p:txBody>
+          <a:bodyPr>
+            <a:normAutofit lnSpcReduction="10000"/>
+          </a:bodyPr>
+          <a:lstStyle/>
+          <a:p>
+            <a:pPr marL="57150" indent="0" algn="ctr">
+              <a:buNone/>
+            </a:pPr>
+            <a:endParaRPr lang="en-US" sz="1000" u="sng" dirty="0"/>
+          </a:p>
+          <a:p>
+            <a:pPr marL="57150" indent="0" algn="ctr">
+              <a:buNone/>
+            </a:pPr>
+            <a:r>
+              <a:rPr lang="en-US" sz="3200" u="sng" dirty="0"/>
+              <a:t>5 Things to Create a Variable</a:t>
+            </a:r>
+          </a:p>
+          <a:p>
+            <a:pPr marL="1316038" indent="-682625">
+              <a:buFont typeface="+mj-lt"/>
+              <a:buAutoNum type="arabicPeriod"/>
+            </a:pPr>
+            <a:r>
+              <a:rPr lang="en-US" sz="3200" b="1" dirty="0">
+                <a:solidFill>
+                  <a:schemeClr val="accent1">
+                    <a:lumMod val="75000"/>
+                  </a:schemeClr>
+                </a:solidFill>
+                <a:latin typeface="Consolas" panose="020B0609020204030204" pitchFamily="49" charset="0"/>
+              </a:rPr>
+              <a:t>let</a:t>
+            </a:r>
+          </a:p>
+          <a:p>
+            <a:pPr marL="1316038" indent="-682625">
+              <a:buFont typeface="+mj-lt"/>
+              <a:buAutoNum type="arabicPeriod"/>
+            </a:pPr>
+            <a:r>
+              <a:rPr lang="en-US" sz="3200" dirty="0"/>
+              <a:t>Variable name</a:t>
+            </a:r>
+          </a:p>
+          <a:p>
+            <a:pPr marL="1316038" indent="-682625">
+              <a:buFont typeface="+mj-lt"/>
+              <a:buAutoNum type="arabicPeriod"/>
+            </a:pPr>
+            <a:r>
+              <a:rPr lang="en-US" sz="3200" dirty="0"/>
+              <a:t>Equals sign </a:t>
+            </a:r>
+            <a:r>
+              <a:rPr lang="en-US" sz="3200" b="1" dirty="0">
+                <a:latin typeface="Consolas" panose="020B0609020204030204" pitchFamily="49" charset="0"/>
+              </a:rPr>
+              <a:t>=</a:t>
+            </a:r>
+          </a:p>
+          <a:p>
+            <a:pPr marL="1316038" indent="-682625">
+              <a:buFont typeface="+mj-lt"/>
+              <a:buAutoNum type="arabicPeriod"/>
+            </a:pPr>
+            <a:r>
+              <a:rPr lang="en-US" sz="3200" dirty="0"/>
+              <a:t>Variable value</a:t>
+            </a:r>
+          </a:p>
+          <a:p>
+            <a:pPr marL="1316038" indent="-682625">
+              <a:buFont typeface="+mj-lt"/>
+              <a:buAutoNum type="arabicPeriod"/>
+            </a:pPr>
+            <a:r>
+              <a:rPr lang="en-US" sz="3200" dirty="0"/>
+              <a:t>Semi-colon </a:t>
+            </a:r>
+            <a:r>
+              <a:rPr lang="en-US" sz="3200" b="1" dirty="0">
+                <a:latin typeface="Consolas" panose="020B0609020204030204" pitchFamily="49" charset="0"/>
+              </a:rPr>
+              <a:t>;</a:t>
+            </a:r>
+          </a:p>
+          <a:p>
+            <a:pPr marL="1316038" indent="-682625">
+              <a:buFont typeface="+mj-lt"/>
+              <a:buAutoNum type="arabicPeriod"/>
+            </a:pPr>
+            <a:endParaRPr lang="en-US" sz="3200" b="1" dirty="0">
+              <a:latin typeface="Consolas" panose="020B0609020204030204" pitchFamily="49" charset="0"/>
+            </a:endParaRPr>
+          </a:p>
+          <a:p>
+            <a:pPr marL="633413" indent="-352425">
+              <a:buNone/>
+            </a:pPr>
+            <a:r>
+              <a:rPr lang="en-US" sz="3600" b="0" dirty="0">
+                <a:solidFill>
+                  <a:srgbClr val="0000FF"/>
+                </a:solidFill>
+                <a:effectLst/>
+                <a:latin typeface="Consolas" panose="020B0609020204030204" pitchFamily="49" charset="0"/>
+              </a:rPr>
+              <a:t>let</a:t>
+            </a:r>
+            <a:r>
+              <a:rPr lang="en-US" sz="3600" b="0" dirty="0">
+                <a:solidFill>
+                  <a:srgbClr val="000000"/>
+                </a:solidFill>
+                <a:effectLst/>
+                <a:latin typeface="Consolas" panose="020B0609020204030204" pitchFamily="49" charset="0"/>
+              </a:rPr>
+              <a:t> </a:t>
+            </a:r>
+            <a:r>
+              <a:rPr lang="en-US" sz="3600" b="0" dirty="0" err="1">
+                <a:solidFill>
+                  <a:srgbClr val="001080"/>
+                </a:solidFill>
+                <a:effectLst/>
+                <a:latin typeface="Consolas" panose="020B0609020204030204" pitchFamily="49" charset="0"/>
+              </a:rPr>
+              <a:t>myVar</a:t>
+            </a:r>
+            <a:r>
+              <a:rPr lang="en-US" sz="3600" b="0" dirty="0">
+                <a:solidFill>
+                  <a:srgbClr val="000000"/>
+                </a:solidFill>
+                <a:effectLst/>
+                <a:latin typeface="Consolas" panose="020B0609020204030204" pitchFamily="49" charset="0"/>
+              </a:rPr>
+              <a:t> = </a:t>
+            </a:r>
+            <a:r>
+              <a:rPr lang="en-US" sz="3600" b="0" dirty="0">
+                <a:solidFill>
+                  <a:srgbClr val="A31515"/>
+                </a:solidFill>
+                <a:effectLst/>
+                <a:latin typeface="Consolas" panose="020B0609020204030204" pitchFamily="49" charset="0"/>
+              </a:rPr>
+              <a:t>"</a:t>
+            </a:r>
+            <a:r>
+              <a:rPr lang="en-US" sz="3600" b="0" dirty="0" err="1">
+                <a:solidFill>
+                  <a:srgbClr val="A31515"/>
+                </a:solidFill>
+                <a:effectLst/>
+                <a:latin typeface="Consolas" panose="020B0609020204030204" pitchFamily="49" charset="0"/>
+              </a:rPr>
+              <a:t>myVal</a:t>
+            </a:r>
+            <a:r>
+              <a:rPr lang="en-US" sz="3600" b="0" dirty="0">
+                <a:solidFill>
+                  <a:srgbClr val="A31515"/>
+                </a:solidFill>
+                <a:effectLst/>
+                <a:latin typeface="Consolas" panose="020B0609020204030204" pitchFamily="49" charset="0"/>
+              </a:rPr>
+              <a:t>"</a:t>
+            </a:r>
+            <a:r>
+              <a:rPr lang="en-US" sz="3600" b="0" dirty="0">
+                <a:solidFill>
+                  <a:srgbClr val="000000"/>
+                </a:solidFill>
+                <a:effectLst/>
+                <a:latin typeface="Consolas" panose="020B0609020204030204" pitchFamily="49" charset="0"/>
+              </a:rPr>
+              <a:t>;</a:t>
+            </a:r>
+          </a:p>
+        </p:txBody>
+      </p:sp>
+      <p:sp>
+        <p:nvSpPr>
+          <p:cNvPr id="4" name="Content Placeholder 3">
+            <a:extLst>
+              <a:ext uri="{FF2B5EF4-FFF2-40B4-BE49-F238E27FC236}">
+                <a16:creationId xmlns:a16="http://schemas.microsoft.com/office/drawing/2014/main" id="{2C2D4D52-FD55-4F79-9E77-BFC6F889FD30}"/>
+              </a:ext>
+            </a:extLst>
+          </p:cNvPr>
+          <p:cNvSpPr>
+            <a:spLocks noGrp="1"/>
+          </p:cNvSpPr>
+          <p:nvPr>
+            <p:ph sz="half" idx="2"/>
+          </p:nvPr>
+        </p:nvSpPr>
+        <p:spPr>
+          <a:xfrm>
+            <a:off x="6553200" y="1143000"/>
+            <a:ext cx="5257800" cy="5257739"/>
+          </a:xfrm>
+          <a:ln w="25400">
+            <a:solidFill>
+              <a:schemeClr val="accent2"/>
+            </a:solidFill>
+          </a:ln>
+        </p:spPr>
+        <p:txBody>
+          <a:bodyPr>
+            <a:normAutofit lnSpcReduction="10000"/>
+          </a:bodyPr>
+          <a:lstStyle/>
+          <a:p>
+            <a:pPr marL="57150" indent="0" algn="ctr">
+              <a:buNone/>
+            </a:pPr>
+            <a:endParaRPr lang="en-US" sz="1000" u="sng" dirty="0"/>
+          </a:p>
+          <a:p>
+            <a:pPr marL="57150" indent="0" algn="ctr">
+              <a:buNone/>
+            </a:pPr>
+            <a:r>
+              <a:rPr lang="en-US" sz="3200" u="sng" dirty="0"/>
+              <a:t>4 Things to Set a Variable</a:t>
+            </a:r>
+          </a:p>
+          <a:p>
+            <a:pPr marL="1316038" indent="-633413">
+              <a:buAutoNum type="arabicPeriod"/>
+            </a:pPr>
+            <a:r>
+              <a:rPr lang="en-US" sz="3200" dirty="0"/>
+              <a:t>Variable name</a:t>
+            </a:r>
+          </a:p>
+          <a:p>
+            <a:pPr marL="1316038" indent="-633413">
+              <a:buAutoNum type="arabicPeriod"/>
+            </a:pPr>
+            <a:r>
+              <a:rPr lang="en-US" sz="3200" dirty="0"/>
+              <a:t>Equals sign </a:t>
+            </a:r>
+            <a:r>
+              <a:rPr lang="en-US" sz="3200" b="1" dirty="0">
+                <a:latin typeface="Consolas" panose="020B0609020204030204" pitchFamily="49" charset="0"/>
+              </a:rPr>
+              <a:t>=</a:t>
+            </a:r>
+          </a:p>
+          <a:p>
+            <a:pPr marL="1316038" indent="-633413">
+              <a:buAutoNum type="arabicPeriod"/>
+            </a:pPr>
+            <a:r>
+              <a:rPr lang="en-US" sz="3200" dirty="0"/>
+              <a:t>Variable value</a:t>
+            </a:r>
+          </a:p>
+          <a:p>
+            <a:pPr marL="1316038" indent="-633413">
+              <a:buAutoNum type="arabicPeriod"/>
+            </a:pPr>
+            <a:r>
+              <a:rPr lang="en-US" sz="3200" dirty="0"/>
+              <a:t>Semi-colon </a:t>
+            </a:r>
+            <a:r>
+              <a:rPr lang="en-US" sz="3200" b="1" dirty="0">
+                <a:latin typeface="Consolas" panose="020B0609020204030204" pitchFamily="49" charset="0"/>
+              </a:rPr>
+              <a:t>;</a:t>
+            </a:r>
+          </a:p>
+          <a:p>
+            <a:pPr marL="682625" indent="0">
+              <a:buNone/>
+            </a:pPr>
+            <a:endParaRPr lang="en-US" sz="3200" b="1" dirty="0">
+              <a:latin typeface="Consolas" panose="020B0609020204030204" pitchFamily="49" charset="0"/>
+            </a:endParaRPr>
+          </a:p>
+          <a:p>
+            <a:pPr marL="682625" indent="0">
+              <a:buNone/>
+            </a:pPr>
+            <a:endParaRPr lang="en-US" sz="3200" b="1" dirty="0">
+              <a:latin typeface="Consolas" panose="020B0609020204030204" pitchFamily="49" charset="0"/>
+            </a:endParaRPr>
+          </a:p>
+          <a:p>
+            <a:pPr marL="682625" indent="-341313">
+              <a:buNone/>
+            </a:pPr>
+            <a:r>
+              <a:rPr lang="en-US" sz="3600" b="0" dirty="0" err="1">
+                <a:solidFill>
+                  <a:srgbClr val="001080"/>
+                </a:solidFill>
+                <a:effectLst/>
+                <a:latin typeface="Consolas" panose="020B0609020204030204" pitchFamily="49" charset="0"/>
+              </a:rPr>
+              <a:t>myVar</a:t>
+            </a:r>
+            <a:r>
+              <a:rPr lang="en-US" sz="3600" b="0" dirty="0">
+                <a:solidFill>
+                  <a:srgbClr val="000000"/>
+                </a:solidFill>
+                <a:effectLst/>
+                <a:latin typeface="Consolas" panose="020B0609020204030204" pitchFamily="49" charset="0"/>
+              </a:rPr>
+              <a:t> = </a:t>
+            </a:r>
+            <a:r>
+              <a:rPr lang="en-US" sz="3600" b="0" dirty="0">
+                <a:solidFill>
+                  <a:srgbClr val="A31515"/>
+                </a:solidFill>
+                <a:effectLst/>
+                <a:latin typeface="Consolas" panose="020B0609020204030204" pitchFamily="49" charset="0"/>
+              </a:rPr>
+              <a:t>"</a:t>
+            </a:r>
+            <a:r>
+              <a:rPr lang="en-US" sz="3600" b="0" dirty="0" err="1">
+                <a:solidFill>
+                  <a:srgbClr val="A31515"/>
+                </a:solidFill>
+                <a:effectLst/>
+                <a:latin typeface="Consolas" panose="020B0609020204030204" pitchFamily="49" charset="0"/>
+              </a:rPr>
+              <a:t>myNewVal</a:t>
+            </a:r>
+            <a:r>
+              <a:rPr lang="en-US" sz="3600" b="0" dirty="0">
+                <a:solidFill>
+                  <a:srgbClr val="A31515"/>
+                </a:solidFill>
+                <a:effectLst/>
+                <a:latin typeface="Consolas" panose="020B0609020204030204" pitchFamily="49" charset="0"/>
+              </a:rPr>
+              <a:t>"</a:t>
+            </a:r>
+            <a:r>
+              <a:rPr lang="en-US" sz="3600" b="0" dirty="0">
+                <a:solidFill>
+                  <a:srgbClr val="000000"/>
+                </a:solidFill>
+                <a:effectLst/>
+                <a:latin typeface="Consolas" panose="020B0609020204030204" pitchFamily="49" charset="0"/>
+              </a:rPr>
+              <a:t>;</a:t>
+            </a:r>
+            <a:endParaRPr lang="en-US" sz="3600" dirty="0">
+              <a:latin typeface="Consolas" panose="020B0609020204030204" pitchFamily="49" charset="0"/>
+            </a:endParaRPr>
+          </a:p>
+        </p:txBody>
+      </p:sp>
+    </p:spTree>
+    <p:extLst>
+      <p:ext uri="{BB962C8B-B14F-4D97-AF65-F5344CB8AC3E}">
+        <p14:creationId xmlns:p14="http://schemas.microsoft.com/office/powerpoint/2010/main" val="3452808012"/>
+      </p:ext>
+    </p:extLst>
+  </p:cSld>
+  <p:clrMapOvr>
+    <a:masterClrMapping/>
+  </p:clrMapOvr>
+  <p:transition>
+    <p:fade/>
+  </p:transition>
+  <p:timing>
+    <p:tnLst>
+      <p:par>
+        <p:cTn id="1" dur="indefinite" restart="never" nodeType="tmRoot">
+          <p:childTnLst>
+            <p:seq concurrent="1" nextAc="seek">
+              <p:cTn id="2" dur="indefinite" nodeType="mainSeq">
+                <p:childTnLst>
+                  <p:par>
+                    <p:cTn id="3" fill="hold">
+                      <p:stCondLst>
+                        <p:cond delay="indefinite"/>
+                      </p:stCondLst>
+                      <p:childTnLst>
+                        <p:par>
+                          <p:cTn id="4" fill="hold">
+                            <p:stCondLst>
+                              <p:cond delay="0"/>
+                            </p:stCondLst>
+                            <p:childTnLst>
+                              <p:par>
+                                <p:cTn id="5" presetID="10" presetClass="entr" presetSubtype="0" fill="hold" grpId="0" nodeType="clickEffect">
+                                  <p:stCondLst>
+                                    <p:cond delay="0"/>
+                                  </p:stCondLst>
+                                  <p:childTnLst>
+                                    <p:set>
+                                      <p:cBhvr>
+                                        <p:cTn id="6" dur="1" fill="hold">
+                                          <p:stCondLst>
+                                            <p:cond delay="0"/>
+                                          </p:stCondLst>
+                                        </p:cTn>
+                                        <p:tgtEl>
+                                          <p:spTgt spid="3">
+                                            <p:bg/>
+                                          </p:spTgt>
+                                        </p:tgtEl>
+                                        <p:attrNameLst>
+                                          <p:attrName>style.visibility</p:attrName>
+                                        </p:attrNameLst>
+                                      </p:cBhvr>
+                                      <p:to>
+                                        <p:strVal val="visible"/>
+                                      </p:to>
+                                    </p:set>
+                                    <p:animEffect transition="in" filter="fade">
+                                      <p:cBhvr>
+                                        <p:cTn id="7" dur="500"/>
+                                        <p:tgtEl>
+                                          <p:spTgt spid="3">
+                                            <p:bg/>
+                                          </p:spTgt>
+                                        </p:tgtEl>
+                                      </p:cBhvr>
+                                    </p:animEffect>
+                                  </p:childTnLst>
+                                </p:cTn>
+                              </p:par>
+                              <p:par>
+                                <p:cTn id="8" presetID="10" presetClass="entr" presetSubtype="0" fill="hold" grpId="0" nodeType="withEffect">
+                                  <p:stCondLst>
+                                    <p:cond delay="0"/>
+                                  </p:stCondLst>
+                                  <p:childTnLst>
+                                    <p:set>
+                                      <p:cBhvr>
+                                        <p:cTn id="9" dur="1" fill="hold">
+                                          <p:stCondLst>
+                                            <p:cond delay="0"/>
+                                          </p:stCondLst>
+                                        </p:cTn>
+                                        <p:tgtEl>
+                                          <p:spTgt spid="3">
+                                            <p:txEl>
+                                              <p:pRg st="1" end="1"/>
+                                            </p:txEl>
+                                          </p:spTgt>
+                                        </p:tgtEl>
+                                        <p:attrNameLst>
+                                          <p:attrName>style.visibility</p:attrName>
+                                        </p:attrNameLst>
+                                      </p:cBhvr>
+                                      <p:to>
+                                        <p:strVal val="visible"/>
+                                      </p:to>
+                                    </p:set>
+                                    <p:animEffect transition="in" filter="fade">
+                                      <p:cBhvr>
+                                        <p:cTn id="10" dur="500"/>
+                                        <p:tgtEl>
+                                          <p:spTgt spid="3">
+                                            <p:txEl>
+                                              <p:pRg st="1" end="1"/>
+                                            </p:txEl>
+                                          </p:spTgt>
+                                        </p:tgtEl>
+                                      </p:cBhvr>
+                                    </p:animEffect>
+                                  </p:childTnLst>
+                                </p:cTn>
+                              </p:par>
+                            </p:childTnLst>
+                          </p:cTn>
+                        </p:par>
+                      </p:childTnLst>
+                    </p:cTn>
+                  </p:par>
+                  <p:par>
+                    <p:cTn id="11" fill="hold">
+                      <p:stCondLst>
+                        <p:cond delay="indefinite"/>
+                      </p:stCondLst>
+                      <p:childTnLst>
+                        <p:par>
+                          <p:cTn id="12" fill="hold">
+                            <p:stCondLst>
+                              <p:cond delay="0"/>
+                            </p:stCondLst>
+                            <p:childTnLst>
+                              <p:par>
+                                <p:cTn id="13" presetID="10" presetClass="entr" presetSubtype="0" fill="hold" grpId="0" nodeType="clickEffect">
+                                  <p:stCondLst>
+                                    <p:cond delay="0"/>
+                                  </p:stCondLst>
+                                  <p:childTnLst>
+                                    <p:set>
+                                      <p:cBhvr>
+                                        <p:cTn id="14" dur="1" fill="hold">
+                                          <p:stCondLst>
+                                            <p:cond delay="0"/>
+                                          </p:stCondLst>
+                                        </p:cTn>
+                                        <p:tgtEl>
+                                          <p:spTgt spid="3">
+                                            <p:txEl>
+                                              <p:pRg st="2" end="2"/>
+                                            </p:txEl>
+                                          </p:spTgt>
+                                        </p:tgtEl>
+                                        <p:attrNameLst>
+                                          <p:attrName>style.visibility</p:attrName>
+                                        </p:attrNameLst>
+                                      </p:cBhvr>
+                                      <p:to>
+                                        <p:strVal val="visible"/>
+                                      </p:to>
+                                    </p:set>
+                                    <p:animEffect transition="in" filter="fade">
+                                      <p:cBhvr>
+                                        <p:cTn id="15" dur="500"/>
+                                        <p:tgtEl>
+                                          <p:spTgt spid="3">
+                                            <p:txEl>
+                                              <p:pRg st="2" end="2"/>
+                                            </p:txEl>
+                                          </p:spTgt>
+                                        </p:tgtEl>
+                                      </p:cBhvr>
+                                    </p:animEffect>
+                                  </p:childTnLst>
+                                </p:cTn>
+                              </p:par>
+                            </p:childTnLst>
+                          </p:cTn>
+                        </p:par>
+                      </p:childTnLst>
+                    </p:cTn>
+                  </p:par>
+                  <p:par>
+                    <p:cTn id="16" fill="hold">
+                      <p:stCondLst>
+                        <p:cond delay="indefinite"/>
+                      </p:stCondLst>
+                      <p:childTnLst>
+                        <p:par>
+                          <p:cTn id="17" fill="hold">
+                            <p:stCondLst>
+                              <p:cond delay="0"/>
+                            </p:stCondLst>
+                            <p:childTnLst>
+                              <p:par>
+                                <p:cTn id="18" presetID="10" presetClass="entr" presetSubtype="0" fill="hold" grpId="0" nodeType="clickEffect">
+                                  <p:stCondLst>
+                                    <p:cond delay="0"/>
+                                  </p:stCondLst>
+                                  <p:childTnLst>
+                                    <p:set>
+                                      <p:cBhvr>
+                                        <p:cTn id="19" dur="1" fill="hold">
+                                          <p:stCondLst>
+                                            <p:cond delay="0"/>
+                                          </p:stCondLst>
+                                        </p:cTn>
+                                        <p:tgtEl>
+                                          <p:spTgt spid="3">
+                                            <p:txEl>
+                                              <p:pRg st="3" end="3"/>
+                                            </p:txEl>
+                                          </p:spTgt>
+                                        </p:tgtEl>
+                                        <p:attrNameLst>
+                                          <p:attrName>style.visibility</p:attrName>
+                                        </p:attrNameLst>
+                                      </p:cBhvr>
+                                      <p:to>
+                                        <p:strVal val="visible"/>
+                                      </p:to>
+                                    </p:set>
+                                    <p:animEffect transition="in" filter="fade">
+                                      <p:cBhvr>
+                                        <p:cTn id="20" dur="500"/>
+                                        <p:tgtEl>
+                                          <p:spTgt spid="3">
+                                            <p:txEl>
+                                              <p:pRg st="3" end="3"/>
+                                            </p:txEl>
+                                          </p:spTgt>
+                                        </p:tgtEl>
+                                      </p:cBhvr>
+                                    </p:animEffect>
+                                  </p:childTnLst>
+                                </p:cTn>
+                              </p:par>
+                            </p:childTnLst>
+                          </p:cTn>
+                        </p:par>
+                      </p:childTnLst>
+                    </p:cTn>
+                  </p:par>
+                  <p:par>
+                    <p:cTn id="21" fill="hold">
+                      <p:stCondLst>
+                        <p:cond delay="indefinite"/>
+                      </p:stCondLst>
+                      <p:childTnLst>
+                        <p:par>
+                          <p:cTn id="22" fill="hold">
+                            <p:stCondLst>
+                              <p:cond delay="0"/>
+                            </p:stCondLst>
+                            <p:childTnLst>
+                              <p:par>
+                                <p:cTn id="23" presetID="10" presetClass="entr" presetSubtype="0" fill="hold" grpId="0" nodeType="clickEffect">
+                                  <p:stCondLst>
+                                    <p:cond delay="0"/>
+                                  </p:stCondLst>
+                                  <p:childTnLst>
+                                    <p:set>
+                                      <p:cBhvr>
+                                        <p:cTn id="24" dur="1" fill="hold">
+                                          <p:stCondLst>
+                                            <p:cond delay="0"/>
+                                          </p:stCondLst>
+                                        </p:cTn>
+                                        <p:tgtEl>
+                                          <p:spTgt spid="3">
+                                            <p:txEl>
+                                              <p:pRg st="4" end="4"/>
+                                            </p:txEl>
+                                          </p:spTgt>
+                                        </p:tgtEl>
+                                        <p:attrNameLst>
+                                          <p:attrName>style.visibility</p:attrName>
+                                        </p:attrNameLst>
+                                      </p:cBhvr>
+                                      <p:to>
+                                        <p:strVal val="visible"/>
+                                      </p:to>
+                                    </p:set>
+                                    <p:animEffect transition="in" filter="fade">
+                                      <p:cBhvr>
+                                        <p:cTn id="25" dur="500"/>
+                                        <p:tgtEl>
+                                          <p:spTgt spid="3">
+                                            <p:txEl>
+                                              <p:pRg st="4" end="4"/>
+                                            </p:txEl>
+                                          </p:spTgt>
+                                        </p:tgtEl>
+                                      </p:cBhvr>
+                                    </p:animEffect>
+                                  </p:childTnLst>
+                                </p:cTn>
+                              </p:par>
+                            </p:childTnLst>
+                          </p:cTn>
+                        </p:par>
+                      </p:childTnLst>
+                    </p:cTn>
+                  </p:par>
+                  <p:par>
+                    <p:cTn id="26" fill="hold">
+                      <p:stCondLst>
+                        <p:cond delay="indefinite"/>
+                      </p:stCondLst>
+                      <p:childTnLst>
+                        <p:par>
+                          <p:cTn id="27" fill="hold">
+                            <p:stCondLst>
+                              <p:cond delay="0"/>
+                            </p:stCondLst>
+                            <p:childTnLst>
+                              <p:par>
+                                <p:cTn id="28" presetID="10" presetClass="entr" presetSubtype="0" fill="hold" grpId="0" nodeType="clickEffect">
+                                  <p:stCondLst>
+                                    <p:cond delay="0"/>
+                                  </p:stCondLst>
+                                  <p:childTnLst>
+                                    <p:set>
+                                      <p:cBhvr>
+                                        <p:cTn id="29" dur="1" fill="hold">
+                                          <p:stCondLst>
+                                            <p:cond delay="0"/>
+                                          </p:stCondLst>
+                                        </p:cTn>
+                                        <p:tgtEl>
+                                          <p:spTgt spid="3">
+                                            <p:txEl>
+                                              <p:pRg st="5" end="5"/>
+                                            </p:txEl>
+                                          </p:spTgt>
+                                        </p:tgtEl>
+                                        <p:attrNameLst>
+                                          <p:attrName>style.visibility</p:attrName>
+                                        </p:attrNameLst>
+                                      </p:cBhvr>
+                                      <p:to>
+                                        <p:strVal val="visible"/>
+                                      </p:to>
+                                    </p:set>
+                                    <p:animEffect transition="in" filter="fade">
+                                      <p:cBhvr>
+                                        <p:cTn id="30" dur="500"/>
+                                        <p:tgtEl>
+                                          <p:spTgt spid="3">
+                                            <p:txEl>
+                                              <p:pRg st="5" end="5"/>
+                                            </p:txEl>
+                                          </p:spTgt>
+                                        </p:tgtEl>
+                                      </p:cBhvr>
+                                    </p:animEffect>
+                                  </p:childTnLst>
+                                </p:cTn>
+                              </p:par>
+                            </p:childTnLst>
+                          </p:cTn>
+                        </p:par>
+                      </p:childTnLst>
+                    </p:cTn>
+                  </p:par>
+                  <p:par>
+                    <p:cTn id="31" fill="hold">
+                      <p:stCondLst>
+                        <p:cond delay="indefinite"/>
+                      </p:stCondLst>
+                      <p:childTnLst>
+                        <p:par>
+                          <p:cTn id="32" fill="hold">
+                            <p:stCondLst>
+                              <p:cond delay="0"/>
+                            </p:stCondLst>
+                            <p:childTnLst>
+                              <p:par>
+                                <p:cTn id="33" presetID="10" presetClass="entr" presetSubtype="0" fill="hold" grpId="0" nodeType="clickEffect">
+                                  <p:stCondLst>
+                                    <p:cond delay="0"/>
+                                  </p:stCondLst>
+                                  <p:childTnLst>
+                                    <p:set>
+                                      <p:cBhvr>
+                                        <p:cTn id="34" dur="1" fill="hold">
+                                          <p:stCondLst>
+                                            <p:cond delay="0"/>
+                                          </p:stCondLst>
+                                        </p:cTn>
+                                        <p:tgtEl>
+                                          <p:spTgt spid="3">
+                                            <p:txEl>
+                                              <p:pRg st="6" end="6"/>
+                                            </p:txEl>
+                                          </p:spTgt>
+                                        </p:tgtEl>
+                                        <p:attrNameLst>
+                                          <p:attrName>style.visibility</p:attrName>
+                                        </p:attrNameLst>
+                                      </p:cBhvr>
+                                      <p:to>
+                                        <p:strVal val="visible"/>
+                                      </p:to>
+                                    </p:set>
+                                    <p:animEffect transition="in" filter="fade">
+                                      <p:cBhvr>
+                                        <p:cTn id="35" dur="500"/>
+                                        <p:tgtEl>
+                                          <p:spTgt spid="3">
+                                            <p:txEl>
+                                              <p:pRg st="6" end="6"/>
+                                            </p:txEl>
+                                          </p:spTgt>
+                                        </p:tgtEl>
+                                      </p:cBhvr>
+                                    </p:animEffect>
+                                  </p:childTnLst>
+                                </p:cTn>
+                              </p:par>
+                            </p:childTnLst>
+                          </p:cTn>
+                        </p:par>
+                      </p:childTnLst>
+                    </p:cTn>
+                  </p:par>
+                  <p:par>
+                    <p:cTn id="36" fill="hold">
+                      <p:stCondLst>
+                        <p:cond delay="indefinite"/>
+                      </p:stCondLst>
+                      <p:childTnLst>
+                        <p:par>
+                          <p:cTn id="37" fill="hold">
+                            <p:stCondLst>
+                              <p:cond delay="0"/>
+                            </p:stCondLst>
+                            <p:childTnLst>
+                              <p:par>
+                                <p:cTn id="38" presetID="10" presetClass="entr" presetSubtype="0" fill="hold" grpId="0" nodeType="clickEffect">
+                                  <p:stCondLst>
+                                    <p:cond delay="0"/>
+                                  </p:stCondLst>
+                                  <p:childTnLst>
+                                    <p:set>
+                                      <p:cBhvr>
+                                        <p:cTn id="39" dur="1" fill="hold">
+                                          <p:stCondLst>
+                                            <p:cond delay="0"/>
+                                          </p:stCondLst>
+                                        </p:cTn>
+                                        <p:tgtEl>
+                                          <p:spTgt spid="3">
+                                            <p:txEl>
+                                              <p:pRg st="8" end="8"/>
+                                            </p:txEl>
+                                          </p:spTgt>
+                                        </p:tgtEl>
+                                        <p:attrNameLst>
+                                          <p:attrName>style.visibility</p:attrName>
+                                        </p:attrNameLst>
+                                      </p:cBhvr>
+                                      <p:to>
+                                        <p:strVal val="visible"/>
+                                      </p:to>
+                                    </p:set>
+                                    <p:animEffect transition="in" filter="fade">
+                                      <p:cBhvr>
+                                        <p:cTn id="40" dur="500"/>
+                                        <p:tgtEl>
+                                          <p:spTgt spid="3">
+                                            <p:txEl>
+                                              <p:pRg st="8" end="8"/>
+                                            </p:txEl>
+                                          </p:spTgt>
+                                        </p:tgtEl>
+                                      </p:cBhvr>
+                                    </p:animEffect>
+                                  </p:childTnLst>
+                                </p:cTn>
+                              </p:par>
+                            </p:childTnLst>
+                          </p:cTn>
+                        </p:par>
+                      </p:childTnLst>
+                    </p:cTn>
+                  </p:par>
+                  <p:par>
+                    <p:cTn id="41" fill="hold">
+                      <p:stCondLst>
+                        <p:cond delay="indefinite"/>
+                      </p:stCondLst>
+                      <p:childTnLst>
+                        <p:par>
+                          <p:cTn id="42" fill="hold">
+                            <p:stCondLst>
+                              <p:cond delay="0"/>
+                            </p:stCondLst>
+                            <p:childTnLst>
+                              <p:par>
+                                <p:cTn id="43" presetID="10" presetClass="entr" presetSubtype="0" fill="hold" grpId="0" nodeType="clickEffect">
+                                  <p:stCondLst>
+                                    <p:cond delay="0"/>
+                                  </p:stCondLst>
+                                  <p:childTnLst>
+                                    <p:set>
+                                      <p:cBhvr>
+                                        <p:cTn id="44" dur="1" fill="hold">
+                                          <p:stCondLst>
+                                            <p:cond delay="0"/>
+                                          </p:stCondLst>
+                                        </p:cTn>
+                                        <p:tgtEl>
+                                          <p:spTgt spid="4">
+                                            <p:bg/>
+                                          </p:spTgt>
+                                        </p:tgtEl>
+                                        <p:attrNameLst>
+                                          <p:attrName>style.visibility</p:attrName>
+                                        </p:attrNameLst>
+                                      </p:cBhvr>
+                                      <p:to>
+                                        <p:strVal val="visible"/>
+                                      </p:to>
+                                    </p:set>
+                                    <p:animEffect transition="in" filter="fade">
+                                      <p:cBhvr>
+                                        <p:cTn id="45" dur="500"/>
+                                        <p:tgtEl>
+                                          <p:spTgt spid="4">
+                                            <p:bg/>
+                                          </p:spTgt>
+                                        </p:tgtEl>
+                                      </p:cBhvr>
+                                    </p:animEffect>
+                                  </p:childTnLst>
+                                </p:cTn>
+                              </p:par>
+                              <p:par>
+                                <p:cTn id="46" presetID="10" presetClass="entr" presetSubtype="0" fill="hold" grpId="0" nodeType="withEffect">
+                                  <p:stCondLst>
+                                    <p:cond delay="0"/>
+                                  </p:stCondLst>
+                                  <p:childTnLst>
+                                    <p:set>
+                                      <p:cBhvr>
+                                        <p:cTn id="47" dur="1" fill="hold">
+                                          <p:stCondLst>
+                                            <p:cond delay="0"/>
+                                          </p:stCondLst>
+                                        </p:cTn>
+                                        <p:tgtEl>
+                                          <p:spTgt spid="4">
+                                            <p:txEl>
+                                              <p:pRg st="1" end="1"/>
+                                            </p:txEl>
+                                          </p:spTgt>
+                                        </p:tgtEl>
+                                        <p:attrNameLst>
+                                          <p:attrName>style.visibility</p:attrName>
+                                        </p:attrNameLst>
+                                      </p:cBhvr>
+                                      <p:to>
+                                        <p:strVal val="visible"/>
+                                      </p:to>
+                                    </p:set>
+                                    <p:animEffect transition="in" filter="fade">
+                                      <p:cBhvr>
+                                        <p:cTn id="48" dur="500"/>
+                                        <p:tgtEl>
+                                          <p:spTgt spid="4">
+                                            <p:txEl>
+                                              <p:pRg st="1" end="1"/>
+                                            </p:txEl>
+                                          </p:spTgt>
+                                        </p:tgtEl>
+                                      </p:cBhvr>
+                                    </p:animEffect>
+                                  </p:childTnLst>
+                                </p:cTn>
+                              </p:par>
+                            </p:childTnLst>
+                          </p:cTn>
+                        </p:par>
+                      </p:childTnLst>
+                    </p:cTn>
+                  </p:par>
+                  <p:par>
+                    <p:cTn id="49" fill="hold">
+                      <p:stCondLst>
+                        <p:cond delay="indefinite"/>
+                      </p:stCondLst>
+                      <p:childTnLst>
+                        <p:par>
+                          <p:cTn id="50" fill="hold">
+                            <p:stCondLst>
+                              <p:cond delay="0"/>
+                            </p:stCondLst>
+                            <p:childTnLst>
+                              <p:par>
+                                <p:cTn id="51" presetID="10" presetClass="entr" presetSubtype="0" fill="hold" grpId="0" nodeType="clickEffect">
+                                  <p:stCondLst>
+                                    <p:cond delay="0"/>
+                                  </p:stCondLst>
+                                  <p:childTnLst>
+                                    <p:set>
+                                      <p:cBhvr>
+                                        <p:cTn id="52" dur="1" fill="hold">
+                                          <p:stCondLst>
+                                            <p:cond delay="0"/>
+                                          </p:stCondLst>
+                                        </p:cTn>
+                                        <p:tgtEl>
+                                          <p:spTgt spid="4">
+                                            <p:txEl>
+                                              <p:pRg st="2" end="2"/>
+                                            </p:txEl>
+                                          </p:spTgt>
+                                        </p:tgtEl>
+                                        <p:attrNameLst>
+                                          <p:attrName>style.visibility</p:attrName>
+                                        </p:attrNameLst>
+                                      </p:cBhvr>
+                                      <p:to>
+                                        <p:strVal val="visible"/>
+                                      </p:to>
+                                    </p:set>
+                                    <p:animEffect transition="in" filter="fade">
+                                      <p:cBhvr>
+                                        <p:cTn id="53" dur="500"/>
+                                        <p:tgtEl>
+                                          <p:spTgt spid="4">
+                                            <p:txEl>
+                                              <p:pRg st="2" end="2"/>
+                                            </p:txEl>
+                                          </p:spTgt>
+                                        </p:tgtEl>
+                                      </p:cBhvr>
+                                    </p:animEffect>
+                                  </p:childTnLst>
+                                </p:cTn>
+                              </p:par>
+                            </p:childTnLst>
+                          </p:cTn>
+                        </p:par>
+                      </p:childTnLst>
+                    </p:cTn>
+                  </p:par>
+                  <p:par>
+                    <p:cTn id="54" fill="hold">
+                      <p:stCondLst>
+                        <p:cond delay="indefinite"/>
+                      </p:stCondLst>
+                      <p:childTnLst>
+                        <p:par>
+                          <p:cTn id="55" fill="hold">
+                            <p:stCondLst>
+                              <p:cond delay="0"/>
+                            </p:stCondLst>
+                            <p:childTnLst>
+                              <p:par>
+                                <p:cTn id="56" presetID="10" presetClass="entr" presetSubtype="0" fill="hold" grpId="0" nodeType="clickEffect">
+                                  <p:stCondLst>
+                                    <p:cond delay="0"/>
+                                  </p:stCondLst>
+                                  <p:childTnLst>
+                                    <p:set>
+                                      <p:cBhvr>
+                                        <p:cTn id="57" dur="1" fill="hold">
+                                          <p:stCondLst>
+                                            <p:cond delay="0"/>
+                                          </p:stCondLst>
+                                        </p:cTn>
+                                        <p:tgtEl>
+                                          <p:spTgt spid="4">
+                                            <p:txEl>
+                                              <p:pRg st="3" end="3"/>
+                                            </p:txEl>
+                                          </p:spTgt>
+                                        </p:tgtEl>
+                                        <p:attrNameLst>
+                                          <p:attrName>style.visibility</p:attrName>
+                                        </p:attrNameLst>
+                                      </p:cBhvr>
+                                      <p:to>
+                                        <p:strVal val="visible"/>
+                                      </p:to>
+                                    </p:set>
+                                    <p:animEffect transition="in" filter="fade">
+                                      <p:cBhvr>
+                                        <p:cTn id="58" dur="500"/>
+                                        <p:tgtEl>
+                                          <p:spTgt spid="4">
+                                            <p:txEl>
+                                              <p:pRg st="3" end="3"/>
+                                            </p:txEl>
+                                          </p:spTgt>
+                                        </p:tgtEl>
+                                      </p:cBhvr>
+                                    </p:animEffect>
+                                  </p:childTnLst>
+                                </p:cTn>
+                              </p:par>
+                            </p:childTnLst>
+                          </p:cTn>
+                        </p:par>
+                      </p:childTnLst>
+                    </p:cTn>
+                  </p:par>
+                  <p:par>
+                    <p:cTn id="59" fill="hold">
+                      <p:stCondLst>
+                        <p:cond delay="indefinite"/>
+                      </p:stCondLst>
+                      <p:childTnLst>
+                        <p:par>
+                          <p:cTn id="60" fill="hold">
+                            <p:stCondLst>
+                              <p:cond delay="0"/>
+                            </p:stCondLst>
+                            <p:childTnLst>
+                              <p:par>
+                                <p:cTn id="61" presetID="10" presetClass="entr" presetSubtype="0" fill="hold" grpId="0" nodeType="clickEffect">
+                                  <p:stCondLst>
+                                    <p:cond delay="0"/>
+                                  </p:stCondLst>
+                                  <p:childTnLst>
+                                    <p:set>
+                                      <p:cBhvr>
+                                        <p:cTn id="62" dur="1" fill="hold">
+                                          <p:stCondLst>
+                                            <p:cond delay="0"/>
+                                          </p:stCondLst>
+                                        </p:cTn>
+                                        <p:tgtEl>
+                                          <p:spTgt spid="4">
+                                            <p:txEl>
+                                              <p:pRg st="4" end="4"/>
+                                            </p:txEl>
+                                          </p:spTgt>
+                                        </p:tgtEl>
+                                        <p:attrNameLst>
+                                          <p:attrName>style.visibility</p:attrName>
+                                        </p:attrNameLst>
+                                      </p:cBhvr>
+                                      <p:to>
+                                        <p:strVal val="visible"/>
+                                      </p:to>
+                                    </p:set>
+                                    <p:animEffect transition="in" filter="fade">
+                                      <p:cBhvr>
+                                        <p:cTn id="63" dur="500"/>
+                                        <p:tgtEl>
+                                          <p:spTgt spid="4">
+                                            <p:txEl>
+                                              <p:pRg st="4" end="4"/>
+                                            </p:txEl>
+                                          </p:spTgt>
+                                        </p:tgtEl>
+                                      </p:cBhvr>
+                                    </p:animEffect>
+                                  </p:childTnLst>
+                                </p:cTn>
+                              </p:par>
+                            </p:childTnLst>
+                          </p:cTn>
+                        </p:par>
+                      </p:childTnLst>
+                    </p:cTn>
+                  </p:par>
+                  <p:par>
+                    <p:cTn id="64" fill="hold">
+                      <p:stCondLst>
+                        <p:cond delay="indefinite"/>
+                      </p:stCondLst>
+                      <p:childTnLst>
+                        <p:par>
+                          <p:cTn id="65" fill="hold">
+                            <p:stCondLst>
+                              <p:cond delay="0"/>
+                            </p:stCondLst>
+                            <p:childTnLst>
+                              <p:par>
+                                <p:cTn id="66" presetID="10" presetClass="entr" presetSubtype="0" fill="hold" grpId="0" nodeType="clickEffect">
+                                  <p:stCondLst>
+                                    <p:cond delay="0"/>
+                                  </p:stCondLst>
+                                  <p:childTnLst>
+                                    <p:set>
+                                      <p:cBhvr>
+                                        <p:cTn id="67" dur="1" fill="hold">
+                                          <p:stCondLst>
+                                            <p:cond delay="0"/>
+                                          </p:stCondLst>
+                                        </p:cTn>
+                                        <p:tgtEl>
+                                          <p:spTgt spid="4">
+                                            <p:txEl>
+                                              <p:pRg st="5" end="5"/>
+                                            </p:txEl>
+                                          </p:spTgt>
+                                        </p:tgtEl>
+                                        <p:attrNameLst>
+                                          <p:attrName>style.visibility</p:attrName>
+                                        </p:attrNameLst>
+                                      </p:cBhvr>
+                                      <p:to>
+                                        <p:strVal val="visible"/>
+                                      </p:to>
+                                    </p:set>
+                                    <p:animEffect transition="in" filter="fade">
+                                      <p:cBhvr>
+                                        <p:cTn id="68" dur="500"/>
+                                        <p:tgtEl>
+                                          <p:spTgt spid="4">
+                                            <p:txEl>
+                                              <p:pRg st="5" end="5"/>
+                                            </p:txEl>
+                                          </p:spTgt>
+                                        </p:tgtEl>
+                                      </p:cBhvr>
+                                    </p:animEffect>
+                                  </p:childTnLst>
+                                </p:cTn>
+                              </p:par>
+                            </p:childTnLst>
+                          </p:cTn>
+                        </p:par>
+                      </p:childTnLst>
+                    </p:cTn>
+                  </p:par>
+                  <p:par>
+                    <p:cTn id="69" fill="hold">
+                      <p:stCondLst>
+                        <p:cond delay="indefinite"/>
+                      </p:stCondLst>
+                      <p:childTnLst>
+                        <p:par>
+                          <p:cTn id="70" fill="hold">
+                            <p:stCondLst>
+                              <p:cond delay="0"/>
+                            </p:stCondLst>
+                            <p:childTnLst>
+                              <p:par>
+                                <p:cTn id="71" presetID="10" presetClass="entr" presetSubtype="0" fill="hold" grpId="0" nodeType="clickEffect">
+                                  <p:stCondLst>
+                                    <p:cond delay="0"/>
+                                  </p:stCondLst>
+                                  <p:childTnLst>
+                                    <p:set>
+                                      <p:cBhvr>
+                                        <p:cTn id="72" dur="1" fill="hold">
+                                          <p:stCondLst>
+                                            <p:cond delay="0"/>
+                                          </p:stCondLst>
+                                        </p:cTn>
+                                        <p:tgtEl>
+                                          <p:spTgt spid="4">
+                                            <p:txEl>
+                                              <p:pRg st="8" end="8"/>
+                                            </p:txEl>
+                                          </p:spTgt>
+                                        </p:tgtEl>
+                                        <p:attrNameLst>
+                                          <p:attrName>style.visibility</p:attrName>
+                                        </p:attrNameLst>
+                                      </p:cBhvr>
+                                      <p:to>
+                                        <p:strVal val="visible"/>
+                                      </p:to>
+                                    </p:set>
+                                    <p:animEffect transition="in" filter="fade">
+                                      <p:cBhvr>
+                                        <p:cTn id="73" dur="500"/>
+                                        <p:tgtEl>
+                                          <p:spTgt spid="4">
+                                            <p:txEl>
+                                              <p:pRg st="8" end="8"/>
+                                            </p:txEl>
+                                          </p:spTgt>
+                                        </p:tgtEl>
+                                      </p:cBhvr>
+                                    </p:animEffect>
+                                  </p:childTnLst>
+                                </p:cTn>
+                              </p:par>
+                            </p:childTnLst>
+                          </p:cTn>
+                        </p:par>
+                      </p:childTnLst>
+                    </p:cTn>
+                  </p:par>
+                </p:childTnLst>
+              </p:cTn>
+              <p:prevCondLst>
+                <p:cond evt="onPrev" delay="0">
+                  <p:tgtEl>
+                    <p:sldTgt/>
+                  </p:tgtEl>
+                </p:cond>
+              </p:prevCondLst>
+              <p:nextCondLst>
+                <p:cond evt="onNext" delay="0">
+                  <p:tgtEl>
+                    <p:sldTgt/>
+                  </p:tgtEl>
+                </p:cond>
+              </p:nextCondLst>
+            </p:seq>
+          </p:childTnLst>
+        </p:cTn>
+      </p:par>
+    </p:tnLst>
+    <p:bldLst>
+      <p:bldP spid="3" grpId="0" uiExpand="1" build="p" animBg="1"/>
+      <p:bldP spid="4" grpId="0" uiExpand="1" build="p" animBg="1"/>
+    </p:bldLst>
+  </p:timing>
+</p:sld>
+</file>
+
+<file path=ppt/slides/slide5.xml><?xml version="1.0" encoding="utf-8"?>
+<p:sld xmlns:a="http://schemas.openxmlformats.org/drawingml/2006/main" xmlns:r="http://schemas.openxmlformats.org/officeDocument/2006/relationships" xmlns:p="http://schemas.openxmlformats.org/presentationml/2006/main">
+  <p:cSld>
+    <p:bg>
+      <p:bgPr>
+        <a:solidFill>
+          <a:schemeClr val="tx1">
+            <a:lumMod val="50000"/>
+          </a:schemeClr>
+        </a:solidFill>
+        <a:effectLst/>
+      </p:bgPr>
+    </p:bg>
+    <p:spTree>
+      <p:nvGrpSpPr>
+        <p:cNvPr id="1" name=""/>
+        <p:cNvGrpSpPr/>
+        <p:nvPr/>
+      </p:nvGrpSpPr>
+      <p:grpSpPr>
+        <a:xfrm>
+          <a:off x="0" y="0"/>
+          <a:ext cx="0" cy="0"/>
+          <a:chOff x="0" y="0"/>
+          <a:chExt cx="0" cy="0"/>
+        </a:xfrm>
+      </p:grpSpPr>
+      <p:sp>
+        <p:nvSpPr>
+          <p:cNvPr id="2" name="Title 1"/>
+          <p:cNvSpPr>
+            <a:spLocks noGrp="1"/>
+          </p:cNvSpPr>
+          <p:nvPr>
+            <p:ph type="title"/>
+          </p:nvPr>
+        </p:nvSpPr>
+        <p:spPr/>
+        <p:txBody>
+          <a:bodyPr/>
+          <a:lstStyle/>
+          <a:p>
+            <a:r>
+              <a:rPr lang="en-US"/>
+              <a:t>Variables </a:t>
+            </a:r>
+            <a:r>
+              <a:rPr lang="en-US" dirty="0"/>
+              <a:t>example</a:t>
+            </a:r>
+          </a:p>
+        </p:txBody>
+      </p:sp>
+      <p:sp>
+        <p:nvSpPr>
+          <p:cNvPr id="3" name="Content Placeholder 2"/>
+          <p:cNvSpPr>
+            <a:spLocks noGrp="1"/>
+          </p:cNvSpPr>
+          <p:nvPr>
+            <p:ph idx="1"/>
+          </p:nvPr>
+        </p:nvSpPr>
+        <p:spPr/>
+        <p:txBody>
+          <a:bodyPr>
+            <a:noAutofit/>
+          </a:bodyPr>
+          <a:lstStyle/>
+          <a:p>
+            <a:pPr marL="57150" indent="0">
+              <a:buNone/>
+            </a:pPr>
+            <a:r>
+              <a:rPr lang="en-US" sz="8800" dirty="0">
+                <a:hlinkClick r:id="rId3"/>
+              </a:rPr>
+              <a:t>https://replit.com/@HylandOutreach/VariablesExample#script.js</a:t>
+            </a:r>
+            <a:endParaRPr lang="en-US" sz="9600" dirty="0"/>
+          </a:p>
+        </p:txBody>
+      </p:sp>
+    </p:spTree>
+    <p:extLst>
+      <p:ext uri="{BB962C8B-B14F-4D97-AF65-F5344CB8AC3E}">
+        <p14:creationId xmlns:p14="http://schemas.microsoft.com/office/powerpoint/2010/main" val="240313177"/>
       </p:ext>
     </p:extLst>
   </p:cSld>
@@ -38475,29 +40377,17 @@
             </a:r>
           </a:p>
           <a:p>
-            <a:pPr marL="57150" indent="0">
-              <a:buNone/>
-            </a:pPr>
-            <a:endParaRPr lang="en-US" sz="4000" dirty="0"/>
-          </a:p>
-          <a:p>
-            <a:pPr marL="57150" indent="0">
-              <a:buNone/>
-            </a:pPr>
-            <a:endParaRPr lang="en-US" sz="4000" dirty="0"/>
-          </a:p>
-          <a:p>
             <a:pPr marL="0" indent="0">
               <a:buNone/>
             </a:pPr>
             <a:r>
-              <a:rPr lang="en-US" sz="4800" dirty="0" err="1">
+              <a:rPr lang="en-US" sz="4800" dirty="0">
                 <a:solidFill>
                   <a:srgbClr val="0000FF"/>
                 </a:solidFill>
                 <a:latin typeface="Consolas" panose="020B0609020204030204" pitchFamily="49" charset="0"/>
               </a:rPr>
-              <a:t>var</a:t>
+              <a:t>let</a:t>
             </a:r>
             <a:r>
               <a:rPr lang="en-US" sz="4800" dirty="0">
@@ -38603,6 +40493,178 @@
           </a:p>
         </p:txBody>
       </p:sp>
+      <p:sp>
+        <p:nvSpPr>
+          <p:cNvPr id="4" name="Rectangle 3">
+            <a:extLst>
+              <a:ext uri="{FF2B5EF4-FFF2-40B4-BE49-F238E27FC236}">
+                <a16:creationId xmlns:a16="http://schemas.microsoft.com/office/drawing/2014/main" id="{BCEEEF4B-D229-4DE7-B440-B04E58F1C004}"/>
+              </a:ext>
+            </a:extLst>
+          </p:cNvPr>
+          <p:cNvSpPr/>
+          <p:nvPr/>
+        </p:nvSpPr>
+        <p:spPr bwMode="auto">
+          <a:xfrm>
+            <a:off x="381000" y="4686300"/>
+            <a:ext cx="5257800" cy="1714500"/>
+          </a:xfrm>
+          <a:prstGeom prst="rect">
+            <a:avLst/>
+          </a:prstGeom>
+          <a:solidFill>
+            <a:schemeClr val="accent2">
+              <a:lumMod val="75000"/>
+            </a:schemeClr>
+          </a:solidFill>
+          <a:ln w="12700">
+            <a:solidFill>
+              <a:schemeClr val="tx2"/>
+            </a:solidFill>
+            <a:miter lim="800000"/>
+            <a:headEnd type="none" w="med" len="med"/>
+            <a:tailEnd type="none" w="med" len="med"/>
+          </a:ln>
+          <a:effectLst/>
+        </p:spPr>
+        <p:style>
+          <a:lnRef idx="1">
+            <a:schemeClr val="accent2"/>
+          </a:lnRef>
+          <a:fillRef idx="3">
+            <a:schemeClr val="accent2"/>
+          </a:fillRef>
+          <a:effectRef idx="2">
+            <a:schemeClr val="accent2"/>
+          </a:effectRef>
+          <a:fontRef idx="minor">
+            <a:schemeClr val="lt1"/>
+          </a:fontRef>
+        </p:style>
+        <p:txBody>
+          <a:bodyPr rot="0" spcFirstLastPara="0" vertOverflow="overflow" horzOverflow="overflow" vert="horz" wrap="square" lIns="182880" tIns="146304" rIns="182880" bIns="146304" numCol="1" spcCol="0" rtlCol="0" fromWordArt="0" anchor="t" anchorCtr="0" forceAA="0" compatLnSpc="1">
+            <a:prstTxWarp prst="textNoShape">
+              <a:avLst/>
+            </a:prstTxWarp>
+            <a:noAutofit/>
+          </a:bodyPr>
+          <a:lstStyle/>
+          <a:p>
+            <a:pPr algn="ctr" defTabSz="932472" fontAlgn="base">
+              <a:lnSpc>
+                <a:spcPct val="90000"/>
+              </a:lnSpc>
+              <a:spcBef>
+                <a:spcPct val="0"/>
+              </a:spcBef>
+              <a:spcAft>
+                <a:spcPct val="0"/>
+              </a:spcAft>
+            </a:pPr>
+            <a:r>
+              <a:rPr lang="en-US" sz="4400" b="1" i="1" dirty="0">
+                <a:gradFill>
+                  <a:gsLst>
+                    <a:gs pos="0">
+                      <a:srgbClr val="FFFFFF"/>
+                    </a:gs>
+                    <a:gs pos="100000">
+                      <a:srgbClr val="FFFFFF"/>
+                    </a:gs>
+                  </a:gsLst>
+                  <a:lin ang="5400000" scaled="0"/>
+                </a:gradFill>
+                <a:ea typeface="Segoe UI" pitchFamily="34" charset="0"/>
+                <a:cs typeface="Segoe UI" pitchFamily="34" charset="0"/>
+              </a:rPr>
+              <a:t>What message will appear?</a:t>
+            </a:r>
+          </a:p>
+        </p:txBody>
+      </p:sp>
+      <p:sp>
+        <p:nvSpPr>
+          <p:cNvPr id="5" name="Rectangle 4">
+            <a:extLst>
+              <a:ext uri="{FF2B5EF4-FFF2-40B4-BE49-F238E27FC236}">
+                <a16:creationId xmlns:a16="http://schemas.microsoft.com/office/drawing/2014/main" id="{D78CC5C5-849C-46B3-AE50-58811872C3DD}"/>
+              </a:ext>
+            </a:extLst>
+          </p:cNvPr>
+          <p:cNvSpPr/>
+          <p:nvPr/>
+        </p:nvSpPr>
+        <p:spPr bwMode="auto">
+          <a:xfrm>
+            <a:off x="6324600" y="4914900"/>
+            <a:ext cx="5257800" cy="1257300"/>
+          </a:xfrm>
+          <a:prstGeom prst="rect">
+            <a:avLst/>
+          </a:prstGeom>
+          <a:solidFill>
+            <a:schemeClr val="accent2">
+              <a:lumMod val="75000"/>
+            </a:schemeClr>
+          </a:solidFill>
+          <a:ln w="12700">
+            <a:solidFill>
+              <a:schemeClr val="tx2"/>
+            </a:solidFill>
+            <a:miter lim="800000"/>
+            <a:headEnd type="none" w="med" len="med"/>
+            <a:tailEnd type="none" w="med" len="med"/>
+          </a:ln>
+          <a:effectLst/>
+        </p:spPr>
+        <p:style>
+          <a:lnRef idx="1">
+            <a:schemeClr val="accent2"/>
+          </a:lnRef>
+          <a:fillRef idx="3">
+            <a:schemeClr val="accent2"/>
+          </a:fillRef>
+          <a:effectRef idx="2">
+            <a:schemeClr val="accent2"/>
+          </a:effectRef>
+          <a:fontRef idx="minor">
+            <a:schemeClr val="lt1"/>
+          </a:fontRef>
+        </p:style>
+        <p:txBody>
+          <a:bodyPr rot="0" spcFirstLastPara="0" vertOverflow="overflow" horzOverflow="overflow" vert="horz" wrap="square" lIns="182880" tIns="146304" rIns="182880" bIns="146304" numCol="1" spcCol="0" rtlCol="0" fromWordArt="0" anchor="t" anchorCtr="0" forceAA="0" compatLnSpc="1">
+            <a:prstTxWarp prst="textNoShape">
+              <a:avLst/>
+            </a:prstTxWarp>
+            <a:noAutofit/>
+          </a:bodyPr>
+          <a:lstStyle/>
+          <a:p>
+            <a:pPr algn="ctr" defTabSz="932472" fontAlgn="base">
+              <a:lnSpc>
+                <a:spcPct val="90000"/>
+              </a:lnSpc>
+              <a:spcBef>
+                <a:spcPct val="0"/>
+              </a:spcBef>
+              <a:spcAft>
+                <a:spcPct val="0"/>
+              </a:spcAft>
+            </a:pPr>
+            <a:r>
+              <a:rPr lang="en-US" sz="6600" b="1" dirty="0">
+                <a:solidFill>
+                  <a:srgbClr val="FFC000"/>
+                </a:solidFill>
+                <a:ea typeface="Segoe UI" pitchFamily="34" charset="0"/>
+                <a:cs typeface="Segoe UI" pitchFamily="34" charset="0"/>
+              </a:rPr>
+              <a:t>Hello, Jane</a:t>
+            </a:r>
+          </a:p>
+        </p:txBody>
+      </p:sp>
     </p:spTree>
     <p:extLst>
       <p:ext uri="{BB962C8B-B14F-4D97-AF65-F5344CB8AC3E}">
@@ -38616,6 +40678,293 @@
   <p:transition>
     <p:fade/>
   </p:transition>
+  <p:timing>
+    <p:tnLst>
+      <p:par>
+        <p:cTn id="1" dur="indefinite" restart="never" nodeType="tmRoot">
+          <p:childTnLst>
+            <p:seq concurrent="1" nextAc="seek">
+              <p:cTn id="2" dur="indefinite" nodeType="mainSeq">
+                <p:childTnLst>
+                  <p:par>
+                    <p:cTn id="3" fill="hold">
+                      <p:stCondLst>
+                        <p:cond delay="indefinite"/>
+                      </p:stCondLst>
+                      <p:childTnLst>
+                        <p:par>
+                          <p:cTn id="4" fill="hold">
+                            <p:stCondLst>
+                              <p:cond delay="0"/>
+                            </p:stCondLst>
+                            <p:childTnLst>
+                              <p:par>
+                                <p:cTn id="5" presetID="10" presetClass="entr" presetSubtype="0" fill="hold" nodeType="clickEffect">
+                                  <p:stCondLst>
+                                    <p:cond delay="0"/>
+                                  </p:stCondLst>
+                                  <p:childTnLst>
+                                    <p:set>
+                                      <p:cBhvr>
+                                        <p:cTn id="6" dur="1" fill="hold">
+                                          <p:stCondLst>
+                                            <p:cond delay="0"/>
+                                          </p:stCondLst>
+                                        </p:cTn>
+                                        <p:tgtEl>
+                                          <p:spTgt spid="3">
+                                            <p:txEl>
+                                              <p:pRg st="0" end="0"/>
+                                            </p:txEl>
+                                          </p:spTgt>
+                                        </p:tgtEl>
+                                        <p:attrNameLst>
+                                          <p:attrName>style.visibility</p:attrName>
+                                        </p:attrNameLst>
+                                      </p:cBhvr>
+                                      <p:to>
+                                        <p:strVal val="visible"/>
+                                      </p:to>
+                                    </p:set>
+                                    <p:animEffect transition="in" filter="fade">
+                                      <p:cBhvr>
+                                        <p:cTn id="7" dur="500"/>
+                                        <p:tgtEl>
+                                          <p:spTgt spid="3">
+                                            <p:txEl>
+                                              <p:pRg st="0" end="0"/>
+                                            </p:txEl>
+                                          </p:spTgt>
+                                        </p:tgtEl>
+                                      </p:cBhvr>
+                                    </p:animEffect>
+                                  </p:childTnLst>
+                                </p:cTn>
+                              </p:par>
+                              <p:par>
+                                <p:cTn id="8" presetID="10" presetClass="entr" presetSubtype="0" fill="hold" nodeType="withEffect">
+                                  <p:stCondLst>
+                                    <p:cond delay="0"/>
+                                  </p:stCondLst>
+                                  <p:childTnLst>
+                                    <p:set>
+                                      <p:cBhvr>
+                                        <p:cTn id="9" dur="1" fill="hold">
+                                          <p:stCondLst>
+                                            <p:cond delay="0"/>
+                                          </p:stCondLst>
+                                        </p:cTn>
+                                        <p:tgtEl>
+                                          <p:spTgt spid="3">
+                                            <p:txEl>
+                                              <p:pRg st="1" end="1"/>
+                                            </p:txEl>
+                                          </p:spTgt>
+                                        </p:tgtEl>
+                                        <p:attrNameLst>
+                                          <p:attrName>style.visibility</p:attrName>
+                                        </p:attrNameLst>
+                                      </p:cBhvr>
+                                      <p:to>
+                                        <p:strVal val="visible"/>
+                                      </p:to>
+                                    </p:set>
+                                    <p:animEffect transition="in" filter="fade">
+                                      <p:cBhvr>
+                                        <p:cTn id="10" dur="500"/>
+                                        <p:tgtEl>
+                                          <p:spTgt spid="3">
+                                            <p:txEl>
+                                              <p:pRg st="1" end="1"/>
+                                            </p:txEl>
+                                          </p:spTgt>
+                                        </p:tgtEl>
+                                      </p:cBhvr>
+                                    </p:animEffect>
+                                  </p:childTnLst>
+                                </p:cTn>
+                              </p:par>
+                              <p:par>
+                                <p:cTn id="11" presetID="10" presetClass="entr" presetSubtype="0" fill="hold" nodeType="withEffect">
+                                  <p:stCondLst>
+                                    <p:cond delay="0"/>
+                                  </p:stCondLst>
+                                  <p:childTnLst>
+                                    <p:set>
+                                      <p:cBhvr>
+                                        <p:cTn id="12" dur="1" fill="hold">
+                                          <p:stCondLst>
+                                            <p:cond delay="0"/>
+                                          </p:stCondLst>
+                                        </p:cTn>
+                                        <p:tgtEl>
+                                          <p:spTgt spid="3">
+                                            <p:txEl>
+                                              <p:pRg st="2" end="2"/>
+                                            </p:txEl>
+                                          </p:spTgt>
+                                        </p:tgtEl>
+                                        <p:attrNameLst>
+                                          <p:attrName>style.visibility</p:attrName>
+                                        </p:attrNameLst>
+                                      </p:cBhvr>
+                                      <p:to>
+                                        <p:strVal val="visible"/>
+                                      </p:to>
+                                    </p:set>
+                                    <p:animEffect transition="in" filter="fade">
+                                      <p:cBhvr>
+                                        <p:cTn id="13" dur="500"/>
+                                        <p:tgtEl>
+                                          <p:spTgt spid="3">
+                                            <p:txEl>
+                                              <p:pRg st="2" end="2"/>
+                                            </p:txEl>
+                                          </p:spTgt>
+                                        </p:tgtEl>
+                                      </p:cBhvr>
+                                    </p:animEffect>
+                                  </p:childTnLst>
+                                </p:cTn>
+                              </p:par>
+                            </p:childTnLst>
+                          </p:cTn>
+                        </p:par>
+                      </p:childTnLst>
+                    </p:cTn>
+                  </p:par>
+                  <p:par>
+                    <p:cTn id="14" fill="hold">
+                      <p:stCondLst>
+                        <p:cond delay="indefinite"/>
+                      </p:stCondLst>
+                      <p:childTnLst>
+                        <p:par>
+                          <p:cTn id="15" fill="hold">
+                            <p:stCondLst>
+                              <p:cond delay="0"/>
+                            </p:stCondLst>
+                            <p:childTnLst>
+                              <p:par>
+                                <p:cTn id="16" presetID="10" presetClass="entr" presetSubtype="0" fill="hold" grpId="0" nodeType="clickEffect">
+                                  <p:stCondLst>
+                                    <p:cond delay="0"/>
+                                  </p:stCondLst>
+                                  <p:childTnLst>
+                                    <p:set>
+                                      <p:cBhvr>
+                                        <p:cTn id="17" dur="1" fill="hold">
+                                          <p:stCondLst>
+                                            <p:cond delay="0"/>
+                                          </p:stCondLst>
+                                        </p:cTn>
+                                        <p:tgtEl>
+                                          <p:spTgt spid="4"/>
+                                        </p:tgtEl>
+                                        <p:attrNameLst>
+                                          <p:attrName>style.visibility</p:attrName>
+                                        </p:attrNameLst>
+                                      </p:cBhvr>
+                                      <p:to>
+                                        <p:strVal val="visible"/>
+                                      </p:to>
+                                    </p:set>
+                                    <p:animEffect transition="in" filter="fade">
+                                      <p:cBhvr>
+                                        <p:cTn id="18" dur="500"/>
+                                        <p:tgtEl>
+                                          <p:spTgt spid="4"/>
+                                        </p:tgtEl>
+                                      </p:cBhvr>
+                                    </p:animEffect>
+                                  </p:childTnLst>
+                                </p:cTn>
+                              </p:par>
+                            </p:childTnLst>
+                          </p:cTn>
+                        </p:par>
+                      </p:childTnLst>
+                    </p:cTn>
+                  </p:par>
+                  <p:par>
+                    <p:cTn id="19" fill="hold">
+                      <p:stCondLst>
+                        <p:cond delay="indefinite"/>
+                      </p:stCondLst>
+                      <p:childTnLst>
+                        <p:par>
+                          <p:cTn id="20" fill="hold">
+                            <p:stCondLst>
+                              <p:cond delay="0"/>
+                            </p:stCondLst>
+                            <p:childTnLst>
+                              <p:par>
+                                <p:cTn id="21" presetID="10" presetClass="entr" presetSubtype="0" fill="hold" grpId="0" nodeType="clickEffect">
+                                  <p:stCondLst>
+                                    <p:cond delay="0"/>
+                                  </p:stCondLst>
+                                  <p:childTnLst>
+                                    <p:set>
+                                      <p:cBhvr>
+                                        <p:cTn id="22" dur="1" fill="hold">
+                                          <p:stCondLst>
+                                            <p:cond delay="0"/>
+                                          </p:stCondLst>
+                                        </p:cTn>
+                                        <p:tgtEl>
+                                          <p:spTgt spid="5"/>
+                                        </p:tgtEl>
+                                        <p:attrNameLst>
+                                          <p:attrName>style.visibility</p:attrName>
+                                        </p:attrNameLst>
+                                      </p:cBhvr>
+                                      <p:to>
+                                        <p:strVal val="visible"/>
+                                      </p:to>
+                                    </p:set>
+                                    <p:animEffect transition="in" filter="fade">
+                                      <p:cBhvr>
+                                        <p:cTn id="23" dur="500"/>
+                                        <p:tgtEl>
+                                          <p:spTgt spid="5"/>
+                                        </p:tgtEl>
+                                      </p:cBhvr>
+                                    </p:animEffect>
+                                  </p:childTnLst>
+                                </p:cTn>
+                              </p:par>
+                            </p:childTnLst>
+                          </p:cTn>
+                        </p:par>
+                      </p:childTnLst>
+                    </p:cTn>
+                  </p:par>
+                </p:childTnLst>
+              </p:cTn>
+              <p:prevCondLst>
+                <p:cond evt="onPrev" delay="0">
+                  <p:tgtEl>
+                    <p:sldTgt/>
+                  </p:tgtEl>
+                </p:cond>
+              </p:prevCondLst>
+              <p:nextCondLst>
+                <p:cond evt="onNext" delay="0">
+                  <p:tgtEl>
+                    <p:sldTgt/>
+                  </p:tgtEl>
+                </p:cond>
+              </p:nextCondLst>
+            </p:seq>
+          </p:childTnLst>
+        </p:cTn>
+      </p:par>
+    </p:tnLst>
+    <p:bldLst>
+      <p:bldP spid="4" grpId="0" animBg="1"/>
+      <p:bldP spid="5" grpId="0" animBg="1"/>
+    </p:bldLst>
+  </p:timing>
 </p:sld>
 </file>
 
@@ -38791,13 +41140,13 @@
               <a:buNone/>
             </a:pPr>
             <a:r>
-              <a:rPr lang="en-US" sz="6000" dirty="0" err="1">
+              <a:rPr lang="en-US" sz="6000" dirty="0">
                 <a:solidFill>
                   <a:srgbClr val="0000FF"/>
                 </a:solidFill>
                 <a:latin typeface="Consolas" panose="020B0609020204030204" pitchFamily="49" charset="0"/>
               </a:rPr>
-              <a:t>var</a:t>
+              <a:t>let</a:t>
             </a:r>
             <a:r>
               <a:rPr lang="en-US" sz="6000" dirty="0">
@@ -38850,13 +41199,13 @@
               <a:buNone/>
             </a:pPr>
             <a:r>
-              <a:rPr lang="en-US" sz="6000" dirty="0" err="1">
+              <a:rPr lang="en-US" sz="6000" dirty="0">
                 <a:solidFill>
                   <a:srgbClr val="0000FF"/>
                 </a:solidFill>
                 <a:latin typeface="Consolas" panose="020B0609020204030204" pitchFamily="49" charset="0"/>
               </a:rPr>
-              <a:t>var</a:t>
+              <a:t>let</a:t>
             </a:r>
             <a:r>
               <a:rPr lang="en-US" sz="6000" dirty="0">
@@ -38987,7 +41336,9 @@
         </p:nvSpPr>
         <p:spPr/>
         <p:txBody>
-          <a:bodyPr/>
+          <a:bodyPr>
+            <a:normAutofit/>
+          </a:bodyPr>
           <a:lstStyle/>
           <a:p>
             <a:pPr marL="0" indent="0">
@@ -39071,6 +41422,21 @@
             <a:r>
               <a:rPr lang="en-US" sz="3600" dirty="0"/>
               <a:t>It is possible to store the user’s answer in a variable</a:t>
+            </a:r>
+          </a:p>
+          <a:p>
+            <a:pPr lvl="1"/>
+            <a:r>
+              <a:rPr lang="en-US" dirty="0"/>
+              <a:t>This is called a </a:t>
+            </a:r>
+            <a:r>
+              <a:rPr lang="en-US" i="1" dirty="0"/>
+              <a:t>return</a:t>
+            </a:r>
+            <a:r>
+              <a:rPr lang="en-US" dirty="0"/>
+              <a:t> – a variable can be created and set to the value</a:t>
             </a:r>
           </a:p>
           <a:p>
@@ -39271,6 +41637,49 @@
                                           <p:spTgt spid="3">
                                             <p:txEl>
                                               <p:pRg st="5" end="5"/>
+                                            </p:txEl>
+                                          </p:spTgt>
+                                        </p:tgtEl>
+                                      </p:cBhvr>
+                                    </p:animEffect>
+                                  </p:childTnLst>
+                                </p:cTn>
+                              </p:par>
+                              <p:par>
+                                <p:cTn id="18" presetID="10" presetClass="entr" presetSubtype="0" fill="hold" grpId="0" nodeType="withEffect">
+                                  <p:stCondLst>
+                                    <p:cond delay="0"/>
+                                  </p:stCondLst>
+                                  <p:childTnLst>
+                                    <p:set>
+                                      <p:cBhvr>
+                                        <p:cTn id="19" dur="1" fill="hold">
+                                          <p:stCondLst>
+                                            <p:cond delay="0"/>
+                                          </p:stCondLst>
+                                        </p:cTn>
+                                        <p:tgtEl>
+                                          <p:spTgt spid="3">
+                                            <p:txEl>
+                                              <p:pRg st="6" end="6"/>
+                                            </p:txEl>
+                                          </p:spTgt>
+                                        </p:tgtEl>
+                                        <p:attrNameLst>
+                                          <p:attrName>style.visibility</p:attrName>
+                                        </p:attrNameLst>
+                                      </p:cBhvr>
+                                      <p:to>
+                                        <p:strVal val="visible"/>
+                                      </p:to>
+                                    </p:set>
+                                    <p:animEffect transition="in" filter="fade">
+                                      <p:cBhvr>
+                                        <p:cTn id="20" dur="500"/>
+                                        <p:tgtEl>
+                                          <p:spTgt spid="3">
+                                            <p:txEl>
+                                              <p:pRg st="6" end="6"/>
                                             </p:txEl>
                                           </p:spTgt>
                                         </p:tgtEl>
